--- a/Chapitre_01_Correction/TD_PI/Cy_03_01_TD_PI_01_MC2E/images/Figures.pptx
+++ b/Chapitre_01_Correction/TD_PI/Cy_03_01_TD_PI_01_MC2E/images/Figures.pptx
@@ -5,12 +5,16 @@
     <p:sldMasterId id="2147483648" r:id="rId1"/>
   </p:sldMasterIdLst>
   <p:sldIdLst>
-    <p:sldId id="256" r:id="rId2"/>
-    <p:sldId id="257" r:id="rId3"/>
-    <p:sldId id="261" r:id="rId4"/>
-    <p:sldId id="262" r:id="rId5"/>
-    <p:sldId id="259" r:id="rId6"/>
-    <p:sldId id="258" r:id="rId7"/>
+    <p:sldId id="263" r:id="rId2"/>
+    <p:sldId id="266" r:id="rId3"/>
+    <p:sldId id="265" r:id="rId4"/>
+    <p:sldId id="264" r:id="rId5"/>
+    <p:sldId id="256" r:id="rId6"/>
+    <p:sldId id="257" r:id="rId7"/>
+    <p:sldId id="261" r:id="rId8"/>
+    <p:sldId id="262" r:id="rId9"/>
+    <p:sldId id="259" r:id="rId10"/>
+    <p:sldId id="258" r:id="rId11"/>
   </p:sldIdLst>
   <p:sldSz cx="9144000" cy="6858000" type="screen4x3"/>
   <p:notesSz cx="6858000" cy="9144000"/>
@@ -293,7 +297,7 @@
           <a:p>
             <a:fld id="{AA309A6D-C09C-4548-B29A-6CF363A7E532}" type="datetimeFigureOut">
               <a:rPr lang="fr-FR" smtClean="0"/>
-              <a:t>27/03/2018</a:t>
+              <a:t>10/04/2018</a:t>
             </a:fld>
             <a:endParaRPr lang="fr-BE"/>
           </a:p>
@@ -458,7 +462,7 @@
           <a:p>
             <a:fld id="{AA309A6D-C09C-4548-B29A-6CF363A7E532}" type="datetimeFigureOut">
               <a:rPr lang="fr-FR" smtClean="0"/>
-              <a:t>27/03/2018</a:t>
+              <a:t>10/04/2018</a:t>
             </a:fld>
             <a:endParaRPr lang="fr-BE"/>
           </a:p>
@@ -633,7 +637,7 @@
           <a:p>
             <a:fld id="{AA309A6D-C09C-4548-B29A-6CF363A7E532}" type="datetimeFigureOut">
               <a:rPr lang="fr-FR" smtClean="0"/>
-              <a:t>27/03/2018</a:t>
+              <a:t>10/04/2018</a:t>
             </a:fld>
             <a:endParaRPr lang="fr-BE"/>
           </a:p>
@@ -798,7 +802,7 @@
           <a:p>
             <a:fld id="{AA309A6D-C09C-4548-B29A-6CF363A7E532}" type="datetimeFigureOut">
               <a:rPr lang="fr-FR" smtClean="0"/>
-              <a:t>27/03/2018</a:t>
+              <a:t>10/04/2018</a:t>
             </a:fld>
             <a:endParaRPr lang="fr-BE"/>
           </a:p>
@@ -1039,7 +1043,7 @@
           <a:p>
             <a:fld id="{AA309A6D-C09C-4548-B29A-6CF363A7E532}" type="datetimeFigureOut">
               <a:rPr lang="fr-FR" smtClean="0"/>
-              <a:t>27/03/2018</a:t>
+              <a:t>10/04/2018</a:t>
             </a:fld>
             <a:endParaRPr lang="fr-BE"/>
           </a:p>
@@ -1322,7 +1326,7 @@
           <a:p>
             <a:fld id="{AA309A6D-C09C-4548-B29A-6CF363A7E532}" type="datetimeFigureOut">
               <a:rPr lang="fr-FR" smtClean="0"/>
-              <a:t>27/03/2018</a:t>
+              <a:t>10/04/2018</a:t>
             </a:fld>
             <a:endParaRPr lang="fr-BE"/>
           </a:p>
@@ -1739,7 +1743,7 @@
           <a:p>
             <a:fld id="{AA309A6D-C09C-4548-B29A-6CF363A7E532}" type="datetimeFigureOut">
               <a:rPr lang="fr-FR" smtClean="0"/>
-              <a:t>27/03/2018</a:t>
+              <a:t>10/04/2018</a:t>
             </a:fld>
             <a:endParaRPr lang="fr-BE"/>
           </a:p>
@@ -1852,7 +1856,7 @@
           <a:p>
             <a:fld id="{AA309A6D-C09C-4548-B29A-6CF363A7E532}" type="datetimeFigureOut">
               <a:rPr lang="fr-FR" smtClean="0"/>
-              <a:t>27/03/2018</a:t>
+              <a:t>10/04/2018</a:t>
             </a:fld>
             <a:endParaRPr lang="fr-BE"/>
           </a:p>
@@ -1942,7 +1946,7 @@
           <a:p>
             <a:fld id="{AA309A6D-C09C-4548-B29A-6CF363A7E532}" type="datetimeFigureOut">
               <a:rPr lang="fr-FR" smtClean="0"/>
-              <a:t>27/03/2018</a:t>
+              <a:t>10/04/2018</a:t>
             </a:fld>
             <a:endParaRPr lang="fr-BE"/>
           </a:p>
@@ -2214,7 +2218,7 @@
           <a:p>
             <a:fld id="{AA309A6D-C09C-4548-B29A-6CF363A7E532}" type="datetimeFigureOut">
               <a:rPr lang="fr-FR" smtClean="0"/>
-              <a:t>27/03/2018</a:t>
+              <a:t>10/04/2018</a:t>
             </a:fld>
             <a:endParaRPr lang="fr-BE"/>
           </a:p>
@@ -2462,7 +2466,7 @@
           <a:p>
             <a:fld id="{AA309A6D-C09C-4548-B29A-6CF363A7E532}" type="datetimeFigureOut">
               <a:rPr lang="fr-FR" smtClean="0"/>
-              <a:t>27/03/2018</a:t>
+              <a:t>10/04/2018</a:t>
             </a:fld>
             <a:endParaRPr lang="fr-BE"/>
           </a:p>
@@ -2670,7 +2674,7 @@
           <a:p>
             <a:fld id="{AA309A6D-C09C-4548-B29A-6CF363A7E532}" type="datetimeFigureOut">
               <a:rPr lang="fr-FR" smtClean="0"/>
-              <a:t>27/03/2018</a:t>
+              <a:t>10/04/2018</a:t>
             </a:fld>
             <a:endParaRPr lang="fr-BE"/>
           </a:p>
@@ -3024,6 +3028,3761 @@
 </file>
 
 <file path=ppt/slides/slide1.xml><?xml version="1.0" encoding="utf-8"?>
+<p:sld xmlns:a="http://schemas.openxmlformats.org/drawingml/2006/main" xmlns:r="http://schemas.openxmlformats.org/officeDocument/2006/relationships" xmlns:p="http://schemas.openxmlformats.org/presentationml/2006/main">
+  <p:cSld>
+    <p:spTree>
+      <p:nvGrpSpPr>
+        <p:cNvPr id="1" name=""/>
+        <p:cNvGrpSpPr/>
+        <p:nvPr/>
+      </p:nvGrpSpPr>
+      <p:grpSpPr>
+        <a:xfrm>
+          <a:off x="0" y="0"/>
+          <a:ext cx="0" cy="0"/>
+          <a:chOff x="0" y="0"/>
+          <a:chExt cx="0" cy="0"/>
+        </a:xfrm>
+      </p:grpSpPr>
+      <p:pic>
+        <p:nvPicPr>
+          <p:cNvPr id="1026" name="Picture 2" descr="C:\Enseignement\GitHub\Cy_03_PSI_ConceptionCommande\Chapitre_01_Correction\TD_PI\Cy_03_01_TD_PI_01_MC2E\images\bo.png"/>
+          <p:cNvPicPr>
+            <a:picLocks noChangeAspect="1" noChangeArrowheads="1"/>
+          </p:cNvPicPr>
+          <p:nvPr/>
+        </p:nvPicPr>
+        <p:blipFill>
+          <a:blip r:embed="rId2">
+            <a:extLst>
+              <a:ext uri="{28A0092B-C50C-407E-A947-70E740481C1C}">
+                <a14:useLocalDpi xmlns:a14="http://schemas.microsoft.com/office/drawing/2010/main" val="0"/>
+              </a:ext>
+            </a:extLst>
+          </a:blip>
+          <a:srcRect/>
+          <a:stretch>
+            <a:fillRect/>
+          </a:stretch>
+        </p:blipFill>
+        <p:spPr bwMode="auto">
+          <a:xfrm>
+            <a:off x="755576" y="1772816"/>
+            <a:ext cx="7343775" cy="4552950"/>
+          </a:xfrm>
+          <a:prstGeom prst="rect">
+            <a:avLst/>
+          </a:prstGeom>
+          <a:noFill/>
+          <a:extLst>
+            <a:ext uri="{909E8E84-426E-40DD-AFC4-6F175D3DCCD1}">
+              <a14:hiddenFill xmlns:a14="http://schemas.microsoft.com/office/drawing/2010/main">
+                <a:solidFill>
+                  <a:srgbClr val="FFFFFF"/>
+                </a:solidFill>
+              </a14:hiddenFill>
+            </a:ext>
+          </a:extLst>
+        </p:spPr>
+      </p:pic>
+      <p:cxnSp>
+        <p:nvCxnSpPr>
+          <p:cNvPr id="5" name="Connecteur droit 4"/>
+          <p:cNvCxnSpPr/>
+          <p:nvPr/>
+        </p:nvCxnSpPr>
+        <p:spPr>
+          <a:xfrm flipV="1">
+            <a:off x="6228184" y="5312329"/>
+            <a:ext cx="0" cy="852975"/>
+          </a:xfrm>
+          <a:prstGeom prst="line">
+            <a:avLst/>
+          </a:prstGeom>
+          <a:ln w="57150" cmpd="sng">
+            <a:solidFill>
+              <a:srgbClr val="C00000"/>
+            </a:solidFill>
+            <a:tailEnd type="stealth" w="med" len="lg"/>
+          </a:ln>
+        </p:spPr>
+        <p:style>
+          <a:lnRef idx="1">
+            <a:schemeClr val="accent1"/>
+          </a:lnRef>
+          <a:fillRef idx="0">
+            <a:schemeClr val="accent1"/>
+          </a:fillRef>
+          <a:effectRef idx="0">
+            <a:schemeClr val="accent1"/>
+          </a:effectRef>
+          <a:fontRef idx="minor">
+            <a:schemeClr val="tx1"/>
+          </a:fontRef>
+        </p:style>
+      </p:cxnSp>
+      <mc:AlternateContent xmlns:mc="http://schemas.openxmlformats.org/markup-compatibility/2006">
+        <mc:Choice xmlns:a14="http://schemas.microsoft.com/office/drawing/2010/main" Requires="a14">
+          <p:sp>
+            <p:nvSpPr>
+              <p:cNvPr id="7" name="ZoneTexte 6"/>
+              <p:cNvSpPr txBox="1"/>
+              <p:nvPr/>
+            </p:nvSpPr>
+            <p:spPr>
+              <a:xfrm>
+                <a:off x="4860032" y="5667723"/>
+                <a:ext cx="1241174" cy="369332"/>
+              </a:xfrm>
+              <a:prstGeom prst="rect">
+                <a:avLst/>
+              </a:prstGeom>
+              <a:solidFill>
+                <a:schemeClr val="bg1"/>
+              </a:solidFill>
+            </p:spPr>
+            <p:txBody>
+              <a:bodyPr wrap="none" rtlCol="0">
+                <a:spAutoFit/>
+              </a:bodyPr>
+              <a:lstStyle/>
+              <a:p>
+                <a14:m>
+                  <m:oMathPara xmlns:m="http://schemas.openxmlformats.org/officeDocument/2006/math">
+                    <m:oMathParaPr>
+                      <m:jc m:val="centerGroup"/>
+                    </m:oMathParaPr>
+                    <m:oMath xmlns:m="http://schemas.openxmlformats.org/officeDocument/2006/math">
+                      <m:r>
+                        <a:rPr lang="fr-FR" b="0" i="1" smtClean="0">
+                          <a:latin typeface="Cambria Math"/>
+                        </a:rPr>
+                        <m:t>𝑀</m:t>
+                      </m:r>
+                      <m:r>
+                        <a:rPr lang="fr-FR" b="0" i="1" smtClean="0">
+                          <a:latin typeface="Cambria Math"/>
+                        </a:rPr>
+                        <m:t>𝜑</m:t>
+                      </m:r>
+                      <m:r>
+                        <a:rPr lang="fr-FR" b="0" i="1" smtClean="0">
+                          <a:latin typeface="Cambria Math"/>
+                        </a:rPr>
+                        <m:t>=70°</m:t>
+                      </m:r>
+                    </m:oMath>
+                  </m:oMathPara>
+                </a14:m>
+                <a:endParaRPr lang="fr-FR" dirty="0"/>
+              </a:p>
+            </p:txBody>
+          </p:sp>
+        </mc:Choice>
+        <mc:Fallback>
+          <p:sp>
+            <p:nvSpPr>
+              <p:cNvPr id="7" name="ZoneTexte 6"/>
+              <p:cNvSpPr txBox="1">
+                <a:spLocks noRot="1" noChangeAspect="1" noMove="1" noResize="1" noEditPoints="1" noAdjustHandles="1" noChangeArrowheads="1" noChangeShapeType="1" noTextEdit="1"/>
+              </p:cNvSpPr>
+              <p:nvPr/>
+            </p:nvSpPr>
+            <p:spPr>
+              <a:xfrm>
+                <a:off x="4860032" y="5667723"/>
+                <a:ext cx="1241174" cy="369332"/>
+              </a:xfrm>
+              <a:prstGeom prst="rect">
+                <a:avLst/>
+              </a:prstGeom>
+              <a:blipFill rotWithShape="1">
+                <a:blip r:embed="rId3"/>
+                <a:stretch>
+                  <a:fillRect b="-13333"/>
+                </a:stretch>
+              </a:blipFill>
+            </p:spPr>
+            <p:txBody>
+              <a:bodyPr/>
+              <a:lstStyle/>
+              <a:p>
+                <a:r>
+                  <a:rPr lang="fr-FR">
+                    <a:noFill/>
+                  </a:rPr>
+                  <a:t> </a:t>
+                </a:r>
+              </a:p>
+            </p:txBody>
+          </p:sp>
+        </mc:Fallback>
+      </mc:AlternateContent>
+      <p:cxnSp>
+        <p:nvCxnSpPr>
+          <p:cNvPr id="9" name="Connecteur droit 8"/>
+          <p:cNvCxnSpPr/>
+          <p:nvPr/>
+        </p:nvCxnSpPr>
+        <p:spPr>
+          <a:xfrm flipV="1">
+            <a:off x="6228184" y="3140968"/>
+            <a:ext cx="0" cy="2171361"/>
+          </a:xfrm>
+          <a:prstGeom prst="line">
+            <a:avLst/>
+          </a:prstGeom>
+          <a:ln w="28575">
+            <a:solidFill>
+              <a:srgbClr val="C00000"/>
+            </a:solidFill>
+            <a:prstDash val="dash"/>
+          </a:ln>
+        </p:spPr>
+        <p:style>
+          <a:lnRef idx="1">
+            <a:schemeClr val="accent1"/>
+          </a:lnRef>
+          <a:fillRef idx="0">
+            <a:schemeClr val="accent1"/>
+          </a:fillRef>
+          <a:effectRef idx="0">
+            <a:schemeClr val="accent1"/>
+          </a:effectRef>
+          <a:fontRef idx="minor">
+            <a:schemeClr val="tx1"/>
+          </a:fontRef>
+        </p:style>
+      </p:cxnSp>
+      <p:cxnSp>
+        <p:nvCxnSpPr>
+          <p:cNvPr id="12" name="Connecteur droit 11"/>
+          <p:cNvCxnSpPr/>
+          <p:nvPr/>
+        </p:nvCxnSpPr>
+        <p:spPr>
+          <a:xfrm flipH="1">
+            <a:off x="1547664" y="3356992"/>
+            <a:ext cx="4680521" cy="0"/>
+          </a:xfrm>
+          <a:prstGeom prst="line">
+            <a:avLst/>
+          </a:prstGeom>
+          <a:ln w="38100" cmpd="sng">
+            <a:solidFill>
+              <a:srgbClr val="C00000"/>
+            </a:solidFill>
+            <a:tailEnd type="stealth" w="med" len="lg"/>
+          </a:ln>
+        </p:spPr>
+        <p:style>
+          <a:lnRef idx="1">
+            <a:schemeClr val="accent1"/>
+          </a:lnRef>
+          <a:fillRef idx="0">
+            <a:schemeClr val="accent1"/>
+          </a:fillRef>
+          <a:effectRef idx="0">
+            <a:schemeClr val="accent1"/>
+          </a:effectRef>
+          <a:fontRef idx="minor">
+            <a:schemeClr val="tx1"/>
+          </a:fontRef>
+        </p:style>
+      </p:cxnSp>
+      <mc:AlternateContent xmlns:mc="http://schemas.openxmlformats.org/markup-compatibility/2006">
+        <mc:Choice xmlns:a14="http://schemas.microsoft.com/office/drawing/2010/main" Requires="a14">
+          <p:sp>
+            <p:nvSpPr>
+              <p:cNvPr id="15" name="ZoneTexte 14"/>
+              <p:cNvSpPr txBox="1"/>
+              <p:nvPr/>
+            </p:nvSpPr>
+            <p:spPr>
+              <a:xfrm>
+                <a:off x="1595921" y="2916410"/>
+                <a:ext cx="1114729" cy="369332"/>
+              </a:xfrm>
+              <a:prstGeom prst="rect">
+                <a:avLst/>
+              </a:prstGeom>
+              <a:solidFill>
+                <a:schemeClr val="bg1"/>
+              </a:solidFill>
+            </p:spPr>
+            <p:txBody>
+              <a:bodyPr wrap="none" rtlCol="0">
+                <a:spAutoFit/>
+              </a:bodyPr>
+              <a:lstStyle/>
+              <a:p>
+                <a14:m>
+                  <m:oMathPara xmlns:m="http://schemas.openxmlformats.org/officeDocument/2006/math">
+                    <m:oMathParaPr>
+                      <m:jc m:val="centerGroup"/>
+                    </m:oMathParaPr>
+                    <m:oMath xmlns:m="http://schemas.openxmlformats.org/officeDocument/2006/math">
+                      <m:r>
+                        <a:rPr lang="fr-FR" b="0" i="1" smtClean="0">
+                          <a:latin typeface="Cambria Math"/>
+                        </a:rPr>
+                        <m:t>𝐺</m:t>
+                      </m:r>
+                      <m:r>
+                        <a:rPr lang="fr-FR" b="0" i="1" smtClean="0">
+                          <a:latin typeface="Cambria Math"/>
+                        </a:rPr>
+                        <m:t>=4</m:t>
+                      </m:r>
+                      <m:r>
+                        <m:rPr>
+                          <m:sty m:val="p"/>
+                        </m:rPr>
+                        <a:rPr lang="fr-FR" b="0" i="0" smtClean="0">
+                          <a:latin typeface="Cambria Math"/>
+                        </a:rPr>
+                        <m:t>dB</m:t>
+                      </m:r>
+                    </m:oMath>
+                  </m:oMathPara>
+                </a14:m>
+                <a:endParaRPr lang="fr-FR" dirty="0"/>
+              </a:p>
+            </p:txBody>
+          </p:sp>
+        </mc:Choice>
+        <mc:Fallback>
+          <p:sp>
+            <p:nvSpPr>
+              <p:cNvPr id="15" name="ZoneTexte 14"/>
+              <p:cNvSpPr txBox="1">
+                <a:spLocks noRot="1" noChangeAspect="1" noMove="1" noResize="1" noEditPoints="1" noAdjustHandles="1" noChangeArrowheads="1" noChangeShapeType="1" noTextEdit="1"/>
+              </p:cNvSpPr>
+              <p:nvPr/>
+            </p:nvSpPr>
+            <p:spPr>
+              <a:xfrm>
+                <a:off x="1595921" y="2916410"/>
+                <a:ext cx="1114729" cy="369332"/>
+              </a:xfrm>
+              <a:prstGeom prst="rect">
+                <a:avLst/>
+              </a:prstGeom>
+              <a:blipFill rotWithShape="1">
+                <a:blip r:embed="rId4"/>
+                <a:stretch>
+                  <a:fillRect/>
+                </a:stretch>
+              </a:blipFill>
+            </p:spPr>
+            <p:txBody>
+              <a:bodyPr/>
+              <a:lstStyle/>
+              <a:p>
+                <a:r>
+                  <a:rPr lang="fr-FR">
+                    <a:noFill/>
+                  </a:rPr>
+                  <a:t> </a:t>
+                </a:r>
+              </a:p>
+            </p:txBody>
+          </p:sp>
+        </mc:Fallback>
+      </mc:AlternateContent>
+    </p:spTree>
+    <p:extLst>
+      <p:ext uri="{BB962C8B-B14F-4D97-AF65-F5344CB8AC3E}">
+        <p14:creationId xmlns:p14="http://schemas.microsoft.com/office/powerpoint/2010/main" val="1169149231"/>
+      </p:ext>
+    </p:extLst>
+  </p:cSld>
+  <p:clrMapOvr>
+    <a:masterClrMapping/>
+  </p:clrMapOvr>
+</p:sld>
+</file>
+
+<file path=ppt/slides/slide10.xml><?xml version="1.0" encoding="utf-8"?>
+<p:sld xmlns:a="http://schemas.openxmlformats.org/drawingml/2006/main" xmlns:r="http://schemas.openxmlformats.org/officeDocument/2006/relationships" xmlns:p="http://schemas.openxmlformats.org/presentationml/2006/main">
+  <p:cSld>
+    <p:spTree>
+      <p:nvGrpSpPr>
+        <p:cNvPr id="1" name=""/>
+        <p:cNvGrpSpPr/>
+        <p:nvPr/>
+      </p:nvGrpSpPr>
+      <p:grpSpPr>
+        <a:xfrm>
+          <a:off x="0" y="0"/>
+          <a:ext cx="0" cy="0"/>
+          <a:chOff x="0" y="0"/>
+          <a:chExt cx="0" cy="0"/>
+        </a:xfrm>
+      </p:grpSpPr>
+      <p:sp>
+        <p:nvSpPr>
+          <p:cNvPr id="4" name="Ellipse 3"/>
+          <p:cNvSpPr/>
+          <p:nvPr/>
+        </p:nvSpPr>
+        <p:spPr>
+          <a:xfrm>
+            <a:off x="1061610" y="1813199"/>
+            <a:ext cx="288032" cy="288032"/>
+          </a:xfrm>
+          <a:prstGeom prst="ellipse">
+            <a:avLst/>
+          </a:prstGeom>
+          <a:solidFill>
+            <a:schemeClr val="accent4">
+              <a:lumMod val="20000"/>
+              <a:lumOff val="80000"/>
+            </a:schemeClr>
+          </a:solidFill>
+          <a:ln w="19050">
+            <a:solidFill>
+              <a:schemeClr val="accent4"/>
+            </a:solidFill>
+          </a:ln>
+        </p:spPr>
+        <p:style>
+          <a:lnRef idx="2">
+            <a:schemeClr val="accent1">
+              <a:shade val="50000"/>
+            </a:schemeClr>
+          </a:lnRef>
+          <a:fillRef idx="1">
+            <a:schemeClr val="accent1"/>
+          </a:fillRef>
+          <a:effectRef idx="0">
+            <a:schemeClr val="accent1"/>
+          </a:effectRef>
+          <a:fontRef idx="minor">
+            <a:schemeClr val="lt1"/>
+          </a:fontRef>
+        </p:style>
+        <p:txBody>
+          <a:bodyPr rtlCol="0" anchor="ctr"/>
+          <a:lstStyle/>
+          <a:p>
+            <a:pPr algn="ctr"/>
+            <a:r>
+              <a:rPr lang="fr-FR" sz="1400" b="1" dirty="0" smtClean="0">
+                <a:solidFill>
+                  <a:schemeClr val="accent4"/>
+                </a:solidFill>
+              </a:rPr>
+              <a:t>1</a:t>
+            </a:r>
+            <a:endParaRPr lang="fr-FR" sz="1400" b="1" dirty="0">
+              <a:solidFill>
+                <a:schemeClr val="accent4"/>
+              </a:solidFill>
+            </a:endParaRPr>
+          </a:p>
+        </p:txBody>
+      </p:sp>
+      <p:sp>
+        <p:nvSpPr>
+          <p:cNvPr id="5" name="Ellipse 4"/>
+          <p:cNvSpPr/>
+          <p:nvPr/>
+        </p:nvSpPr>
+        <p:spPr>
+          <a:xfrm>
+            <a:off x="1799692" y="1813199"/>
+            <a:ext cx="288032" cy="288032"/>
+          </a:xfrm>
+          <a:prstGeom prst="ellipse">
+            <a:avLst/>
+          </a:prstGeom>
+          <a:solidFill>
+            <a:schemeClr val="accent2">
+              <a:lumMod val="20000"/>
+              <a:lumOff val="80000"/>
+            </a:schemeClr>
+          </a:solidFill>
+          <a:ln w="19050">
+            <a:solidFill>
+              <a:schemeClr val="accent2"/>
+            </a:solidFill>
+          </a:ln>
+        </p:spPr>
+        <p:style>
+          <a:lnRef idx="2">
+            <a:schemeClr val="accent1">
+              <a:shade val="50000"/>
+            </a:schemeClr>
+          </a:lnRef>
+          <a:fillRef idx="1">
+            <a:schemeClr val="accent1"/>
+          </a:fillRef>
+          <a:effectRef idx="0">
+            <a:schemeClr val="accent1"/>
+          </a:effectRef>
+          <a:fontRef idx="minor">
+            <a:schemeClr val="lt1"/>
+          </a:fontRef>
+        </p:style>
+        <p:txBody>
+          <a:bodyPr rtlCol="0" anchor="ctr"/>
+          <a:lstStyle/>
+          <a:p>
+            <a:pPr algn="ctr"/>
+            <a:r>
+              <a:rPr lang="fr-FR" sz="1400" b="1" dirty="0">
+                <a:solidFill>
+                  <a:schemeClr val="accent2"/>
+                </a:solidFill>
+              </a:rPr>
+              <a:t>2</a:t>
+            </a:r>
+          </a:p>
+        </p:txBody>
+      </p:sp>
+      <p:sp>
+        <p:nvSpPr>
+          <p:cNvPr id="6" name="Ellipse 5"/>
+          <p:cNvSpPr/>
+          <p:nvPr/>
+        </p:nvSpPr>
+        <p:spPr>
+          <a:xfrm>
+            <a:off x="2537774" y="1813199"/>
+            <a:ext cx="288032" cy="288032"/>
+          </a:xfrm>
+          <a:prstGeom prst="ellipse">
+            <a:avLst/>
+          </a:prstGeom>
+          <a:solidFill>
+            <a:schemeClr val="accent3">
+              <a:lumMod val="20000"/>
+              <a:lumOff val="80000"/>
+            </a:schemeClr>
+          </a:solidFill>
+          <a:ln w="19050">
+            <a:solidFill>
+              <a:schemeClr val="accent3"/>
+            </a:solidFill>
+          </a:ln>
+        </p:spPr>
+        <p:style>
+          <a:lnRef idx="2">
+            <a:schemeClr val="accent1">
+              <a:shade val="50000"/>
+            </a:schemeClr>
+          </a:lnRef>
+          <a:fillRef idx="1">
+            <a:schemeClr val="accent1"/>
+          </a:fillRef>
+          <a:effectRef idx="0">
+            <a:schemeClr val="accent1"/>
+          </a:effectRef>
+          <a:fontRef idx="minor">
+            <a:schemeClr val="lt1"/>
+          </a:fontRef>
+        </p:style>
+        <p:txBody>
+          <a:bodyPr rtlCol="0" anchor="ctr"/>
+          <a:lstStyle/>
+          <a:p>
+            <a:pPr algn="ctr"/>
+            <a:r>
+              <a:rPr lang="fr-FR" sz="1400" b="1" dirty="0" smtClean="0">
+                <a:solidFill>
+                  <a:schemeClr val="accent3"/>
+                </a:solidFill>
+              </a:rPr>
+              <a:t>3</a:t>
+            </a:r>
+            <a:endParaRPr lang="fr-FR" sz="1400" b="1" dirty="0">
+              <a:solidFill>
+                <a:schemeClr val="accent3"/>
+              </a:solidFill>
+            </a:endParaRPr>
+          </a:p>
+        </p:txBody>
+      </p:sp>
+      <p:sp>
+        <p:nvSpPr>
+          <p:cNvPr id="7" name="Ellipse 6"/>
+          <p:cNvSpPr/>
+          <p:nvPr/>
+        </p:nvSpPr>
+        <p:spPr>
+          <a:xfrm>
+            <a:off x="3275856" y="1813199"/>
+            <a:ext cx="288032" cy="288032"/>
+          </a:xfrm>
+          <a:prstGeom prst="ellipse">
+            <a:avLst/>
+          </a:prstGeom>
+          <a:solidFill>
+            <a:schemeClr val="bg1">
+              <a:lumMod val="85000"/>
+            </a:schemeClr>
+          </a:solidFill>
+          <a:ln w="19050">
+            <a:solidFill>
+              <a:schemeClr val="tx1"/>
+            </a:solidFill>
+          </a:ln>
+        </p:spPr>
+        <p:style>
+          <a:lnRef idx="2">
+            <a:schemeClr val="accent1">
+              <a:shade val="50000"/>
+            </a:schemeClr>
+          </a:lnRef>
+          <a:fillRef idx="1">
+            <a:schemeClr val="accent1"/>
+          </a:fillRef>
+          <a:effectRef idx="0">
+            <a:schemeClr val="accent1"/>
+          </a:effectRef>
+          <a:fontRef idx="minor">
+            <a:schemeClr val="lt1"/>
+          </a:fontRef>
+        </p:style>
+        <p:txBody>
+          <a:bodyPr rtlCol="0" anchor="ctr"/>
+          <a:lstStyle/>
+          <a:p>
+            <a:pPr algn="ctr"/>
+            <a:r>
+              <a:rPr lang="fr-FR" sz="1400" b="1" dirty="0" smtClean="0">
+                <a:solidFill>
+                  <a:schemeClr val="tx1"/>
+                </a:solidFill>
+              </a:rPr>
+              <a:t>4</a:t>
+            </a:r>
+            <a:endParaRPr lang="fr-FR" sz="1400" b="1" dirty="0">
+              <a:solidFill>
+                <a:schemeClr val="tx1"/>
+              </a:solidFill>
+            </a:endParaRPr>
+          </a:p>
+        </p:txBody>
+      </p:sp>
+      <p:sp>
+        <p:nvSpPr>
+          <p:cNvPr id="8" name="Ellipse 7"/>
+          <p:cNvSpPr/>
+          <p:nvPr/>
+        </p:nvSpPr>
+        <p:spPr>
+          <a:xfrm>
+            <a:off x="323528" y="1813199"/>
+            <a:ext cx="288032" cy="288032"/>
+          </a:xfrm>
+          <a:prstGeom prst="ellipse">
+            <a:avLst/>
+          </a:prstGeom>
+          <a:solidFill>
+            <a:schemeClr val="accent6">
+              <a:lumMod val="20000"/>
+              <a:lumOff val="80000"/>
+            </a:schemeClr>
+          </a:solidFill>
+          <a:ln w="19050">
+            <a:solidFill>
+              <a:schemeClr val="accent6">
+                <a:lumMod val="50000"/>
+              </a:schemeClr>
+            </a:solidFill>
+          </a:ln>
+        </p:spPr>
+        <p:style>
+          <a:lnRef idx="2">
+            <a:schemeClr val="accent1">
+              <a:shade val="50000"/>
+            </a:schemeClr>
+          </a:lnRef>
+          <a:fillRef idx="1">
+            <a:schemeClr val="accent1"/>
+          </a:fillRef>
+          <a:effectRef idx="0">
+            <a:schemeClr val="accent1"/>
+          </a:effectRef>
+          <a:fontRef idx="minor">
+            <a:schemeClr val="lt1"/>
+          </a:fontRef>
+        </p:style>
+        <p:txBody>
+          <a:bodyPr rtlCol="0" anchor="ctr"/>
+          <a:lstStyle/>
+          <a:p>
+            <a:pPr algn="ctr"/>
+            <a:r>
+              <a:rPr lang="fr-FR" sz="1400" b="1" dirty="0" smtClean="0">
+                <a:solidFill>
+                  <a:schemeClr val="accent6">
+                    <a:lumMod val="50000"/>
+                  </a:schemeClr>
+                </a:solidFill>
+              </a:rPr>
+              <a:t>0</a:t>
+            </a:r>
+            <a:endParaRPr lang="fr-FR" sz="1400" b="1" dirty="0">
+              <a:solidFill>
+                <a:schemeClr val="accent6">
+                  <a:lumMod val="50000"/>
+                </a:schemeClr>
+              </a:solidFill>
+            </a:endParaRPr>
+          </a:p>
+        </p:txBody>
+      </p:sp>
+      <p:cxnSp>
+        <p:nvCxnSpPr>
+          <p:cNvPr id="10" name="Connecteur droit 9"/>
+          <p:cNvCxnSpPr>
+            <a:stCxn id="8" idx="6"/>
+            <a:endCxn id="4" idx="2"/>
+          </p:cNvCxnSpPr>
+          <p:nvPr/>
+        </p:nvCxnSpPr>
+        <p:spPr>
+          <a:xfrm>
+            <a:off x="611560" y="1957215"/>
+            <a:ext cx="450050" cy="0"/>
+          </a:xfrm>
+          <a:prstGeom prst="line">
+            <a:avLst/>
+          </a:prstGeom>
+          <a:ln w="19050">
+            <a:solidFill>
+              <a:schemeClr val="tx1"/>
+            </a:solidFill>
+          </a:ln>
+        </p:spPr>
+        <p:style>
+          <a:lnRef idx="1">
+            <a:schemeClr val="accent1"/>
+          </a:lnRef>
+          <a:fillRef idx="0">
+            <a:schemeClr val="accent1"/>
+          </a:fillRef>
+          <a:effectRef idx="0">
+            <a:schemeClr val="accent1"/>
+          </a:effectRef>
+          <a:fontRef idx="minor">
+            <a:schemeClr val="tx1"/>
+          </a:fontRef>
+        </p:style>
+      </p:cxnSp>
+      <p:cxnSp>
+        <p:nvCxnSpPr>
+          <p:cNvPr id="11" name="Connecteur droit 10"/>
+          <p:cNvCxnSpPr>
+            <a:stCxn id="5" idx="2"/>
+            <a:endCxn id="4" idx="6"/>
+          </p:cNvCxnSpPr>
+          <p:nvPr/>
+        </p:nvCxnSpPr>
+        <p:spPr>
+          <a:xfrm flipH="1">
+            <a:off x="1349642" y="1957215"/>
+            <a:ext cx="450050" cy="0"/>
+          </a:xfrm>
+          <a:prstGeom prst="line">
+            <a:avLst/>
+          </a:prstGeom>
+          <a:ln w="19050">
+            <a:solidFill>
+              <a:schemeClr val="tx1"/>
+            </a:solidFill>
+          </a:ln>
+        </p:spPr>
+        <p:style>
+          <a:lnRef idx="1">
+            <a:schemeClr val="accent1"/>
+          </a:lnRef>
+          <a:fillRef idx="0">
+            <a:schemeClr val="accent1"/>
+          </a:fillRef>
+          <a:effectRef idx="0">
+            <a:schemeClr val="accent1"/>
+          </a:effectRef>
+          <a:fontRef idx="minor">
+            <a:schemeClr val="tx1"/>
+          </a:fontRef>
+        </p:style>
+      </p:cxnSp>
+      <p:cxnSp>
+        <p:nvCxnSpPr>
+          <p:cNvPr id="14" name="Connecteur droit 13"/>
+          <p:cNvCxnSpPr>
+            <a:stCxn id="6" idx="2"/>
+            <a:endCxn id="5" idx="6"/>
+          </p:cNvCxnSpPr>
+          <p:nvPr/>
+        </p:nvCxnSpPr>
+        <p:spPr>
+          <a:xfrm flipH="1">
+            <a:off x="2087724" y="1957215"/>
+            <a:ext cx="450050" cy="0"/>
+          </a:xfrm>
+          <a:prstGeom prst="line">
+            <a:avLst/>
+          </a:prstGeom>
+          <a:ln w="19050">
+            <a:solidFill>
+              <a:schemeClr val="tx1"/>
+            </a:solidFill>
+          </a:ln>
+        </p:spPr>
+        <p:style>
+          <a:lnRef idx="1">
+            <a:schemeClr val="accent1"/>
+          </a:lnRef>
+          <a:fillRef idx="0">
+            <a:schemeClr val="accent1"/>
+          </a:fillRef>
+          <a:effectRef idx="0">
+            <a:schemeClr val="accent1"/>
+          </a:effectRef>
+          <a:fontRef idx="minor">
+            <a:schemeClr val="tx1"/>
+          </a:fontRef>
+        </p:style>
+      </p:cxnSp>
+      <p:cxnSp>
+        <p:nvCxnSpPr>
+          <p:cNvPr id="17" name="Connecteur droit 16"/>
+          <p:cNvCxnSpPr>
+            <a:stCxn id="7" idx="2"/>
+            <a:endCxn id="6" idx="6"/>
+          </p:cNvCxnSpPr>
+          <p:nvPr/>
+        </p:nvCxnSpPr>
+        <p:spPr>
+          <a:xfrm flipH="1">
+            <a:off x="2825806" y="1957215"/>
+            <a:ext cx="450050" cy="0"/>
+          </a:xfrm>
+          <a:prstGeom prst="line">
+            <a:avLst/>
+          </a:prstGeom>
+          <a:ln w="19050">
+            <a:solidFill>
+              <a:schemeClr val="tx1"/>
+            </a:solidFill>
+          </a:ln>
+        </p:spPr>
+        <p:style>
+          <a:lnRef idx="1">
+            <a:schemeClr val="accent1"/>
+          </a:lnRef>
+          <a:fillRef idx="0">
+            <a:schemeClr val="accent1"/>
+          </a:fillRef>
+          <a:effectRef idx="0">
+            <a:schemeClr val="accent1"/>
+          </a:effectRef>
+          <a:fontRef idx="minor">
+            <a:schemeClr val="tx1"/>
+          </a:fontRef>
+        </p:style>
+      </p:cxnSp>
+      <p:sp>
+        <p:nvSpPr>
+          <p:cNvPr id="24" name="Forme libre 23"/>
+          <p:cNvSpPr/>
+          <p:nvPr/>
+        </p:nvSpPr>
+        <p:spPr>
+          <a:xfrm>
+            <a:off x="539552" y="1746854"/>
+            <a:ext cx="576064" cy="99996"/>
+          </a:xfrm>
+          <a:custGeom>
+            <a:avLst/>
+            <a:gdLst>
+              <a:gd name="connsiteX0" fmla="*/ 0 w 596900"/>
+              <a:gd name="connsiteY0" fmla="*/ 209768 h 209768"/>
+              <a:gd name="connsiteX1" fmla="*/ 317500 w 596900"/>
+              <a:gd name="connsiteY1" fmla="*/ 218 h 209768"/>
+              <a:gd name="connsiteX2" fmla="*/ 596900 w 596900"/>
+              <a:gd name="connsiteY2" fmla="*/ 178018 h 209768"/>
+              <a:gd name="connsiteX0" fmla="*/ 0 w 660400"/>
+              <a:gd name="connsiteY0" fmla="*/ 210341 h 280191"/>
+              <a:gd name="connsiteX1" fmla="*/ 317500 w 660400"/>
+              <a:gd name="connsiteY1" fmla="*/ 791 h 280191"/>
+              <a:gd name="connsiteX2" fmla="*/ 660400 w 660400"/>
+              <a:gd name="connsiteY2" fmla="*/ 280191 h 280191"/>
+              <a:gd name="connsiteX0" fmla="*/ 0 w 736600"/>
+              <a:gd name="connsiteY0" fmla="*/ 273055 h 279405"/>
+              <a:gd name="connsiteX1" fmla="*/ 393700 w 736600"/>
+              <a:gd name="connsiteY1" fmla="*/ 5 h 279405"/>
+              <a:gd name="connsiteX2" fmla="*/ 736600 w 736600"/>
+              <a:gd name="connsiteY2" fmla="*/ 279405 h 279405"/>
+            </a:gdLst>
+            <a:ahLst/>
+            <a:cxnLst>
+              <a:cxn ang="0">
+                <a:pos x="connsiteX0" y="connsiteY0"/>
+              </a:cxn>
+              <a:cxn ang="0">
+                <a:pos x="connsiteX1" y="connsiteY1"/>
+              </a:cxn>
+              <a:cxn ang="0">
+                <a:pos x="connsiteX2" y="connsiteY2"/>
+              </a:cxn>
+            </a:cxnLst>
+            <a:rect l="l" t="t" r="r" b="b"/>
+            <a:pathLst>
+              <a:path w="736600" h="279405">
+                <a:moveTo>
+                  <a:pt x="0" y="273055"/>
+                </a:moveTo>
+                <a:cubicBezTo>
+                  <a:pt x="109008" y="170926"/>
+                  <a:pt x="270933" y="-1053"/>
+                  <a:pt x="393700" y="5"/>
+                </a:cubicBezTo>
+                <a:cubicBezTo>
+                  <a:pt x="516467" y="1063"/>
+                  <a:pt x="646641" y="187859"/>
+                  <a:pt x="736600" y="279405"/>
+                </a:cubicBezTo>
+              </a:path>
+            </a:pathLst>
+          </a:custGeom>
+          <a:noFill/>
+          <a:ln>
+            <a:solidFill>
+              <a:srgbClr val="C00000"/>
+            </a:solidFill>
+            <a:headEnd type="stealth" w="med" len="lg"/>
+            <a:tailEnd type="stealth" w="med" len="lg"/>
+          </a:ln>
+        </p:spPr>
+        <p:style>
+          <a:lnRef idx="2">
+            <a:schemeClr val="accent1">
+              <a:shade val="50000"/>
+            </a:schemeClr>
+          </a:lnRef>
+          <a:fillRef idx="1">
+            <a:schemeClr val="accent1"/>
+          </a:fillRef>
+          <a:effectRef idx="0">
+            <a:schemeClr val="accent1"/>
+          </a:effectRef>
+          <a:fontRef idx="minor">
+            <a:schemeClr val="lt1"/>
+          </a:fontRef>
+        </p:style>
+        <p:txBody>
+          <a:bodyPr rtlCol="0" anchor="ctr"/>
+          <a:lstStyle/>
+          <a:p>
+            <a:pPr algn="ctr"/>
+            <a:endParaRPr lang="fr-FR"/>
+          </a:p>
+        </p:txBody>
+      </p:sp>
+      <p:sp>
+        <p:nvSpPr>
+          <p:cNvPr id="25" name="Forme libre 24"/>
+          <p:cNvSpPr/>
+          <p:nvPr/>
+        </p:nvSpPr>
+        <p:spPr>
+          <a:xfrm>
+            <a:off x="1286635" y="1746854"/>
+            <a:ext cx="576064" cy="99996"/>
+          </a:xfrm>
+          <a:custGeom>
+            <a:avLst/>
+            <a:gdLst>
+              <a:gd name="connsiteX0" fmla="*/ 0 w 596900"/>
+              <a:gd name="connsiteY0" fmla="*/ 209768 h 209768"/>
+              <a:gd name="connsiteX1" fmla="*/ 317500 w 596900"/>
+              <a:gd name="connsiteY1" fmla="*/ 218 h 209768"/>
+              <a:gd name="connsiteX2" fmla="*/ 596900 w 596900"/>
+              <a:gd name="connsiteY2" fmla="*/ 178018 h 209768"/>
+              <a:gd name="connsiteX0" fmla="*/ 0 w 660400"/>
+              <a:gd name="connsiteY0" fmla="*/ 210341 h 280191"/>
+              <a:gd name="connsiteX1" fmla="*/ 317500 w 660400"/>
+              <a:gd name="connsiteY1" fmla="*/ 791 h 280191"/>
+              <a:gd name="connsiteX2" fmla="*/ 660400 w 660400"/>
+              <a:gd name="connsiteY2" fmla="*/ 280191 h 280191"/>
+              <a:gd name="connsiteX0" fmla="*/ 0 w 736600"/>
+              <a:gd name="connsiteY0" fmla="*/ 273055 h 279405"/>
+              <a:gd name="connsiteX1" fmla="*/ 393700 w 736600"/>
+              <a:gd name="connsiteY1" fmla="*/ 5 h 279405"/>
+              <a:gd name="connsiteX2" fmla="*/ 736600 w 736600"/>
+              <a:gd name="connsiteY2" fmla="*/ 279405 h 279405"/>
+            </a:gdLst>
+            <a:ahLst/>
+            <a:cxnLst>
+              <a:cxn ang="0">
+                <a:pos x="connsiteX0" y="connsiteY0"/>
+              </a:cxn>
+              <a:cxn ang="0">
+                <a:pos x="connsiteX1" y="connsiteY1"/>
+              </a:cxn>
+              <a:cxn ang="0">
+                <a:pos x="connsiteX2" y="connsiteY2"/>
+              </a:cxn>
+            </a:cxnLst>
+            <a:rect l="l" t="t" r="r" b="b"/>
+            <a:pathLst>
+              <a:path w="736600" h="279405">
+                <a:moveTo>
+                  <a:pt x="0" y="273055"/>
+                </a:moveTo>
+                <a:cubicBezTo>
+                  <a:pt x="109008" y="170926"/>
+                  <a:pt x="270933" y="-1053"/>
+                  <a:pt x="393700" y="5"/>
+                </a:cubicBezTo>
+                <a:cubicBezTo>
+                  <a:pt x="516467" y="1063"/>
+                  <a:pt x="646641" y="187859"/>
+                  <a:pt x="736600" y="279405"/>
+                </a:cubicBezTo>
+              </a:path>
+            </a:pathLst>
+          </a:custGeom>
+          <a:noFill/>
+          <a:ln>
+            <a:solidFill>
+              <a:srgbClr val="C00000"/>
+            </a:solidFill>
+            <a:headEnd type="stealth" w="med" len="lg"/>
+            <a:tailEnd type="stealth" w="med" len="lg"/>
+          </a:ln>
+        </p:spPr>
+        <p:style>
+          <a:lnRef idx="2">
+            <a:schemeClr val="accent1">
+              <a:shade val="50000"/>
+            </a:schemeClr>
+          </a:lnRef>
+          <a:fillRef idx="1">
+            <a:schemeClr val="accent1"/>
+          </a:fillRef>
+          <a:effectRef idx="0">
+            <a:schemeClr val="accent1"/>
+          </a:effectRef>
+          <a:fontRef idx="minor">
+            <a:schemeClr val="lt1"/>
+          </a:fontRef>
+        </p:style>
+        <p:txBody>
+          <a:bodyPr rtlCol="0" anchor="ctr"/>
+          <a:lstStyle/>
+          <a:p>
+            <a:pPr algn="ctr"/>
+            <a:endParaRPr lang="fr-FR"/>
+          </a:p>
+        </p:txBody>
+      </p:sp>
+      <p:sp>
+        <p:nvSpPr>
+          <p:cNvPr id="26" name="Forme libre 25"/>
+          <p:cNvSpPr/>
+          <p:nvPr/>
+        </p:nvSpPr>
+        <p:spPr>
+          <a:xfrm>
+            <a:off x="2033718" y="1746854"/>
+            <a:ext cx="576064" cy="99996"/>
+          </a:xfrm>
+          <a:custGeom>
+            <a:avLst/>
+            <a:gdLst>
+              <a:gd name="connsiteX0" fmla="*/ 0 w 596900"/>
+              <a:gd name="connsiteY0" fmla="*/ 209768 h 209768"/>
+              <a:gd name="connsiteX1" fmla="*/ 317500 w 596900"/>
+              <a:gd name="connsiteY1" fmla="*/ 218 h 209768"/>
+              <a:gd name="connsiteX2" fmla="*/ 596900 w 596900"/>
+              <a:gd name="connsiteY2" fmla="*/ 178018 h 209768"/>
+              <a:gd name="connsiteX0" fmla="*/ 0 w 660400"/>
+              <a:gd name="connsiteY0" fmla="*/ 210341 h 280191"/>
+              <a:gd name="connsiteX1" fmla="*/ 317500 w 660400"/>
+              <a:gd name="connsiteY1" fmla="*/ 791 h 280191"/>
+              <a:gd name="connsiteX2" fmla="*/ 660400 w 660400"/>
+              <a:gd name="connsiteY2" fmla="*/ 280191 h 280191"/>
+              <a:gd name="connsiteX0" fmla="*/ 0 w 736600"/>
+              <a:gd name="connsiteY0" fmla="*/ 273055 h 279405"/>
+              <a:gd name="connsiteX1" fmla="*/ 393700 w 736600"/>
+              <a:gd name="connsiteY1" fmla="*/ 5 h 279405"/>
+              <a:gd name="connsiteX2" fmla="*/ 736600 w 736600"/>
+              <a:gd name="connsiteY2" fmla="*/ 279405 h 279405"/>
+            </a:gdLst>
+            <a:ahLst/>
+            <a:cxnLst>
+              <a:cxn ang="0">
+                <a:pos x="connsiteX0" y="connsiteY0"/>
+              </a:cxn>
+              <a:cxn ang="0">
+                <a:pos x="connsiteX1" y="connsiteY1"/>
+              </a:cxn>
+              <a:cxn ang="0">
+                <a:pos x="connsiteX2" y="connsiteY2"/>
+              </a:cxn>
+            </a:cxnLst>
+            <a:rect l="l" t="t" r="r" b="b"/>
+            <a:pathLst>
+              <a:path w="736600" h="279405">
+                <a:moveTo>
+                  <a:pt x="0" y="273055"/>
+                </a:moveTo>
+                <a:cubicBezTo>
+                  <a:pt x="109008" y="170926"/>
+                  <a:pt x="270933" y="-1053"/>
+                  <a:pt x="393700" y="5"/>
+                </a:cubicBezTo>
+                <a:cubicBezTo>
+                  <a:pt x="516467" y="1063"/>
+                  <a:pt x="646641" y="187859"/>
+                  <a:pt x="736600" y="279405"/>
+                </a:cubicBezTo>
+              </a:path>
+            </a:pathLst>
+          </a:custGeom>
+          <a:noFill/>
+          <a:ln>
+            <a:solidFill>
+              <a:srgbClr val="C00000"/>
+            </a:solidFill>
+            <a:headEnd type="stealth" w="med" len="lg"/>
+            <a:tailEnd type="stealth" w="med" len="lg"/>
+          </a:ln>
+        </p:spPr>
+        <p:style>
+          <a:lnRef idx="2">
+            <a:schemeClr val="accent1">
+              <a:shade val="50000"/>
+            </a:schemeClr>
+          </a:lnRef>
+          <a:fillRef idx="1">
+            <a:schemeClr val="accent1"/>
+          </a:fillRef>
+          <a:effectRef idx="0">
+            <a:schemeClr val="accent1"/>
+          </a:effectRef>
+          <a:fontRef idx="minor">
+            <a:schemeClr val="lt1"/>
+          </a:fontRef>
+        </p:style>
+        <p:txBody>
+          <a:bodyPr rtlCol="0" anchor="ctr"/>
+          <a:lstStyle/>
+          <a:p>
+            <a:pPr algn="ctr"/>
+            <a:endParaRPr lang="fr-FR"/>
+          </a:p>
+        </p:txBody>
+      </p:sp>
+      <p:sp>
+        <p:nvSpPr>
+          <p:cNvPr id="27" name="Forme libre 26"/>
+          <p:cNvSpPr/>
+          <p:nvPr/>
+        </p:nvSpPr>
+        <p:spPr>
+          <a:xfrm>
+            <a:off x="2780801" y="1746854"/>
+            <a:ext cx="576064" cy="99996"/>
+          </a:xfrm>
+          <a:custGeom>
+            <a:avLst/>
+            <a:gdLst>
+              <a:gd name="connsiteX0" fmla="*/ 0 w 596900"/>
+              <a:gd name="connsiteY0" fmla="*/ 209768 h 209768"/>
+              <a:gd name="connsiteX1" fmla="*/ 317500 w 596900"/>
+              <a:gd name="connsiteY1" fmla="*/ 218 h 209768"/>
+              <a:gd name="connsiteX2" fmla="*/ 596900 w 596900"/>
+              <a:gd name="connsiteY2" fmla="*/ 178018 h 209768"/>
+              <a:gd name="connsiteX0" fmla="*/ 0 w 660400"/>
+              <a:gd name="connsiteY0" fmla="*/ 210341 h 280191"/>
+              <a:gd name="connsiteX1" fmla="*/ 317500 w 660400"/>
+              <a:gd name="connsiteY1" fmla="*/ 791 h 280191"/>
+              <a:gd name="connsiteX2" fmla="*/ 660400 w 660400"/>
+              <a:gd name="connsiteY2" fmla="*/ 280191 h 280191"/>
+              <a:gd name="connsiteX0" fmla="*/ 0 w 736600"/>
+              <a:gd name="connsiteY0" fmla="*/ 273055 h 279405"/>
+              <a:gd name="connsiteX1" fmla="*/ 393700 w 736600"/>
+              <a:gd name="connsiteY1" fmla="*/ 5 h 279405"/>
+              <a:gd name="connsiteX2" fmla="*/ 736600 w 736600"/>
+              <a:gd name="connsiteY2" fmla="*/ 279405 h 279405"/>
+            </a:gdLst>
+            <a:ahLst/>
+            <a:cxnLst>
+              <a:cxn ang="0">
+                <a:pos x="connsiteX0" y="connsiteY0"/>
+              </a:cxn>
+              <a:cxn ang="0">
+                <a:pos x="connsiteX1" y="connsiteY1"/>
+              </a:cxn>
+              <a:cxn ang="0">
+                <a:pos x="connsiteX2" y="connsiteY2"/>
+              </a:cxn>
+            </a:cxnLst>
+            <a:rect l="l" t="t" r="r" b="b"/>
+            <a:pathLst>
+              <a:path w="736600" h="279405">
+                <a:moveTo>
+                  <a:pt x="0" y="273055"/>
+                </a:moveTo>
+                <a:cubicBezTo>
+                  <a:pt x="109008" y="170926"/>
+                  <a:pt x="270933" y="-1053"/>
+                  <a:pt x="393700" y="5"/>
+                </a:cubicBezTo>
+                <a:cubicBezTo>
+                  <a:pt x="516467" y="1063"/>
+                  <a:pt x="646641" y="187859"/>
+                  <a:pt x="736600" y="279405"/>
+                </a:cubicBezTo>
+              </a:path>
+            </a:pathLst>
+          </a:custGeom>
+          <a:noFill/>
+          <a:ln>
+            <a:solidFill>
+              <a:srgbClr val="C00000"/>
+            </a:solidFill>
+            <a:headEnd type="stealth" w="med" len="lg"/>
+            <a:tailEnd type="stealth" w="med" len="lg"/>
+          </a:ln>
+        </p:spPr>
+        <p:style>
+          <a:lnRef idx="2">
+            <a:schemeClr val="accent1">
+              <a:shade val="50000"/>
+            </a:schemeClr>
+          </a:lnRef>
+          <a:fillRef idx="1">
+            <a:schemeClr val="accent1"/>
+          </a:fillRef>
+          <a:effectRef idx="0">
+            <a:schemeClr val="accent1"/>
+          </a:effectRef>
+          <a:fontRef idx="minor">
+            <a:schemeClr val="lt1"/>
+          </a:fontRef>
+        </p:style>
+        <p:txBody>
+          <a:bodyPr rtlCol="0" anchor="ctr"/>
+          <a:lstStyle/>
+          <a:p>
+            <a:pPr algn="ctr"/>
+            <a:endParaRPr lang="fr-FR"/>
+          </a:p>
+        </p:txBody>
+      </p:sp>
+      <p:sp>
+        <p:nvSpPr>
+          <p:cNvPr id="28" name="Forme libre 27"/>
+          <p:cNvSpPr/>
+          <p:nvPr/>
+        </p:nvSpPr>
+        <p:spPr>
+          <a:xfrm>
+            <a:off x="3548906" y="1796852"/>
+            <a:ext cx="576064" cy="99996"/>
+          </a:xfrm>
+          <a:custGeom>
+            <a:avLst/>
+            <a:gdLst>
+              <a:gd name="connsiteX0" fmla="*/ 0 w 596900"/>
+              <a:gd name="connsiteY0" fmla="*/ 209768 h 209768"/>
+              <a:gd name="connsiteX1" fmla="*/ 317500 w 596900"/>
+              <a:gd name="connsiteY1" fmla="*/ 218 h 209768"/>
+              <a:gd name="connsiteX2" fmla="*/ 596900 w 596900"/>
+              <a:gd name="connsiteY2" fmla="*/ 178018 h 209768"/>
+              <a:gd name="connsiteX0" fmla="*/ 0 w 660400"/>
+              <a:gd name="connsiteY0" fmla="*/ 210341 h 280191"/>
+              <a:gd name="connsiteX1" fmla="*/ 317500 w 660400"/>
+              <a:gd name="connsiteY1" fmla="*/ 791 h 280191"/>
+              <a:gd name="connsiteX2" fmla="*/ 660400 w 660400"/>
+              <a:gd name="connsiteY2" fmla="*/ 280191 h 280191"/>
+              <a:gd name="connsiteX0" fmla="*/ 0 w 736600"/>
+              <a:gd name="connsiteY0" fmla="*/ 273055 h 279405"/>
+              <a:gd name="connsiteX1" fmla="*/ 393700 w 736600"/>
+              <a:gd name="connsiteY1" fmla="*/ 5 h 279405"/>
+              <a:gd name="connsiteX2" fmla="*/ 736600 w 736600"/>
+              <a:gd name="connsiteY2" fmla="*/ 279405 h 279405"/>
+            </a:gdLst>
+            <a:ahLst/>
+            <a:cxnLst>
+              <a:cxn ang="0">
+                <a:pos x="connsiteX0" y="connsiteY0"/>
+              </a:cxn>
+              <a:cxn ang="0">
+                <a:pos x="connsiteX1" y="connsiteY1"/>
+              </a:cxn>
+              <a:cxn ang="0">
+                <a:pos x="connsiteX2" y="connsiteY2"/>
+              </a:cxn>
+            </a:cxnLst>
+            <a:rect l="l" t="t" r="r" b="b"/>
+            <a:pathLst>
+              <a:path w="736600" h="279405">
+                <a:moveTo>
+                  <a:pt x="0" y="273055"/>
+                </a:moveTo>
+                <a:cubicBezTo>
+                  <a:pt x="109008" y="170926"/>
+                  <a:pt x="270933" y="-1053"/>
+                  <a:pt x="393700" y="5"/>
+                </a:cubicBezTo>
+                <a:cubicBezTo>
+                  <a:pt x="516467" y="1063"/>
+                  <a:pt x="646641" y="187859"/>
+                  <a:pt x="736600" y="279405"/>
+                </a:cubicBezTo>
+              </a:path>
+            </a:pathLst>
+          </a:custGeom>
+          <a:noFill/>
+          <a:ln>
+            <a:solidFill>
+              <a:srgbClr val="C00000"/>
+            </a:solidFill>
+            <a:headEnd type="stealth" w="med" len="lg"/>
+            <a:tailEnd type="none" w="med" len="lg"/>
+          </a:ln>
+        </p:spPr>
+        <p:style>
+          <a:lnRef idx="2">
+            <a:schemeClr val="accent1">
+              <a:shade val="50000"/>
+            </a:schemeClr>
+          </a:lnRef>
+          <a:fillRef idx="1">
+            <a:schemeClr val="accent1"/>
+          </a:fillRef>
+          <a:effectRef idx="0">
+            <a:schemeClr val="accent1"/>
+          </a:effectRef>
+          <a:fontRef idx="minor">
+            <a:schemeClr val="lt1"/>
+          </a:fontRef>
+        </p:style>
+        <p:txBody>
+          <a:bodyPr rtlCol="0" anchor="ctr"/>
+          <a:lstStyle/>
+          <a:p>
+            <a:pPr algn="ctr"/>
+            <a:endParaRPr lang="fr-FR"/>
+          </a:p>
+        </p:txBody>
+      </p:sp>
+      <p:sp>
+        <p:nvSpPr>
+          <p:cNvPr id="29" name="Rectangle à coins arrondis 28"/>
+          <p:cNvSpPr/>
+          <p:nvPr/>
+        </p:nvSpPr>
+        <p:spPr>
+          <a:xfrm>
+            <a:off x="971600" y="1348285"/>
+            <a:ext cx="2736304" cy="1000595"/>
+          </a:xfrm>
+          <a:prstGeom prst="roundRect">
+            <a:avLst/>
+          </a:prstGeom>
+          <a:noFill/>
+          <a:ln w="19050">
+            <a:prstDash val="sysDash"/>
+          </a:ln>
+        </p:spPr>
+        <p:style>
+          <a:lnRef idx="2">
+            <a:schemeClr val="accent1">
+              <a:shade val="50000"/>
+            </a:schemeClr>
+          </a:lnRef>
+          <a:fillRef idx="1">
+            <a:schemeClr val="accent1"/>
+          </a:fillRef>
+          <a:effectRef idx="0">
+            <a:schemeClr val="accent1"/>
+          </a:effectRef>
+          <a:fontRef idx="minor">
+            <a:schemeClr val="lt1"/>
+          </a:fontRef>
+        </p:style>
+        <p:txBody>
+          <a:bodyPr rtlCol="0" anchor="ctr"/>
+          <a:lstStyle/>
+          <a:p>
+            <a:pPr algn="ctr"/>
+            <a:endParaRPr lang="fr-FR"/>
+          </a:p>
+        </p:txBody>
+      </p:sp>
+      <p:sp>
+        <p:nvSpPr>
+          <p:cNvPr id="30" name="Forme libre 29"/>
+          <p:cNvSpPr/>
+          <p:nvPr/>
+        </p:nvSpPr>
+        <p:spPr>
+          <a:xfrm rot="18900000">
+            <a:off x="2189750" y="1038546"/>
+            <a:ext cx="576064" cy="99996"/>
+          </a:xfrm>
+          <a:custGeom>
+            <a:avLst/>
+            <a:gdLst>
+              <a:gd name="connsiteX0" fmla="*/ 0 w 596900"/>
+              <a:gd name="connsiteY0" fmla="*/ 209768 h 209768"/>
+              <a:gd name="connsiteX1" fmla="*/ 317500 w 596900"/>
+              <a:gd name="connsiteY1" fmla="*/ 218 h 209768"/>
+              <a:gd name="connsiteX2" fmla="*/ 596900 w 596900"/>
+              <a:gd name="connsiteY2" fmla="*/ 178018 h 209768"/>
+              <a:gd name="connsiteX0" fmla="*/ 0 w 660400"/>
+              <a:gd name="connsiteY0" fmla="*/ 210341 h 280191"/>
+              <a:gd name="connsiteX1" fmla="*/ 317500 w 660400"/>
+              <a:gd name="connsiteY1" fmla="*/ 791 h 280191"/>
+              <a:gd name="connsiteX2" fmla="*/ 660400 w 660400"/>
+              <a:gd name="connsiteY2" fmla="*/ 280191 h 280191"/>
+              <a:gd name="connsiteX0" fmla="*/ 0 w 736600"/>
+              <a:gd name="connsiteY0" fmla="*/ 273055 h 279405"/>
+              <a:gd name="connsiteX1" fmla="*/ 393700 w 736600"/>
+              <a:gd name="connsiteY1" fmla="*/ 5 h 279405"/>
+              <a:gd name="connsiteX2" fmla="*/ 736600 w 736600"/>
+              <a:gd name="connsiteY2" fmla="*/ 279405 h 279405"/>
+            </a:gdLst>
+            <a:ahLst/>
+            <a:cxnLst>
+              <a:cxn ang="0">
+                <a:pos x="connsiteX0" y="connsiteY0"/>
+              </a:cxn>
+              <a:cxn ang="0">
+                <a:pos x="connsiteX1" y="connsiteY1"/>
+              </a:cxn>
+              <a:cxn ang="0">
+                <a:pos x="connsiteX2" y="connsiteY2"/>
+              </a:cxn>
+            </a:cxnLst>
+            <a:rect l="l" t="t" r="r" b="b"/>
+            <a:pathLst>
+              <a:path w="736600" h="279405">
+                <a:moveTo>
+                  <a:pt x="0" y="273055"/>
+                </a:moveTo>
+                <a:cubicBezTo>
+                  <a:pt x="109008" y="170926"/>
+                  <a:pt x="270933" y="-1053"/>
+                  <a:pt x="393700" y="5"/>
+                </a:cubicBezTo>
+                <a:cubicBezTo>
+                  <a:pt x="516467" y="1063"/>
+                  <a:pt x="646641" y="187859"/>
+                  <a:pt x="736600" y="279405"/>
+                </a:cubicBezTo>
+              </a:path>
+            </a:pathLst>
+          </a:custGeom>
+          <a:noFill/>
+          <a:ln>
+            <a:solidFill>
+              <a:srgbClr val="C00000"/>
+            </a:solidFill>
+            <a:headEnd type="stealth" w="med" len="lg"/>
+            <a:tailEnd type="none" w="med" len="lg"/>
+          </a:ln>
+        </p:spPr>
+        <p:style>
+          <a:lnRef idx="2">
+            <a:schemeClr val="accent1">
+              <a:shade val="50000"/>
+            </a:schemeClr>
+          </a:lnRef>
+          <a:fillRef idx="1">
+            <a:schemeClr val="accent1"/>
+          </a:fillRef>
+          <a:effectRef idx="0">
+            <a:schemeClr val="accent1"/>
+          </a:effectRef>
+          <a:fontRef idx="minor">
+            <a:schemeClr val="lt1"/>
+          </a:fontRef>
+        </p:style>
+        <p:txBody>
+          <a:bodyPr rtlCol="0" anchor="ctr"/>
+          <a:lstStyle/>
+          <a:p>
+            <a:pPr algn="ctr"/>
+            <a:endParaRPr lang="fr-FR"/>
+          </a:p>
+        </p:txBody>
+      </p:sp>
+      <mc:AlternateContent xmlns:mc="http://schemas.openxmlformats.org/markup-compatibility/2006" xmlns:a14="http://schemas.microsoft.com/office/drawing/2010/main">
+        <mc:Choice Requires="a14">
+          <p:sp>
+            <p:nvSpPr>
+              <p:cNvPr id="31" name="ZoneTexte 30"/>
+              <p:cNvSpPr txBox="1"/>
+              <p:nvPr/>
+            </p:nvSpPr>
+            <p:spPr>
+              <a:xfrm rot="5400000">
+                <a:off x="376723" y="2421287"/>
+                <a:ext cx="901722" cy="261610"/>
+              </a:xfrm>
+              <a:prstGeom prst="rect">
+                <a:avLst/>
+              </a:prstGeom>
+              <a:noFill/>
+            </p:spPr>
+            <p:txBody>
+              <a:bodyPr wrap="none" rtlCol="0">
+                <a:spAutoFit/>
+              </a:bodyPr>
+              <a:lstStyle/>
+              <a:p>
+                <a:r>
+                  <a:rPr lang="fr-FR" sz="1100" b="0" dirty="0" smtClean="0"/>
+                  <a:t>Pivot </a:t>
+                </a:r>
+                <a14:m>
+                  <m:oMath xmlns:m="http://schemas.openxmlformats.org/officeDocument/2006/math">
+                    <m:d>
+                      <m:dPr>
+                        <m:ctrlPr>
+                          <a:rPr lang="fr-FR" sz="1100" b="0" i="1" smtClean="0">
+                            <a:latin typeface="Cambria Math"/>
+                          </a:rPr>
+                        </m:ctrlPr>
+                      </m:dPr>
+                      <m:e>
+                        <m:r>
+                          <a:rPr lang="fr-FR" sz="1100" b="0" i="1" smtClean="0">
+                            <a:latin typeface="Cambria Math"/>
+                          </a:rPr>
+                          <m:t>𝑂</m:t>
+                        </m:r>
+                        <m:r>
+                          <a:rPr lang="fr-FR" sz="1100" b="0" i="1" smtClean="0">
+                            <a:latin typeface="Cambria Math"/>
+                          </a:rPr>
+                          <m:t>,</m:t>
+                        </m:r>
+                        <m:acc>
+                          <m:accPr>
+                            <m:chr m:val="⃗"/>
+                            <m:ctrlPr>
+                              <a:rPr lang="fr-FR" sz="1100" b="0" i="1" smtClean="0">
+                                <a:latin typeface="Cambria Math"/>
+                              </a:rPr>
+                            </m:ctrlPr>
+                          </m:accPr>
+                          <m:e>
+                            <m:sSub>
+                              <m:sSubPr>
+                                <m:ctrlPr>
+                                  <a:rPr lang="fr-FR" sz="1100" b="0" i="1" smtClean="0">
+                                    <a:latin typeface="Cambria Math"/>
+                                  </a:rPr>
+                                </m:ctrlPr>
+                              </m:sSubPr>
+                              <m:e>
+                                <m:r>
+                                  <a:rPr lang="fr-FR" sz="1100" b="0" i="1" smtClean="0">
+                                    <a:latin typeface="Cambria Math"/>
+                                  </a:rPr>
+                                  <m:t>𝑧</m:t>
+                                </m:r>
+                              </m:e>
+                              <m:sub>
+                                <m:r>
+                                  <a:rPr lang="fr-FR" sz="1100" b="0" i="1" smtClean="0">
+                                    <a:latin typeface="Cambria Math"/>
+                                  </a:rPr>
+                                  <m:t>1</m:t>
+                                </m:r>
+                              </m:sub>
+                            </m:sSub>
+                          </m:e>
+                        </m:acc>
+                      </m:e>
+                    </m:d>
+                  </m:oMath>
+                </a14:m>
+                <a:endParaRPr lang="fr-FR" sz="1100" dirty="0"/>
+              </a:p>
+            </p:txBody>
+          </p:sp>
+        </mc:Choice>
+        <mc:Fallback xmlns="">
+          <p:sp>
+            <p:nvSpPr>
+              <p:cNvPr id="31" name="ZoneTexte 30"/>
+              <p:cNvSpPr txBox="1">
+                <a:spLocks noRot="1" noChangeAspect="1" noMove="1" noResize="1" noEditPoints="1" noAdjustHandles="1" noChangeArrowheads="1" noChangeShapeType="1" noTextEdit="1"/>
+              </p:cNvSpPr>
+              <p:nvPr/>
+            </p:nvSpPr>
+            <p:spPr>
+              <a:xfrm rot="5400000">
+                <a:off x="376723" y="2421287"/>
+                <a:ext cx="901722" cy="261610"/>
+              </a:xfrm>
+              <a:prstGeom prst="rect">
+                <a:avLst/>
+              </a:prstGeom>
+              <a:blipFill rotWithShape="1">
+                <a:blip r:embed="rId2"/>
+                <a:stretch>
+                  <a:fillRect l="-16279"/>
+                </a:stretch>
+              </a:blipFill>
+            </p:spPr>
+            <p:txBody>
+              <a:bodyPr/>
+              <a:lstStyle/>
+              <a:p>
+                <a:r>
+                  <a:rPr lang="fr-FR">
+                    <a:noFill/>
+                  </a:rPr>
+                  <a:t> </a:t>
+                </a:r>
+              </a:p>
+            </p:txBody>
+          </p:sp>
+        </mc:Fallback>
+      </mc:AlternateContent>
+      <mc:AlternateContent xmlns:mc="http://schemas.openxmlformats.org/markup-compatibility/2006" xmlns:a14="http://schemas.microsoft.com/office/drawing/2010/main">
+        <mc:Choice Requires="a14">
+          <p:sp>
+            <p:nvSpPr>
+              <p:cNvPr id="32" name="ZoneTexte 31"/>
+              <p:cNvSpPr txBox="1"/>
+              <p:nvPr/>
+            </p:nvSpPr>
+            <p:spPr>
+              <a:xfrm rot="5400000">
+                <a:off x="1122171" y="2421287"/>
+                <a:ext cx="904991" cy="261610"/>
+              </a:xfrm>
+              <a:prstGeom prst="rect">
+                <a:avLst/>
+              </a:prstGeom>
+              <a:noFill/>
+            </p:spPr>
+            <p:txBody>
+              <a:bodyPr wrap="none" rtlCol="0">
+                <a:spAutoFit/>
+              </a:bodyPr>
+              <a:lstStyle/>
+              <a:p>
+                <a:r>
+                  <a:rPr lang="fr-FR" sz="1100" b="0" dirty="0" smtClean="0"/>
+                  <a:t>Pivot </a:t>
+                </a:r>
+                <a14:m>
+                  <m:oMath xmlns:m="http://schemas.openxmlformats.org/officeDocument/2006/math">
+                    <m:d>
+                      <m:dPr>
+                        <m:ctrlPr>
+                          <a:rPr lang="fr-FR" sz="1100" b="0" i="1" smtClean="0">
+                            <a:latin typeface="Cambria Math"/>
+                          </a:rPr>
+                        </m:ctrlPr>
+                      </m:dPr>
+                      <m:e>
+                        <m:r>
+                          <a:rPr lang="fr-FR" sz="1100" b="0" i="1" smtClean="0">
+                            <a:latin typeface="Cambria Math"/>
+                          </a:rPr>
+                          <m:t>𝑂</m:t>
+                        </m:r>
+                        <m:r>
+                          <a:rPr lang="fr-FR" sz="1100" b="0" i="1" smtClean="0">
+                            <a:latin typeface="Cambria Math"/>
+                          </a:rPr>
+                          <m:t>,</m:t>
+                        </m:r>
+                        <m:acc>
+                          <m:accPr>
+                            <m:chr m:val="⃗"/>
+                            <m:ctrlPr>
+                              <a:rPr lang="fr-FR" sz="1100" b="0" i="1" smtClean="0">
+                                <a:latin typeface="Cambria Math"/>
+                              </a:rPr>
+                            </m:ctrlPr>
+                          </m:accPr>
+                          <m:e>
+                            <m:sSub>
+                              <m:sSubPr>
+                                <m:ctrlPr>
+                                  <a:rPr lang="fr-FR" sz="1100" b="0" i="1" smtClean="0">
+                                    <a:latin typeface="Cambria Math"/>
+                                  </a:rPr>
+                                </m:ctrlPr>
+                              </m:sSubPr>
+                              <m:e>
+                                <m:r>
+                                  <a:rPr lang="fr-FR" sz="1100" b="0" i="1" smtClean="0">
+                                    <a:latin typeface="Cambria Math"/>
+                                  </a:rPr>
+                                  <m:t>𝑧</m:t>
+                                </m:r>
+                              </m:e>
+                              <m:sub>
+                                <m:r>
+                                  <a:rPr lang="fr-FR" sz="1100" b="0" i="1" smtClean="0">
+                                    <a:latin typeface="Cambria Math"/>
+                                  </a:rPr>
+                                  <m:t>2</m:t>
+                                </m:r>
+                              </m:sub>
+                            </m:sSub>
+                          </m:e>
+                        </m:acc>
+                      </m:e>
+                    </m:d>
+                  </m:oMath>
+                </a14:m>
+                <a:endParaRPr lang="fr-FR" sz="1100" dirty="0"/>
+              </a:p>
+            </p:txBody>
+          </p:sp>
+        </mc:Choice>
+        <mc:Fallback xmlns="">
+          <p:sp>
+            <p:nvSpPr>
+              <p:cNvPr id="32" name="ZoneTexte 31"/>
+              <p:cNvSpPr txBox="1">
+                <a:spLocks noRot="1" noChangeAspect="1" noMove="1" noResize="1" noEditPoints="1" noAdjustHandles="1" noChangeArrowheads="1" noChangeShapeType="1" noTextEdit="1"/>
+              </p:cNvSpPr>
+              <p:nvPr/>
+            </p:nvSpPr>
+            <p:spPr>
+              <a:xfrm rot="5400000">
+                <a:off x="1122171" y="2421287"/>
+                <a:ext cx="904991" cy="261610"/>
+              </a:xfrm>
+              <a:prstGeom prst="rect">
+                <a:avLst/>
+              </a:prstGeom>
+              <a:blipFill rotWithShape="1">
+                <a:blip r:embed="rId3"/>
+                <a:stretch>
+                  <a:fillRect l="-16279"/>
+                </a:stretch>
+              </a:blipFill>
+            </p:spPr>
+            <p:txBody>
+              <a:bodyPr/>
+              <a:lstStyle/>
+              <a:p>
+                <a:r>
+                  <a:rPr lang="fr-FR">
+                    <a:noFill/>
+                  </a:rPr>
+                  <a:t> </a:t>
+                </a:r>
+              </a:p>
+            </p:txBody>
+          </p:sp>
+        </mc:Fallback>
+      </mc:AlternateContent>
+      <mc:AlternateContent xmlns:mc="http://schemas.openxmlformats.org/markup-compatibility/2006" xmlns:a14="http://schemas.microsoft.com/office/drawing/2010/main">
+        <mc:Choice Requires="a14">
+          <p:sp>
+            <p:nvSpPr>
+              <p:cNvPr id="33" name="ZoneTexte 32"/>
+              <p:cNvSpPr txBox="1"/>
+              <p:nvPr/>
+            </p:nvSpPr>
+            <p:spPr>
+              <a:xfrm rot="5400000">
+                <a:off x="1869254" y="2421287"/>
+                <a:ext cx="904991" cy="261610"/>
+              </a:xfrm>
+              <a:prstGeom prst="rect">
+                <a:avLst/>
+              </a:prstGeom>
+              <a:noFill/>
+            </p:spPr>
+            <p:txBody>
+              <a:bodyPr wrap="none" rtlCol="0">
+                <a:spAutoFit/>
+              </a:bodyPr>
+              <a:lstStyle/>
+              <a:p>
+                <a:r>
+                  <a:rPr lang="fr-FR" sz="1100" b="0" dirty="0" smtClean="0"/>
+                  <a:t>Pivot </a:t>
+                </a:r>
+                <a14:m>
+                  <m:oMath xmlns:m="http://schemas.openxmlformats.org/officeDocument/2006/math">
+                    <m:d>
+                      <m:dPr>
+                        <m:ctrlPr>
+                          <a:rPr lang="fr-FR" sz="1100" b="0" i="1" smtClean="0">
+                            <a:latin typeface="Cambria Math"/>
+                          </a:rPr>
+                        </m:ctrlPr>
+                      </m:dPr>
+                      <m:e>
+                        <m:r>
+                          <a:rPr lang="fr-FR" sz="1100" b="0" i="1" smtClean="0">
+                            <a:latin typeface="Cambria Math"/>
+                          </a:rPr>
+                          <m:t>𝑂</m:t>
+                        </m:r>
+                        <m:r>
+                          <a:rPr lang="fr-FR" sz="1100" b="0" i="1" smtClean="0">
+                            <a:latin typeface="Cambria Math"/>
+                          </a:rPr>
+                          <m:t>,</m:t>
+                        </m:r>
+                        <m:acc>
+                          <m:accPr>
+                            <m:chr m:val="⃗"/>
+                            <m:ctrlPr>
+                              <a:rPr lang="fr-FR" sz="1100" b="0" i="1" smtClean="0">
+                                <a:latin typeface="Cambria Math"/>
+                              </a:rPr>
+                            </m:ctrlPr>
+                          </m:accPr>
+                          <m:e>
+                            <m:sSub>
+                              <m:sSubPr>
+                                <m:ctrlPr>
+                                  <a:rPr lang="fr-FR" sz="1100" b="0" i="1" smtClean="0">
+                                    <a:latin typeface="Cambria Math"/>
+                                  </a:rPr>
+                                </m:ctrlPr>
+                              </m:sSubPr>
+                              <m:e>
+                                <m:r>
+                                  <a:rPr lang="fr-FR" sz="1100" b="0" i="1" smtClean="0">
+                                    <a:latin typeface="Cambria Math"/>
+                                  </a:rPr>
+                                  <m:t>𝑧</m:t>
+                                </m:r>
+                              </m:e>
+                              <m:sub>
+                                <m:r>
+                                  <a:rPr lang="fr-FR" sz="1100" b="0" i="1" smtClean="0">
+                                    <a:latin typeface="Cambria Math"/>
+                                  </a:rPr>
+                                  <m:t>3</m:t>
+                                </m:r>
+                              </m:sub>
+                            </m:sSub>
+                          </m:e>
+                        </m:acc>
+                      </m:e>
+                    </m:d>
+                  </m:oMath>
+                </a14:m>
+                <a:endParaRPr lang="fr-FR" sz="1100" dirty="0"/>
+              </a:p>
+            </p:txBody>
+          </p:sp>
+        </mc:Choice>
+        <mc:Fallback xmlns="">
+          <p:sp>
+            <p:nvSpPr>
+              <p:cNvPr id="33" name="ZoneTexte 32"/>
+              <p:cNvSpPr txBox="1">
+                <a:spLocks noRot="1" noChangeAspect="1" noMove="1" noResize="1" noEditPoints="1" noAdjustHandles="1" noChangeArrowheads="1" noChangeShapeType="1" noTextEdit="1"/>
+              </p:cNvSpPr>
+              <p:nvPr/>
+            </p:nvSpPr>
+            <p:spPr>
+              <a:xfrm rot="5400000">
+                <a:off x="1869254" y="2421287"/>
+                <a:ext cx="904991" cy="261610"/>
+              </a:xfrm>
+              <a:prstGeom prst="rect">
+                <a:avLst/>
+              </a:prstGeom>
+              <a:blipFill rotWithShape="1">
+                <a:blip r:embed="rId4"/>
+                <a:stretch>
+                  <a:fillRect l="-16279"/>
+                </a:stretch>
+              </a:blipFill>
+            </p:spPr>
+            <p:txBody>
+              <a:bodyPr/>
+              <a:lstStyle/>
+              <a:p>
+                <a:r>
+                  <a:rPr lang="fr-FR">
+                    <a:noFill/>
+                  </a:rPr>
+                  <a:t> </a:t>
+                </a:r>
+              </a:p>
+            </p:txBody>
+          </p:sp>
+        </mc:Fallback>
+      </mc:AlternateContent>
+      <mc:AlternateContent xmlns:mc="http://schemas.openxmlformats.org/markup-compatibility/2006" xmlns:a14="http://schemas.microsoft.com/office/drawing/2010/main">
+        <mc:Choice Requires="a14">
+          <p:sp>
+            <p:nvSpPr>
+              <p:cNvPr id="34" name="ZoneTexte 33"/>
+              <p:cNvSpPr txBox="1"/>
+              <p:nvPr/>
+            </p:nvSpPr>
+            <p:spPr>
+              <a:xfrm rot="5400000">
+                <a:off x="2498389" y="2421287"/>
+                <a:ext cx="1140890" cy="261610"/>
+              </a:xfrm>
+              <a:prstGeom prst="rect">
+                <a:avLst/>
+              </a:prstGeom>
+              <a:noFill/>
+            </p:spPr>
+            <p:txBody>
+              <a:bodyPr wrap="none" rtlCol="0">
+                <a:spAutoFit/>
+              </a:bodyPr>
+              <a:lstStyle/>
+              <a:p>
+                <a:r>
+                  <a:rPr lang="fr-FR" sz="1100" b="0" dirty="0" smtClean="0"/>
+                  <a:t>Glissière </a:t>
+                </a:r>
+                <a14:m>
+                  <m:oMath xmlns:m="http://schemas.openxmlformats.org/officeDocument/2006/math">
+                    <m:d>
+                      <m:dPr>
+                        <m:ctrlPr>
+                          <a:rPr lang="fr-FR" sz="1100" b="0" i="1" smtClean="0">
+                            <a:latin typeface="Cambria Math"/>
+                          </a:rPr>
+                        </m:ctrlPr>
+                      </m:dPr>
+                      <m:e>
+                        <m:r>
+                          <a:rPr lang="fr-FR" sz="1100" b="0" i="1" smtClean="0">
+                            <a:latin typeface="Cambria Math"/>
+                          </a:rPr>
+                          <m:t>𝑂</m:t>
+                        </m:r>
+                        <m:r>
+                          <a:rPr lang="fr-FR" sz="1100" b="0" i="1" smtClean="0">
+                            <a:latin typeface="Cambria Math"/>
+                          </a:rPr>
+                          <m:t>,</m:t>
+                        </m:r>
+                        <m:acc>
+                          <m:accPr>
+                            <m:chr m:val="⃗"/>
+                            <m:ctrlPr>
+                              <a:rPr lang="fr-FR" sz="1100" b="0" i="1" smtClean="0">
+                                <a:latin typeface="Cambria Math"/>
+                              </a:rPr>
+                            </m:ctrlPr>
+                          </m:accPr>
+                          <m:e>
+                            <m:sSub>
+                              <m:sSubPr>
+                                <m:ctrlPr>
+                                  <a:rPr lang="fr-FR" sz="1100" b="0" i="1" smtClean="0">
+                                    <a:latin typeface="Cambria Math"/>
+                                  </a:rPr>
+                                </m:ctrlPr>
+                              </m:sSubPr>
+                              <m:e>
+                                <m:r>
+                                  <a:rPr lang="fr-FR" sz="1100" b="0" i="1" smtClean="0">
+                                    <a:latin typeface="Cambria Math"/>
+                                  </a:rPr>
+                                  <m:t>𝑧</m:t>
+                                </m:r>
+                              </m:e>
+                              <m:sub>
+                                <m:r>
+                                  <a:rPr lang="fr-FR" sz="1100" b="0" i="1" smtClean="0">
+                                    <a:latin typeface="Cambria Math"/>
+                                  </a:rPr>
+                                  <m:t>3</m:t>
+                                </m:r>
+                              </m:sub>
+                            </m:sSub>
+                          </m:e>
+                        </m:acc>
+                      </m:e>
+                    </m:d>
+                  </m:oMath>
+                </a14:m>
+                <a:endParaRPr lang="fr-FR" sz="1100" dirty="0"/>
+              </a:p>
+            </p:txBody>
+          </p:sp>
+        </mc:Choice>
+        <mc:Fallback xmlns="">
+          <p:sp>
+            <p:nvSpPr>
+              <p:cNvPr id="34" name="ZoneTexte 33"/>
+              <p:cNvSpPr txBox="1">
+                <a:spLocks noRot="1" noChangeAspect="1" noMove="1" noResize="1" noEditPoints="1" noAdjustHandles="1" noChangeArrowheads="1" noChangeShapeType="1" noTextEdit="1"/>
+              </p:cNvSpPr>
+              <p:nvPr/>
+            </p:nvSpPr>
+            <p:spPr>
+              <a:xfrm rot="5400000">
+                <a:off x="2498389" y="2421287"/>
+                <a:ext cx="1140890" cy="261610"/>
+              </a:xfrm>
+              <a:prstGeom prst="rect">
+                <a:avLst/>
+              </a:prstGeom>
+              <a:blipFill rotWithShape="1">
+                <a:blip r:embed="rId5"/>
+                <a:stretch>
+                  <a:fillRect l="-16279"/>
+                </a:stretch>
+              </a:blipFill>
+            </p:spPr>
+            <p:txBody>
+              <a:bodyPr/>
+              <a:lstStyle/>
+              <a:p>
+                <a:r>
+                  <a:rPr lang="fr-FR">
+                    <a:noFill/>
+                  </a:rPr>
+                  <a:t> </a:t>
+                </a:r>
+              </a:p>
+            </p:txBody>
+          </p:sp>
+        </mc:Fallback>
+      </mc:AlternateContent>
+      <mc:AlternateContent xmlns:mc="http://schemas.openxmlformats.org/markup-compatibility/2006" xmlns:a14="http://schemas.microsoft.com/office/drawing/2010/main">
+        <mc:Choice Requires="a14">
+          <p:sp>
+            <p:nvSpPr>
+              <p:cNvPr id="35" name="ZoneTexte 34"/>
+              <p:cNvSpPr txBox="1"/>
+              <p:nvPr/>
+            </p:nvSpPr>
+            <p:spPr>
+              <a:xfrm>
+                <a:off x="4067944" y="1639000"/>
+                <a:ext cx="2465419" cy="627672"/>
+              </a:xfrm>
+              <a:prstGeom prst="rect">
+                <a:avLst/>
+              </a:prstGeom>
+              <a:noFill/>
+            </p:spPr>
+            <p:txBody>
+              <a:bodyPr wrap="none" rtlCol="0">
+                <a:spAutoFit/>
+              </a:bodyPr>
+              <a:lstStyle/>
+              <a:p>
+                <a:pPr/>
+                <a14:m>
+                  <m:oMathPara xmlns:m="http://schemas.openxmlformats.org/officeDocument/2006/math">
+                    <m:oMathParaPr>
+                      <m:jc m:val="centerGroup"/>
+                    </m:oMathParaPr>
+                    <m:oMath xmlns:m="http://schemas.openxmlformats.org/officeDocument/2006/math">
+                      <m:sSub>
+                        <m:sSubPr>
+                          <m:ctrlPr>
+                            <a:rPr lang="fr-FR" sz="1400" b="0" i="1" smtClean="0">
+                              <a:latin typeface="Cambria Math"/>
+                            </a:rPr>
+                          </m:ctrlPr>
+                        </m:sSubPr>
+                        <m:e>
+                          <m:d>
+                            <m:dPr>
+                              <m:begChr m:val="{"/>
+                              <m:endChr m:val="}"/>
+                              <m:ctrlPr>
+                                <a:rPr lang="fr-FR" sz="1400" b="0" i="1" smtClean="0">
+                                  <a:latin typeface="Cambria Math"/>
+                                </a:rPr>
+                              </m:ctrlPr>
+                            </m:dPr>
+                            <m:e>
+                              <m:r>
+                                <a:rPr lang="fr-FR" sz="1400" b="0" i="1" smtClean="0">
+                                  <a:latin typeface="Cambria Math"/>
+                                  <a:ea typeface="Cambria Math"/>
+                                </a:rPr>
+                                <m:t>𝒯</m:t>
+                              </m:r>
+                              <m:d>
+                                <m:dPr>
+                                  <m:ctrlPr>
+                                    <a:rPr lang="fr-FR" sz="1400" b="0" i="1" smtClean="0">
+                                      <a:latin typeface="Cambria Math"/>
+                                      <a:ea typeface="Cambria Math"/>
+                                    </a:rPr>
+                                  </m:ctrlPr>
+                                </m:dPr>
+                                <m:e>
+                                  <m:r>
+                                    <m:rPr>
+                                      <m:sty m:val="p"/>
+                                    </m:rPr>
+                                    <a:rPr lang="fr-FR" sz="1400">
+                                      <a:latin typeface="Cambria Math"/>
+                                    </a:rPr>
+                                    <m:t>ext</m:t>
+                                  </m:r>
+                                  <m:r>
+                                    <a:rPr lang="fr-FR" sz="1400" i="1">
+                                      <a:latin typeface="Cambria Math"/>
+                                    </a:rPr>
+                                    <m:t>→4</m:t>
+                                  </m:r>
+                                </m:e>
+                              </m:d>
+                            </m:e>
+                          </m:d>
+                          <m:r>
+                            <a:rPr lang="fr-FR" sz="1400" b="0" i="1" smtClean="0">
+                              <a:latin typeface="Cambria Math"/>
+                            </a:rPr>
+                            <m:t>=</m:t>
+                          </m:r>
+                          <m:d>
+                            <m:dPr>
+                              <m:begChr m:val="{"/>
+                              <m:endChr m:val="}"/>
+                              <m:ctrlPr>
+                                <a:rPr lang="fr-FR" sz="1400" b="0" i="1" smtClean="0">
+                                  <a:latin typeface="Cambria Math"/>
+                                </a:rPr>
+                              </m:ctrlPr>
+                            </m:dPr>
+                            <m:e>
+                              <m:eqArr>
+                                <m:eqArrPr>
+                                  <m:ctrlPr>
+                                    <a:rPr lang="fr-FR" sz="1400" b="0" i="1" smtClean="0">
+                                      <a:latin typeface="Cambria Math"/>
+                                    </a:rPr>
+                                  </m:ctrlPr>
+                                </m:eqArrPr>
+                                <m:e>
+                                  <m:sSub>
+                                    <m:sSubPr>
+                                      <m:ctrlPr>
+                                        <a:rPr lang="fr-FR" sz="1400" i="1">
+                                          <a:latin typeface="Cambria Math"/>
+                                        </a:rPr>
+                                      </m:ctrlPr>
+                                    </m:sSubPr>
+                                    <m:e>
+                                      <m:r>
+                                        <a:rPr lang="fr-FR" sz="1400" i="1">
+                                          <a:latin typeface="Cambria Math"/>
+                                        </a:rPr>
+                                        <m:t>𝑅</m:t>
+                                      </m:r>
+                                    </m:e>
+                                    <m:sub>
+                                      <m:r>
+                                        <m:rPr>
+                                          <m:sty m:val="p"/>
+                                        </m:rPr>
+                                        <a:rPr lang="fr-FR" sz="1400">
+                                          <a:latin typeface="Cambria Math"/>
+                                        </a:rPr>
+                                        <m:t>ext</m:t>
+                                      </m:r>
+                                      <m:r>
+                                        <a:rPr lang="fr-FR" sz="1400" i="1">
+                                          <a:latin typeface="Cambria Math"/>
+                                        </a:rPr>
+                                        <m:t>→4</m:t>
+                                      </m:r>
+                                    </m:sub>
+                                  </m:sSub>
+                                  <m:acc>
+                                    <m:accPr>
+                                      <m:chr m:val="⃗"/>
+                                      <m:ctrlPr>
+                                        <a:rPr lang="fr-FR" sz="1400" i="1">
+                                          <a:latin typeface="Cambria Math"/>
+                                        </a:rPr>
+                                      </m:ctrlPr>
+                                    </m:accPr>
+                                    <m:e>
+                                      <m:sSub>
+                                        <m:sSubPr>
+                                          <m:ctrlPr>
+                                            <a:rPr lang="fr-FR" sz="1400" i="1">
+                                              <a:latin typeface="Cambria Math"/>
+                                            </a:rPr>
+                                          </m:ctrlPr>
+                                        </m:sSubPr>
+                                        <m:e>
+                                          <m:r>
+                                            <a:rPr lang="fr-FR" sz="1400" i="1">
+                                              <a:latin typeface="Cambria Math"/>
+                                            </a:rPr>
+                                            <m:t>𝑧</m:t>
+                                          </m:r>
+                                        </m:e>
+                                        <m:sub>
+                                          <m:r>
+                                            <a:rPr lang="fr-FR" sz="1400" i="1">
+                                              <a:latin typeface="Cambria Math"/>
+                                            </a:rPr>
+                                            <m:t>4</m:t>
+                                          </m:r>
+                                        </m:sub>
+                                      </m:sSub>
+                                    </m:e>
+                                  </m:acc>
+                                </m:e>
+                                <m:e>
+                                  <m:acc>
+                                    <m:accPr>
+                                      <m:chr m:val="⃗"/>
+                                      <m:ctrlPr>
+                                        <a:rPr lang="fr-FR" sz="1400" i="1">
+                                          <a:latin typeface="Cambria Math"/>
+                                        </a:rPr>
+                                      </m:ctrlPr>
+                                    </m:accPr>
+                                    <m:e>
+                                      <m:r>
+                                        <a:rPr lang="fr-FR" sz="1400" b="0" i="1" smtClean="0">
+                                          <a:latin typeface="Cambria Math"/>
+                                        </a:rPr>
+                                        <m:t>0</m:t>
+                                      </m:r>
+                                    </m:e>
+                                  </m:acc>
+                                </m:e>
+                              </m:eqArr>
+                            </m:e>
+                          </m:d>
+                        </m:e>
+                        <m:sub>
+                          <m:sSub>
+                            <m:sSubPr>
+                              <m:ctrlPr>
+                                <a:rPr lang="fr-FR" sz="1400" b="0" i="1" smtClean="0">
+                                  <a:latin typeface="Cambria Math"/>
+                                </a:rPr>
+                              </m:ctrlPr>
+                            </m:sSubPr>
+                            <m:e>
+                              <m:r>
+                                <a:rPr lang="fr-FR" sz="1400" b="0" i="1" smtClean="0">
+                                  <a:latin typeface="Cambria Math"/>
+                                </a:rPr>
+                                <m:t>𝑂</m:t>
+                              </m:r>
+                            </m:e>
+                            <m:sub>
+                              <m:r>
+                                <a:rPr lang="fr-FR" sz="1400" b="0" i="1" smtClean="0">
+                                  <a:latin typeface="Cambria Math"/>
+                                </a:rPr>
+                                <m:t>4</m:t>
+                              </m:r>
+                            </m:sub>
+                          </m:sSub>
+                        </m:sub>
+                      </m:sSub>
+                    </m:oMath>
+                  </m:oMathPara>
+                </a14:m>
+                <a:endParaRPr lang="fr-FR" sz="1000" dirty="0"/>
+              </a:p>
+            </p:txBody>
+          </p:sp>
+        </mc:Choice>
+        <mc:Fallback xmlns="">
+          <p:sp>
+            <p:nvSpPr>
+              <p:cNvPr id="35" name="ZoneTexte 34"/>
+              <p:cNvSpPr txBox="1">
+                <a:spLocks noRot="1" noChangeAspect="1" noMove="1" noResize="1" noEditPoints="1" noAdjustHandles="1" noChangeArrowheads="1" noChangeShapeType="1" noTextEdit="1"/>
+              </p:cNvSpPr>
+              <p:nvPr/>
+            </p:nvSpPr>
+            <p:spPr>
+              <a:xfrm>
+                <a:off x="4067944" y="1639000"/>
+                <a:ext cx="2465419" cy="627672"/>
+              </a:xfrm>
+              <a:prstGeom prst="rect">
+                <a:avLst/>
+              </a:prstGeom>
+              <a:blipFill rotWithShape="1">
+                <a:blip r:embed="rId6"/>
+                <a:stretch>
+                  <a:fillRect/>
+                </a:stretch>
+              </a:blipFill>
+            </p:spPr>
+            <p:txBody>
+              <a:bodyPr/>
+              <a:lstStyle/>
+              <a:p>
+                <a:r>
+                  <a:rPr lang="fr-FR">
+                    <a:noFill/>
+                  </a:rPr>
+                  <a:t> </a:t>
+                </a:r>
+              </a:p>
+            </p:txBody>
+          </p:sp>
+        </mc:Fallback>
+      </mc:AlternateContent>
+      <p:sp>
+        <p:nvSpPr>
+          <p:cNvPr id="36" name="ZoneTexte 35"/>
+          <p:cNvSpPr txBox="1"/>
+          <p:nvPr/>
+        </p:nvSpPr>
+        <p:spPr>
+          <a:xfrm>
+            <a:off x="2780801" y="794844"/>
+            <a:ext cx="763351" cy="261610"/>
+          </a:xfrm>
+          <a:prstGeom prst="rect">
+            <a:avLst/>
+          </a:prstGeom>
+          <a:noFill/>
+        </p:spPr>
+        <p:txBody>
+          <a:bodyPr wrap="none" rtlCol="0">
+            <a:spAutoFit/>
+          </a:bodyPr>
+          <a:lstStyle/>
+          <a:p>
+            <a:r>
+              <a:rPr lang="fr-FR" sz="1100" b="0" dirty="0" smtClean="0"/>
+              <a:t>Pesanteur</a:t>
+            </a:r>
+            <a:endParaRPr lang="fr-FR" sz="1100" dirty="0"/>
+          </a:p>
+        </p:txBody>
+      </p:sp>
+      <mc:AlternateContent xmlns:mc="http://schemas.openxmlformats.org/markup-compatibility/2006" xmlns:a14="http://schemas.microsoft.com/office/drawing/2010/main">
+        <mc:Choice Requires="a14">
+          <p:sp>
+            <p:nvSpPr>
+              <p:cNvPr id="37" name="Rectangle 36"/>
+              <p:cNvSpPr/>
+              <p:nvPr/>
+            </p:nvSpPr>
+            <p:spPr>
+              <a:xfrm rot="19800000">
+                <a:off x="397779" y="1408765"/>
+                <a:ext cx="641393" cy="261610"/>
+              </a:xfrm>
+              <a:prstGeom prst="rect">
+                <a:avLst/>
+              </a:prstGeom>
+            </p:spPr>
+            <p:txBody>
+              <a:bodyPr wrap="none">
+                <a:spAutoFit/>
+              </a:bodyPr>
+              <a:lstStyle/>
+              <a:p>
+                <a:pPr/>
+                <a14:m>
+                  <m:oMathPara xmlns:m="http://schemas.openxmlformats.org/officeDocument/2006/math">
+                    <m:oMathParaPr>
+                      <m:jc m:val="centerGroup"/>
+                    </m:oMathParaPr>
+                    <m:oMath xmlns:m="http://schemas.openxmlformats.org/officeDocument/2006/math">
+                      <m:sSub>
+                        <m:sSubPr>
+                          <m:ctrlPr>
+                            <a:rPr lang="fr-FR" sz="1100" i="1" smtClean="0">
+                              <a:latin typeface="Cambria Math"/>
+                            </a:rPr>
+                          </m:ctrlPr>
+                        </m:sSubPr>
+                        <m:e>
+                          <m:r>
+                            <a:rPr lang="fr-FR" sz="1100" b="0" i="1" smtClean="0">
+                              <a:latin typeface="Cambria Math"/>
+                            </a:rPr>
+                            <m:t>𝐶</m:t>
+                          </m:r>
+                        </m:e>
+                        <m:sub>
+                          <m:r>
+                            <m:rPr>
+                              <m:sty m:val="p"/>
+                            </m:rPr>
+                            <a:rPr lang="fr-FR" sz="1100" b="0" i="0" smtClean="0">
+                              <a:latin typeface="Cambria Math"/>
+                            </a:rPr>
+                            <m:t>m</m:t>
+                          </m:r>
+                          <m:r>
+                            <a:rPr lang="fr-FR" sz="1100" b="0" i="0" smtClean="0">
+                              <a:latin typeface="Cambria Math"/>
+                            </a:rPr>
+                            <m:t>0</m:t>
+                          </m:r>
+                          <m:r>
+                            <a:rPr lang="fr-FR" sz="1100" b="0" i="1" smtClean="0">
+                              <a:latin typeface="Cambria Math"/>
+                            </a:rPr>
+                            <m:t>1</m:t>
+                          </m:r>
+                        </m:sub>
+                      </m:sSub>
+                      <m:acc>
+                        <m:accPr>
+                          <m:chr m:val="⃗"/>
+                          <m:ctrlPr>
+                            <a:rPr lang="fr-FR" sz="1100" i="1">
+                              <a:latin typeface="Cambria Math"/>
+                            </a:rPr>
+                          </m:ctrlPr>
+                        </m:accPr>
+                        <m:e>
+                          <m:sSub>
+                            <m:sSubPr>
+                              <m:ctrlPr>
+                                <a:rPr lang="fr-FR" sz="1100" i="1">
+                                  <a:latin typeface="Cambria Math"/>
+                                </a:rPr>
+                              </m:ctrlPr>
+                            </m:sSubPr>
+                            <m:e>
+                              <m:r>
+                                <a:rPr lang="fr-FR" sz="1100" i="1">
+                                  <a:latin typeface="Cambria Math"/>
+                                </a:rPr>
+                                <m:t>𝑧</m:t>
+                              </m:r>
+                            </m:e>
+                            <m:sub>
+                              <m:r>
+                                <a:rPr lang="fr-FR" sz="1100" b="0" i="1" smtClean="0">
+                                  <a:latin typeface="Cambria Math"/>
+                                </a:rPr>
+                                <m:t>1</m:t>
+                              </m:r>
+                            </m:sub>
+                          </m:sSub>
+                        </m:e>
+                      </m:acc>
+                    </m:oMath>
+                  </m:oMathPara>
+                </a14:m>
+                <a:endParaRPr lang="fr-FR" sz="1100" dirty="0"/>
+              </a:p>
+            </p:txBody>
+          </p:sp>
+        </mc:Choice>
+        <mc:Fallback xmlns="">
+          <p:sp>
+            <p:nvSpPr>
+              <p:cNvPr id="37" name="Rectangle 36"/>
+              <p:cNvSpPr>
+                <a:spLocks noRot="1" noChangeAspect="1" noMove="1" noResize="1" noEditPoints="1" noAdjustHandles="1" noChangeArrowheads="1" noChangeShapeType="1" noTextEdit="1"/>
+              </p:cNvSpPr>
+              <p:nvPr/>
+            </p:nvSpPr>
+            <p:spPr>
+              <a:xfrm rot="19800000">
+                <a:off x="397779" y="1408765"/>
+                <a:ext cx="641393" cy="261610"/>
+              </a:xfrm>
+              <a:prstGeom prst="rect">
+                <a:avLst/>
+              </a:prstGeom>
+              <a:blipFill rotWithShape="1">
+                <a:blip r:embed="rId7"/>
+                <a:stretch>
+                  <a:fillRect/>
+                </a:stretch>
+              </a:blipFill>
+            </p:spPr>
+            <p:txBody>
+              <a:bodyPr/>
+              <a:lstStyle/>
+              <a:p>
+                <a:r>
+                  <a:rPr lang="fr-FR">
+                    <a:noFill/>
+                  </a:rPr>
+                  <a:t> </a:t>
+                </a:r>
+              </a:p>
+            </p:txBody>
+          </p:sp>
+        </mc:Fallback>
+      </mc:AlternateContent>
+      <mc:AlternateContent xmlns:mc="http://schemas.openxmlformats.org/markup-compatibility/2006" xmlns:a14="http://schemas.microsoft.com/office/drawing/2010/main">
+        <mc:Choice Requires="a14">
+          <p:sp>
+            <p:nvSpPr>
+              <p:cNvPr id="39" name="Rectangle 38"/>
+              <p:cNvSpPr/>
+              <p:nvPr/>
+            </p:nvSpPr>
+            <p:spPr>
+              <a:xfrm rot="19800000">
+                <a:off x="1393370" y="1468192"/>
+                <a:ext cx="545214" cy="261610"/>
+              </a:xfrm>
+              <a:prstGeom prst="rect">
+                <a:avLst/>
+              </a:prstGeom>
+            </p:spPr>
+            <p:txBody>
+              <a:bodyPr wrap="none">
+                <a:spAutoFit/>
+              </a:bodyPr>
+              <a:lstStyle/>
+              <a:p>
+                <a:pPr/>
+                <a14:m>
+                  <m:oMathPara xmlns:m="http://schemas.openxmlformats.org/officeDocument/2006/math">
+                    <m:oMathParaPr>
+                      <m:jc m:val="centerGroup"/>
+                    </m:oMathParaPr>
+                    <m:oMath xmlns:m="http://schemas.openxmlformats.org/officeDocument/2006/math">
+                      <m:sSub>
+                        <m:sSubPr>
+                          <m:ctrlPr>
+                            <a:rPr lang="fr-FR" sz="1100" i="1" smtClean="0">
+                              <a:latin typeface="Cambria Math"/>
+                            </a:rPr>
+                          </m:ctrlPr>
+                        </m:sSubPr>
+                        <m:e>
+                          <m:r>
+                            <a:rPr lang="fr-FR" sz="1100" b="0" i="1" smtClean="0">
+                              <a:latin typeface="Cambria Math"/>
+                            </a:rPr>
+                            <m:t>𝐶</m:t>
+                          </m:r>
+                        </m:e>
+                        <m:sub>
+                          <m:r>
+                            <a:rPr lang="fr-FR" sz="1100" b="0" i="1" smtClean="0">
+                              <a:latin typeface="Cambria Math"/>
+                            </a:rPr>
+                            <m:t>12</m:t>
+                          </m:r>
+                        </m:sub>
+                      </m:sSub>
+                      <m:acc>
+                        <m:accPr>
+                          <m:chr m:val="⃗"/>
+                          <m:ctrlPr>
+                            <a:rPr lang="fr-FR" sz="1100" i="1">
+                              <a:latin typeface="Cambria Math"/>
+                            </a:rPr>
+                          </m:ctrlPr>
+                        </m:accPr>
+                        <m:e>
+                          <m:sSub>
+                            <m:sSubPr>
+                              <m:ctrlPr>
+                                <a:rPr lang="fr-FR" sz="1100" i="1">
+                                  <a:latin typeface="Cambria Math"/>
+                                </a:rPr>
+                              </m:ctrlPr>
+                            </m:sSubPr>
+                            <m:e>
+                              <m:r>
+                                <a:rPr lang="fr-FR" sz="1100" i="1">
+                                  <a:latin typeface="Cambria Math"/>
+                                </a:rPr>
+                                <m:t>𝑧</m:t>
+                              </m:r>
+                            </m:e>
+                            <m:sub>
+                              <m:r>
+                                <a:rPr lang="fr-FR" sz="1100" b="0" i="1" smtClean="0">
+                                  <a:latin typeface="Cambria Math"/>
+                                </a:rPr>
+                                <m:t>2</m:t>
+                              </m:r>
+                            </m:sub>
+                          </m:sSub>
+                        </m:e>
+                      </m:acc>
+                    </m:oMath>
+                  </m:oMathPara>
+                </a14:m>
+                <a:endParaRPr lang="fr-FR" sz="1100" dirty="0"/>
+              </a:p>
+            </p:txBody>
+          </p:sp>
+        </mc:Choice>
+        <mc:Fallback xmlns="">
+          <p:sp>
+            <p:nvSpPr>
+              <p:cNvPr id="39" name="Rectangle 38"/>
+              <p:cNvSpPr>
+                <a:spLocks noRot="1" noChangeAspect="1" noMove="1" noResize="1" noEditPoints="1" noAdjustHandles="1" noChangeArrowheads="1" noChangeShapeType="1" noTextEdit="1"/>
+              </p:cNvSpPr>
+              <p:nvPr/>
+            </p:nvSpPr>
+            <p:spPr>
+              <a:xfrm rot="19800000">
+                <a:off x="1393370" y="1468192"/>
+                <a:ext cx="545214" cy="261610"/>
+              </a:xfrm>
+              <a:prstGeom prst="rect">
+                <a:avLst/>
+              </a:prstGeom>
+              <a:blipFill rotWithShape="1">
+                <a:blip r:embed="rId8"/>
+                <a:stretch>
+                  <a:fillRect/>
+                </a:stretch>
+              </a:blipFill>
+            </p:spPr>
+            <p:txBody>
+              <a:bodyPr/>
+              <a:lstStyle/>
+              <a:p>
+                <a:r>
+                  <a:rPr lang="fr-FR">
+                    <a:noFill/>
+                  </a:rPr>
+                  <a:t> </a:t>
+                </a:r>
+              </a:p>
+            </p:txBody>
+          </p:sp>
+        </mc:Fallback>
+      </mc:AlternateContent>
+      <mc:AlternateContent xmlns:mc="http://schemas.openxmlformats.org/markup-compatibility/2006" xmlns:a14="http://schemas.microsoft.com/office/drawing/2010/main">
+        <mc:Choice Requires="a14">
+          <p:sp>
+            <p:nvSpPr>
+              <p:cNvPr id="40" name="Rectangle 39"/>
+              <p:cNvSpPr/>
+              <p:nvPr/>
+            </p:nvSpPr>
+            <p:spPr>
+              <a:xfrm rot="19800000">
+                <a:off x="2129684" y="1467064"/>
+                <a:ext cx="548483" cy="261610"/>
+              </a:xfrm>
+              <a:prstGeom prst="rect">
+                <a:avLst/>
+              </a:prstGeom>
+            </p:spPr>
+            <p:txBody>
+              <a:bodyPr wrap="none">
+                <a:spAutoFit/>
+              </a:bodyPr>
+              <a:lstStyle/>
+              <a:p>
+                <a:pPr/>
+                <a14:m>
+                  <m:oMathPara xmlns:m="http://schemas.openxmlformats.org/officeDocument/2006/math">
+                    <m:oMathParaPr>
+                      <m:jc m:val="centerGroup"/>
+                    </m:oMathParaPr>
+                    <m:oMath xmlns:m="http://schemas.openxmlformats.org/officeDocument/2006/math">
+                      <m:sSub>
+                        <m:sSubPr>
+                          <m:ctrlPr>
+                            <a:rPr lang="fr-FR" sz="1100" i="1" smtClean="0">
+                              <a:latin typeface="Cambria Math"/>
+                            </a:rPr>
+                          </m:ctrlPr>
+                        </m:sSubPr>
+                        <m:e>
+                          <m:r>
+                            <a:rPr lang="fr-FR" sz="1100" b="0" i="1" smtClean="0">
+                              <a:latin typeface="Cambria Math"/>
+                            </a:rPr>
+                            <m:t>𝐶</m:t>
+                          </m:r>
+                        </m:e>
+                        <m:sub>
+                          <m:r>
+                            <a:rPr lang="fr-FR" sz="1100" b="0" i="1" smtClean="0">
+                              <a:latin typeface="Cambria Math"/>
+                            </a:rPr>
+                            <m:t>23</m:t>
+                          </m:r>
+                        </m:sub>
+                      </m:sSub>
+                      <m:acc>
+                        <m:accPr>
+                          <m:chr m:val="⃗"/>
+                          <m:ctrlPr>
+                            <a:rPr lang="fr-FR" sz="1100" i="1">
+                              <a:latin typeface="Cambria Math"/>
+                            </a:rPr>
+                          </m:ctrlPr>
+                        </m:accPr>
+                        <m:e>
+                          <m:sSub>
+                            <m:sSubPr>
+                              <m:ctrlPr>
+                                <a:rPr lang="fr-FR" sz="1100" i="1">
+                                  <a:latin typeface="Cambria Math"/>
+                                </a:rPr>
+                              </m:ctrlPr>
+                            </m:sSubPr>
+                            <m:e>
+                              <m:r>
+                                <a:rPr lang="fr-FR" sz="1100" i="1">
+                                  <a:latin typeface="Cambria Math"/>
+                                </a:rPr>
+                                <m:t>𝑧</m:t>
+                              </m:r>
+                            </m:e>
+                            <m:sub>
+                              <m:r>
+                                <a:rPr lang="fr-FR" sz="1100" b="0" i="1" smtClean="0">
+                                  <a:latin typeface="Cambria Math"/>
+                                </a:rPr>
+                                <m:t>3</m:t>
+                              </m:r>
+                            </m:sub>
+                          </m:sSub>
+                        </m:e>
+                      </m:acc>
+                    </m:oMath>
+                  </m:oMathPara>
+                </a14:m>
+                <a:endParaRPr lang="fr-FR" sz="1100" dirty="0"/>
+              </a:p>
+            </p:txBody>
+          </p:sp>
+        </mc:Choice>
+        <mc:Fallback xmlns="">
+          <p:sp>
+            <p:nvSpPr>
+              <p:cNvPr id="40" name="Rectangle 39"/>
+              <p:cNvSpPr>
+                <a:spLocks noRot="1" noChangeAspect="1" noMove="1" noResize="1" noEditPoints="1" noAdjustHandles="1" noChangeArrowheads="1" noChangeShapeType="1" noTextEdit="1"/>
+              </p:cNvSpPr>
+              <p:nvPr/>
+            </p:nvSpPr>
+            <p:spPr>
+              <a:xfrm rot="19800000">
+                <a:off x="2129684" y="1467064"/>
+                <a:ext cx="548483" cy="261610"/>
+              </a:xfrm>
+              <a:prstGeom prst="rect">
+                <a:avLst/>
+              </a:prstGeom>
+              <a:blipFill rotWithShape="1">
+                <a:blip r:embed="rId9"/>
+                <a:stretch>
+                  <a:fillRect/>
+                </a:stretch>
+              </a:blipFill>
+            </p:spPr>
+            <p:txBody>
+              <a:bodyPr/>
+              <a:lstStyle/>
+              <a:p>
+                <a:r>
+                  <a:rPr lang="fr-FR">
+                    <a:noFill/>
+                  </a:rPr>
+                  <a:t> </a:t>
+                </a:r>
+              </a:p>
+            </p:txBody>
+          </p:sp>
+        </mc:Fallback>
+      </mc:AlternateContent>
+      <mc:AlternateContent xmlns:mc="http://schemas.openxmlformats.org/markup-compatibility/2006" xmlns:a14="http://schemas.microsoft.com/office/drawing/2010/main">
+        <mc:Choice Requires="a14">
+          <p:sp>
+            <p:nvSpPr>
+              <p:cNvPr id="42" name="Rectangle 41"/>
+              <p:cNvSpPr/>
+              <p:nvPr/>
+            </p:nvSpPr>
+            <p:spPr>
+              <a:xfrm rot="19800000">
+                <a:off x="2848439" y="1467064"/>
+                <a:ext cx="639086" cy="261610"/>
+              </a:xfrm>
+              <a:prstGeom prst="rect">
+                <a:avLst/>
+              </a:prstGeom>
+            </p:spPr>
+            <p:txBody>
+              <a:bodyPr wrap="none">
+                <a:spAutoFit/>
+              </a:bodyPr>
+              <a:lstStyle/>
+              <a:p>
+                <a:pPr/>
+                <a14:m>
+                  <m:oMathPara xmlns:m="http://schemas.openxmlformats.org/officeDocument/2006/math">
+                    <m:oMathParaPr>
+                      <m:jc m:val="centerGroup"/>
+                    </m:oMathParaPr>
+                    <m:oMath xmlns:m="http://schemas.openxmlformats.org/officeDocument/2006/math">
+                      <m:sSub>
+                        <m:sSubPr>
+                          <m:ctrlPr>
+                            <a:rPr lang="fr-FR" sz="1100" i="1" smtClean="0">
+                              <a:latin typeface="Cambria Math"/>
+                            </a:rPr>
+                          </m:ctrlPr>
+                        </m:sSubPr>
+                        <m:e>
+                          <m:r>
+                            <a:rPr lang="fr-FR" sz="1100" b="0" i="1" smtClean="0">
+                              <a:latin typeface="Cambria Math"/>
+                            </a:rPr>
+                            <m:t>𝐹</m:t>
+                          </m:r>
+                        </m:e>
+                        <m:sub>
+                          <m:r>
+                            <m:rPr>
+                              <m:sty m:val="p"/>
+                            </m:rPr>
+                            <a:rPr lang="fr-FR" sz="1100" b="0" i="0" smtClean="0">
+                              <a:latin typeface="Cambria Math"/>
+                            </a:rPr>
+                            <m:t>m</m:t>
+                          </m:r>
+                          <m:r>
+                            <a:rPr lang="fr-FR" sz="1100" b="0" i="1" smtClean="0">
+                              <a:latin typeface="Cambria Math"/>
+                            </a:rPr>
+                            <m:t>34</m:t>
+                          </m:r>
+                        </m:sub>
+                      </m:sSub>
+                      <m:acc>
+                        <m:accPr>
+                          <m:chr m:val="⃗"/>
+                          <m:ctrlPr>
+                            <a:rPr lang="fr-FR" sz="1100" i="1">
+                              <a:latin typeface="Cambria Math"/>
+                            </a:rPr>
+                          </m:ctrlPr>
+                        </m:accPr>
+                        <m:e>
+                          <m:sSub>
+                            <m:sSubPr>
+                              <m:ctrlPr>
+                                <a:rPr lang="fr-FR" sz="1100" i="1">
+                                  <a:latin typeface="Cambria Math"/>
+                                </a:rPr>
+                              </m:ctrlPr>
+                            </m:sSubPr>
+                            <m:e>
+                              <m:r>
+                                <a:rPr lang="fr-FR" sz="1100" i="1">
+                                  <a:latin typeface="Cambria Math"/>
+                                </a:rPr>
+                                <m:t>𝑧</m:t>
+                              </m:r>
+                            </m:e>
+                            <m:sub>
+                              <m:r>
+                                <a:rPr lang="fr-FR" sz="1100" b="0" i="1" smtClean="0">
+                                  <a:latin typeface="Cambria Math"/>
+                                </a:rPr>
+                                <m:t>4</m:t>
+                              </m:r>
+                            </m:sub>
+                          </m:sSub>
+                        </m:e>
+                      </m:acc>
+                    </m:oMath>
+                  </m:oMathPara>
+                </a14:m>
+                <a:endParaRPr lang="fr-FR" sz="1100" dirty="0"/>
+              </a:p>
+            </p:txBody>
+          </p:sp>
+        </mc:Choice>
+        <mc:Fallback xmlns="">
+          <p:sp>
+            <p:nvSpPr>
+              <p:cNvPr id="42" name="Rectangle 41"/>
+              <p:cNvSpPr>
+                <a:spLocks noRot="1" noChangeAspect="1" noMove="1" noResize="1" noEditPoints="1" noAdjustHandles="1" noChangeArrowheads="1" noChangeShapeType="1" noTextEdit="1"/>
+              </p:cNvSpPr>
+              <p:nvPr/>
+            </p:nvSpPr>
+            <p:spPr>
+              <a:xfrm rot="19800000">
+                <a:off x="2848439" y="1467064"/>
+                <a:ext cx="639086" cy="261610"/>
+              </a:xfrm>
+              <a:prstGeom prst="rect">
+                <a:avLst/>
+              </a:prstGeom>
+              <a:blipFill rotWithShape="1">
+                <a:blip r:embed="rId10"/>
+                <a:stretch>
+                  <a:fillRect/>
+                </a:stretch>
+              </a:blipFill>
+            </p:spPr>
+            <p:txBody>
+              <a:bodyPr/>
+              <a:lstStyle/>
+              <a:p>
+                <a:r>
+                  <a:rPr lang="fr-FR">
+                    <a:noFill/>
+                  </a:rPr>
+                  <a:t> </a:t>
+                </a:r>
+              </a:p>
+            </p:txBody>
+          </p:sp>
+        </mc:Fallback>
+      </mc:AlternateContent>
+    </p:spTree>
+    <p:extLst>
+      <p:ext uri="{BB962C8B-B14F-4D97-AF65-F5344CB8AC3E}">
+        <p14:creationId xmlns:p14="http://schemas.microsoft.com/office/powerpoint/2010/main" val="178783706"/>
+      </p:ext>
+    </p:extLst>
+  </p:cSld>
+  <p:clrMapOvr>
+    <a:masterClrMapping/>
+  </p:clrMapOvr>
+</p:sld>
+</file>
+
+<file path=ppt/slides/slide2.xml><?xml version="1.0" encoding="utf-8"?>
+<p:sld xmlns:a="http://schemas.openxmlformats.org/drawingml/2006/main" xmlns:r="http://schemas.openxmlformats.org/officeDocument/2006/relationships" xmlns:p="http://schemas.openxmlformats.org/presentationml/2006/main">
+  <p:cSld>
+    <p:spTree>
+      <p:nvGrpSpPr>
+        <p:cNvPr id="1" name=""/>
+        <p:cNvGrpSpPr/>
+        <p:nvPr/>
+      </p:nvGrpSpPr>
+      <p:grpSpPr>
+        <a:xfrm>
+          <a:off x="0" y="0"/>
+          <a:ext cx="0" cy="0"/>
+          <a:chOff x="0" y="0"/>
+          <a:chExt cx="0" cy="0"/>
+        </a:xfrm>
+      </p:grpSpPr>
+      <p:pic>
+        <p:nvPicPr>
+          <p:cNvPr id="4098" name="Picture 2" descr="C:\Enseignement\GitHub\Cy_03_PSI_ConceptionCommande\Chapitre_01_Correction\TD_PI\Cy_03_01_TD_PI_01_MC2E\images\bf.png"/>
+          <p:cNvPicPr>
+            <a:picLocks noChangeAspect="1" noChangeArrowheads="1"/>
+          </p:cNvPicPr>
+          <p:nvPr/>
+        </p:nvPicPr>
+        <p:blipFill>
+          <a:blip r:embed="rId2">
+            <a:extLst>
+              <a:ext uri="{28A0092B-C50C-407E-A947-70E740481C1C}">
+                <a14:useLocalDpi xmlns:a14="http://schemas.microsoft.com/office/drawing/2010/main" val="0"/>
+              </a:ext>
+            </a:extLst>
+          </a:blip>
+          <a:srcRect/>
+          <a:stretch>
+            <a:fillRect/>
+          </a:stretch>
+        </p:blipFill>
+        <p:spPr bwMode="auto">
+          <a:xfrm>
+            <a:off x="923925" y="295275"/>
+            <a:ext cx="7391400" cy="5715000"/>
+          </a:xfrm>
+          <a:prstGeom prst="rect">
+            <a:avLst/>
+          </a:prstGeom>
+          <a:noFill/>
+          <a:extLst>
+            <a:ext uri="{909E8E84-426E-40DD-AFC4-6F175D3DCCD1}">
+              <a14:hiddenFill xmlns:a14="http://schemas.microsoft.com/office/drawing/2010/main">
+                <a:solidFill>
+                  <a:srgbClr val="FFFFFF"/>
+                </a:solidFill>
+              </a14:hiddenFill>
+            </a:ext>
+          </a:extLst>
+        </p:spPr>
+      </p:pic>
+      <mc:AlternateContent xmlns:mc="http://schemas.openxmlformats.org/markup-compatibility/2006">
+        <mc:Choice xmlns:a14="http://schemas.microsoft.com/office/drawing/2010/main" Requires="a14">
+          <p:sp>
+            <p:nvSpPr>
+              <p:cNvPr id="6" name="ZoneTexte 5"/>
+              <p:cNvSpPr txBox="1"/>
+              <p:nvPr/>
+            </p:nvSpPr>
+            <p:spPr>
+              <a:xfrm>
+                <a:off x="5220072" y="692696"/>
+                <a:ext cx="1724318" cy="369332"/>
+              </a:xfrm>
+              <a:prstGeom prst="rect">
+                <a:avLst/>
+              </a:prstGeom>
+              <a:solidFill>
+                <a:schemeClr val="bg1"/>
+              </a:solidFill>
+            </p:spPr>
+            <p:txBody>
+              <a:bodyPr wrap="none" rtlCol="0">
+                <a:spAutoFit/>
+              </a:bodyPr>
+              <a:lstStyle/>
+              <a:p>
+                <a14:m>
+                  <m:oMathPara xmlns:m="http://schemas.openxmlformats.org/officeDocument/2006/math">
+                    <m:oMathParaPr>
+                      <m:jc m:val="centerGroup"/>
+                    </m:oMathParaPr>
+                    <m:oMath xmlns:m="http://schemas.openxmlformats.org/officeDocument/2006/math">
+                      <m:sSub>
+                        <m:sSubPr>
+                          <m:ctrlPr>
+                            <a:rPr lang="fr-FR" b="0" i="1" smtClean="0">
+                              <a:latin typeface="Cambria Math"/>
+                            </a:rPr>
+                          </m:ctrlPr>
+                        </m:sSubPr>
+                        <m:e>
+                          <m:r>
+                            <a:rPr lang="fr-FR" b="0" i="1" smtClean="0">
+                              <a:latin typeface="Cambria Math"/>
+                            </a:rPr>
+                            <m:t>𝜔</m:t>
+                          </m:r>
+                        </m:e>
+                        <m:sub>
+                          <m:r>
+                            <a:rPr lang="fr-FR" b="0" i="1" smtClean="0">
+                              <a:latin typeface="Cambria Math"/>
+                            </a:rPr>
+                            <m:t>0</m:t>
+                          </m:r>
+                        </m:sub>
+                      </m:sSub>
+                      <m:r>
+                        <a:rPr lang="fr-FR" b="0" i="1" smtClean="0">
+                          <a:latin typeface="Cambria Math"/>
+                        </a:rPr>
+                        <m:t>≃15 </m:t>
+                      </m:r>
+                      <m:r>
+                        <m:rPr>
+                          <m:sty m:val="p"/>
+                        </m:rPr>
+                        <a:rPr lang="fr-FR" b="0" i="0" smtClean="0">
+                          <a:latin typeface="Cambria Math"/>
+                        </a:rPr>
+                        <m:t>rad</m:t>
+                      </m:r>
+                      <m:r>
+                        <a:rPr lang="fr-FR" b="0" i="0" smtClean="0">
+                          <a:latin typeface="Cambria Math"/>
+                        </a:rPr>
+                        <m:t>/</m:t>
+                      </m:r>
+                      <m:r>
+                        <m:rPr>
+                          <m:sty m:val="p"/>
+                        </m:rPr>
+                        <a:rPr lang="fr-FR" b="0" i="0" smtClean="0">
+                          <a:latin typeface="Cambria Math"/>
+                        </a:rPr>
+                        <m:t>s</m:t>
+                      </m:r>
+                    </m:oMath>
+                  </m:oMathPara>
+                </a14:m>
+                <a:endParaRPr lang="fr-FR" dirty="0"/>
+              </a:p>
+            </p:txBody>
+          </p:sp>
+        </mc:Choice>
+        <mc:Fallback>
+          <p:sp>
+            <p:nvSpPr>
+              <p:cNvPr id="6" name="ZoneTexte 5"/>
+              <p:cNvSpPr txBox="1">
+                <a:spLocks noRot="1" noChangeAspect="1" noMove="1" noResize="1" noEditPoints="1" noAdjustHandles="1" noChangeArrowheads="1" noChangeShapeType="1" noTextEdit="1"/>
+              </p:cNvSpPr>
+              <p:nvPr/>
+            </p:nvSpPr>
+            <p:spPr>
+              <a:xfrm>
+                <a:off x="5220072" y="692696"/>
+                <a:ext cx="1724318" cy="369332"/>
+              </a:xfrm>
+              <a:prstGeom prst="rect">
+                <a:avLst/>
+              </a:prstGeom>
+              <a:blipFill rotWithShape="1">
+                <a:blip r:embed="rId3"/>
+                <a:stretch>
+                  <a:fillRect b="-13333"/>
+                </a:stretch>
+              </a:blipFill>
+            </p:spPr>
+            <p:txBody>
+              <a:bodyPr/>
+              <a:lstStyle/>
+              <a:p>
+                <a:r>
+                  <a:rPr lang="fr-FR">
+                    <a:noFill/>
+                  </a:rPr>
+                  <a:t> </a:t>
+                </a:r>
+              </a:p>
+            </p:txBody>
+          </p:sp>
+        </mc:Fallback>
+      </mc:AlternateContent>
+      <p:cxnSp>
+        <p:nvCxnSpPr>
+          <p:cNvPr id="7" name="Connecteur droit 6"/>
+          <p:cNvCxnSpPr/>
+          <p:nvPr/>
+        </p:nvCxnSpPr>
+        <p:spPr>
+          <a:xfrm>
+            <a:off x="5148064" y="980729"/>
+            <a:ext cx="2952328" cy="1080119"/>
+          </a:xfrm>
+          <a:prstGeom prst="line">
+            <a:avLst/>
+          </a:prstGeom>
+          <a:ln w="28575">
+            <a:solidFill>
+              <a:srgbClr val="C00000"/>
+            </a:solidFill>
+            <a:prstDash val="dash"/>
+          </a:ln>
+        </p:spPr>
+        <p:style>
+          <a:lnRef idx="1">
+            <a:schemeClr val="accent1"/>
+          </a:lnRef>
+          <a:fillRef idx="0">
+            <a:schemeClr val="accent1"/>
+          </a:fillRef>
+          <a:effectRef idx="0">
+            <a:schemeClr val="accent1"/>
+          </a:effectRef>
+          <a:fontRef idx="minor">
+            <a:schemeClr val="tx1"/>
+          </a:fontRef>
+        </p:style>
+      </p:cxnSp>
+    </p:spTree>
+    <p:extLst>
+      <p:ext uri="{BB962C8B-B14F-4D97-AF65-F5344CB8AC3E}">
+        <p14:creationId xmlns:p14="http://schemas.microsoft.com/office/powerpoint/2010/main" val="2756374435"/>
+      </p:ext>
+    </p:extLst>
+  </p:cSld>
+  <p:clrMapOvr>
+    <a:masterClrMapping/>
+  </p:clrMapOvr>
+</p:sld>
+</file>
+
+<file path=ppt/slides/slide3.xml><?xml version="1.0" encoding="utf-8"?>
+<p:sld xmlns:a="http://schemas.openxmlformats.org/drawingml/2006/main" xmlns:r="http://schemas.openxmlformats.org/officeDocument/2006/relationships" xmlns:p="http://schemas.openxmlformats.org/presentationml/2006/main">
+  <p:cSld>
+    <p:spTree>
+      <p:nvGrpSpPr>
+        <p:cNvPr id="1" name=""/>
+        <p:cNvGrpSpPr/>
+        <p:nvPr/>
+      </p:nvGrpSpPr>
+      <p:grpSpPr>
+        <a:xfrm>
+          <a:off x="0" y="0"/>
+          <a:ext cx="0" cy="0"/>
+          <a:chOff x="0" y="0"/>
+          <a:chExt cx="0" cy="0"/>
+        </a:xfrm>
+      </p:grpSpPr>
+      <p:pic>
+        <p:nvPicPr>
+          <p:cNvPr id="3074" name="Picture 2"/>
+          <p:cNvPicPr>
+            <a:picLocks noChangeAspect="1" noChangeArrowheads="1"/>
+          </p:cNvPicPr>
+          <p:nvPr/>
+        </p:nvPicPr>
+        <p:blipFill>
+          <a:blip r:embed="rId2">
+            <a:extLst>
+              <a:ext uri="{28A0092B-C50C-407E-A947-70E740481C1C}">
+                <a14:useLocalDpi xmlns:a14="http://schemas.microsoft.com/office/drawing/2010/main" val="0"/>
+              </a:ext>
+            </a:extLst>
+          </a:blip>
+          <a:srcRect/>
+          <a:stretch>
+            <a:fillRect/>
+          </a:stretch>
+        </p:blipFill>
+        <p:spPr bwMode="auto">
+          <a:xfrm>
+            <a:off x="2214563" y="779463"/>
+            <a:ext cx="4714875" cy="4533900"/>
+          </a:xfrm>
+          <a:prstGeom prst="rect">
+            <a:avLst/>
+          </a:prstGeom>
+          <a:noFill/>
+          <a:ln>
+            <a:noFill/>
+          </a:ln>
+          <a:effectLst/>
+          <a:extLst>
+            <a:ext uri="{909E8E84-426E-40DD-AFC4-6F175D3DCCD1}">
+              <a14:hiddenFill xmlns:a14="http://schemas.microsoft.com/office/drawing/2010/main">
+                <a:solidFill>
+                  <a:schemeClr val="accent1"/>
+                </a:solidFill>
+              </a14:hiddenFill>
+            </a:ext>
+            <a:ext uri="{91240B29-F687-4F45-9708-019B960494DF}">
+              <a14:hiddenLine xmlns:a14="http://schemas.microsoft.com/office/drawing/2010/main" w="9525">
+                <a:solidFill>
+                  <a:schemeClr val="tx1"/>
+                </a:solidFill>
+                <a:miter lim="800000"/>
+                <a:headEnd/>
+                <a:tailEnd/>
+              </a14:hiddenLine>
+            </a:ext>
+            <a:ext uri="{AF507438-7753-43E0-B8FC-AC1667EBCBE1}">
+              <a14:hiddenEffects xmlns:a14="http://schemas.microsoft.com/office/drawing/2010/main">
+                <a:effectLst>
+                  <a:outerShdw dist="35921" dir="2700000" algn="ctr" rotWithShape="0">
+                    <a:schemeClr val="bg2"/>
+                  </a:outerShdw>
+                </a:effectLst>
+              </a14:hiddenEffects>
+            </a:ext>
+          </a:extLst>
+        </p:spPr>
+      </p:pic>
+      <p:cxnSp>
+        <p:nvCxnSpPr>
+          <p:cNvPr id="5" name="Connecteur droit 4"/>
+          <p:cNvCxnSpPr/>
+          <p:nvPr/>
+        </p:nvCxnSpPr>
+        <p:spPr>
+          <a:xfrm flipV="1">
+            <a:off x="4667536" y="4221088"/>
+            <a:ext cx="0" cy="720080"/>
+          </a:xfrm>
+          <a:prstGeom prst="line">
+            <a:avLst/>
+          </a:prstGeom>
+          <a:ln w="57150" cmpd="sng">
+            <a:solidFill>
+              <a:srgbClr val="C00000"/>
+            </a:solidFill>
+            <a:tailEnd type="stealth" w="med" len="lg"/>
+          </a:ln>
+        </p:spPr>
+        <p:style>
+          <a:lnRef idx="1">
+            <a:schemeClr val="accent1"/>
+          </a:lnRef>
+          <a:fillRef idx="0">
+            <a:schemeClr val="accent1"/>
+          </a:fillRef>
+          <a:effectRef idx="0">
+            <a:schemeClr val="accent1"/>
+          </a:effectRef>
+          <a:fontRef idx="minor">
+            <a:schemeClr val="tx1"/>
+          </a:fontRef>
+        </p:style>
+      </p:cxnSp>
+      <mc:AlternateContent xmlns:mc="http://schemas.openxmlformats.org/markup-compatibility/2006">
+        <mc:Choice xmlns:a14="http://schemas.microsoft.com/office/drawing/2010/main" Requires="a14">
+          <p:sp>
+            <p:nvSpPr>
+              <p:cNvPr id="6" name="ZoneTexte 5"/>
+              <p:cNvSpPr txBox="1"/>
+              <p:nvPr/>
+            </p:nvSpPr>
+            <p:spPr>
+              <a:xfrm>
+                <a:off x="2411048" y="3851756"/>
+                <a:ext cx="1488613" cy="369332"/>
+              </a:xfrm>
+              <a:prstGeom prst="rect">
+                <a:avLst/>
+              </a:prstGeom>
+              <a:solidFill>
+                <a:schemeClr val="bg1"/>
+              </a:solidFill>
+            </p:spPr>
+            <p:txBody>
+              <a:bodyPr wrap="none" rtlCol="0">
+                <a:spAutoFit/>
+              </a:bodyPr>
+              <a:lstStyle/>
+              <a:p>
+                <a14:m>
+                  <m:oMathPara xmlns:m="http://schemas.openxmlformats.org/officeDocument/2006/math">
+                    <m:oMathParaPr>
+                      <m:jc m:val="centerGroup"/>
+                    </m:oMathParaPr>
+                    <m:oMath xmlns:m="http://schemas.openxmlformats.org/officeDocument/2006/math">
+                      <m:sSub>
+                        <m:sSubPr>
+                          <m:ctrlPr>
+                            <a:rPr lang="fr-FR" b="0" i="1" smtClean="0">
+                              <a:latin typeface="Cambria Math"/>
+                            </a:rPr>
+                          </m:ctrlPr>
+                        </m:sSubPr>
+                        <m:e>
+                          <m:r>
+                            <a:rPr lang="fr-FR" b="0" i="1" smtClean="0">
+                              <a:latin typeface="Cambria Math"/>
+                            </a:rPr>
+                            <m:t>𝑇</m:t>
+                          </m:r>
+                        </m:e>
+                        <m:sub>
+                          <m:r>
+                            <a:rPr lang="fr-FR" b="0" i="1" smtClean="0">
+                              <a:latin typeface="Cambria Math"/>
+                            </a:rPr>
+                            <m:t>5%</m:t>
+                          </m:r>
+                        </m:sub>
+                      </m:sSub>
+                      <m:sSub>
+                        <m:sSubPr>
+                          <m:ctrlPr>
+                            <a:rPr lang="fr-FR" b="0" i="1" smtClean="0">
+                              <a:latin typeface="Cambria Math"/>
+                            </a:rPr>
+                          </m:ctrlPr>
+                        </m:sSubPr>
+                        <m:e>
+                          <m:r>
+                            <a:rPr lang="fr-FR" b="0" i="1" smtClean="0">
+                              <a:latin typeface="Cambria Math"/>
+                            </a:rPr>
+                            <m:t>𝜔</m:t>
+                          </m:r>
+                        </m:e>
+                        <m:sub>
+                          <m:r>
+                            <a:rPr lang="fr-FR" b="0" i="1" smtClean="0">
+                              <a:latin typeface="Cambria Math"/>
+                            </a:rPr>
+                            <m:t>0</m:t>
+                          </m:r>
+                        </m:sub>
+                      </m:sSub>
+                      <m:r>
+                        <a:rPr lang="fr-FR" b="0" i="1" smtClean="0">
+                          <a:latin typeface="Cambria Math"/>
+                        </a:rPr>
+                        <m:t>=</m:t>
+                      </m:r>
+                      <m:r>
+                        <a:rPr lang="fr-FR" b="0" i="0" smtClean="0">
+                          <a:latin typeface="Cambria Math"/>
+                        </a:rPr>
+                        <m:t>3,5</m:t>
+                      </m:r>
+                    </m:oMath>
+                  </m:oMathPara>
+                </a14:m>
+                <a:endParaRPr lang="fr-FR" dirty="0"/>
+              </a:p>
+            </p:txBody>
+          </p:sp>
+        </mc:Choice>
+        <mc:Fallback>
+          <p:sp>
+            <p:nvSpPr>
+              <p:cNvPr id="6" name="ZoneTexte 5"/>
+              <p:cNvSpPr txBox="1">
+                <a:spLocks noRot="1" noChangeAspect="1" noMove="1" noResize="1" noEditPoints="1" noAdjustHandles="1" noChangeArrowheads="1" noChangeShapeType="1" noTextEdit="1"/>
+              </p:cNvSpPr>
+              <p:nvPr/>
+            </p:nvSpPr>
+            <p:spPr>
+              <a:xfrm>
+                <a:off x="2411048" y="3851756"/>
+                <a:ext cx="1488613" cy="369332"/>
+              </a:xfrm>
+              <a:prstGeom prst="rect">
+                <a:avLst/>
+              </a:prstGeom>
+              <a:blipFill rotWithShape="1">
+                <a:blip r:embed="rId3"/>
+                <a:stretch>
+                  <a:fillRect b="-3333"/>
+                </a:stretch>
+              </a:blipFill>
+            </p:spPr>
+            <p:txBody>
+              <a:bodyPr/>
+              <a:lstStyle/>
+              <a:p>
+                <a:r>
+                  <a:rPr lang="fr-FR">
+                    <a:noFill/>
+                  </a:rPr>
+                  <a:t> </a:t>
+                </a:r>
+              </a:p>
+            </p:txBody>
+          </p:sp>
+        </mc:Fallback>
+      </mc:AlternateContent>
+      <p:cxnSp>
+        <p:nvCxnSpPr>
+          <p:cNvPr id="9" name="Connecteur droit 8"/>
+          <p:cNvCxnSpPr/>
+          <p:nvPr/>
+        </p:nvCxnSpPr>
+        <p:spPr>
+          <a:xfrm flipH="1">
+            <a:off x="2699792" y="4221088"/>
+            <a:ext cx="1967744" cy="0"/>
+          </a:xfrm>
+          <a:prstGeom prst="line">
+            <a:avLst/>
+          </a:prstGeom>
+          <a:ln w="57150" cmpd="sng">
+            <a:solidFill>
+              <a:srgbClr val="C00000"/>
+            </a:solidFill>
+            <a:tailEnd type="stealth" w="med" len="lg"/>
+          </a:ln>
+        </p:spPr>
+        <p:style>
+          <a:lnRef idx="1">
+            <a:schemeClr val="accent1"/>
+          </a:lnRef>
+          <a:fillRef idx="0">
+            <a:schemeClr val="accent1"/>
+          </a:fillRef>
+          <a:effectRef idx="0">
+            <a:schemeClr val="accent1"/>
+          </a:effectRef>
+          <a:fontRef idx="minor">
+            <a:schemeClr val="tx1"/>
+          </a:fontRef>
+        </p:style>
+      </p:cxnSp>
+    </p:spTree>
+    <p:extLst>
+      <p:ext uri="{BB962C8B-B14F-4D97-AF65-F5344CB8AC3E}">
+        <p14:creationId xmlns:p14="http://schemas.microsoft.com/office/powerpoint/2010/main" val="3739595132"/>
+      </p:ext>
+    </p:extLst>
+  </p:cSld>
+  <p:clrMapOvr>
+    <a:masterClrMapping/>
+  </p:clrMapOvr>
+</p:sld>
+</file>
+
+<file path=ppt/slides/slide4.xml><?xml version="1.0" encoding="utf-8"?>
+<p:sld xmlns:a="http://schemas.openxmlformats.org/drawingml/2006/main" xmlns:r="http://schemas.openxmlformats.org/officeDocument/2006/relationships" xmlns:p="http://schemas.openxmlformats.org/presentationml/2006/main">
+  <p:cSld>
+    <p:spTree>
+      <p:nvGrpSpPr>
+        <p:cNvPr id="1" name=""/>
+        <p:cNvGrpSpPr/>
+        <p:nvPr/>
+      </p:nvGrpSpPr>
+      <p:grpSpPr>
+        <a:xfrm>
+          <a:off x="0" y="0"/>
+          <a:ext cx="0" cy="0"/>
+          <a:chOff x="0" y="0"/>
+          <a:chExt cx="0" cy="0"/>
+        </a:xfrm>
+      </p:grpSpPr>
+      <p:pic>
+        <p:nvPicPr>
+          <p:cNvPr id="2050" name="Picture 2" descr="C:\Enseignement\GitHub\Cy_03_PSI_ConceptionCommande\Chapitre_01_Correction\TD_PI\Cy_03_01_TD_PI_01_MC2E\images\abaque.png"/>
+          <p:cNvPicPr>
+            <a:picLocks noChangeAspect="1" noChangeArrowheads="1"/>
+          </p:cNvPicPr>
+          <p:nvPr/>
+        </p:nvPicPr>
+        <p:blipFill>
+          <a:blip r:embed="rId2">
+            <a:extLst>
+              <a:ext uri="{28A0092B-C50C-407E-A947-70E740481C1C}">
+                <a14:useLocalDpi xmlns:a14="http://schemas.microsoft.com/office/drawing/2010/main" val="0"/>
+              </a:ext>
+            </a:extLst>
+          </a:blip>
+          <a:srcRect/>
+          <a:stretch>
+            <a:fillRect/>
+          </a:stretch>
+        </p:blipFill>
+        <p:spPr bwMode="auto">
+          <a:xfrm>
+            <a:off x="1259632" y="1412776"/>
+            <a:ext cx="6975326" cy="4459778"/>
+          </a:xfrm>
+          <a:prstGeom prst="rect">
+            <a:avLst/>
+          </a:prstGeom>
+          <a:noFill/>
+          <a:extLst>
+            <a:ext uri="{909E8E84-426E-40DD-AFC4-6F175D3DCCD1}">
+              <a14:hiddenFill xmlns:a14="http://schemas.microsoft.com/office/drawing/2010/main">
+                <a:solidFill>
+                  <a:srgbClr val="FFFFFF"/>
+                </a:solidFill>
+              </a14:hiddenFill>
+            </a:ext>
+          </a:extLst>
+        </p:spPr>
+      </p:pic>
+      <p:cxnSp>
+        <p:nvCxnSpPr>
+          <p:cNvPr id="5" name="Connecteur droit 4"/>
+          <p:cNvCxnSpPr/>
+          <p:nvPr/>
+        </p:nvCxnSpPr>
+        <p:spPr>
+          <a:xfrm>
+            <a:off x="1907704" y="4688761"/>
+            <a:ext cx="3240360" cy="0"/>
+          </a:xfrm>
+          <a:prstGeom prst="line">
+            <a:avLst/>
+          </a:prstGeom>
+          <a:ln w="57150" cmpd="sng">
+            <a:solidFill>
+              <a:srgbClr val="C00000"/>
+            </a:solidFill>
+            <a:tailEnd type="stealth" w="med" len="lg"/>
+          </a:ln>
+        </p:spPr>
+        <p:style>
+          <a:lnRef idx="1">
+            <a:schemeClr val="accent1"/>
+          </a:lnRef>
+          <a:fillRef idx="0">
+            <a:schemeClr val="accent1"/>
+          </a:fillRef>
+          <a:effectRef idx="0">
+            <a:schemeClr val="accent1"/>
+          </a:effectRef>
+          <a:fontRef idx="minor">
+            <a:schemeClr val="tx1"/>
+          </a:fontRef>
+        </p:style>
+      </p:cxnSp>
+      <mc:AlternateContent xmlns:mc="http://schemas.openxmlformats.org/markup-compatibility/2006">
+        <mc:Choice xmlns:a14="http://schemas.microsoft.com/office/drawing/2010/main" Requires="a14">
+          <p:sp>
+            <p:nvSpPr>
+              <p:cNvPr id="6" name="ZoneTexte 5"/>
+              <p:cNvSpPr txBox="1"/>
+              <p:nvPr/>
+            </p:nvSpPr>
+            <p:spPr>
+              <a:xfrm>
+                <a:off x="1965476" y="4277674"/>
+                <a:ext cx="699230" cy="369332"/>
+              </a:xfrm>
+              <a:prstGeom prst="rect">
+                <a:avLst/>
+              </a:prstGeom>
+              <a:solidFill>
+                <a:schemeClr val="bg1"/>
+              </a:solidFill>
+            </p:spPr>
+            <p:txBody>
+              <a:bodyPr wrap="none" rtlCol="0">
+                <a:spAutoFit/>
+              </a:bodyPr>
+              <a:lstStyle/>
+              <a:p>
+                <a14:m>
+                  <m:oMathPara xmlns:m="http://schemas.openxmlformats.org/officeDocument/2006/math">
+                    <m:oMathParaPr>
+                      <m:jc m:val="centerGroup"/>
+                    </m:oMathParaPr>
+                    <m:oMath xmlns:m="http://schemas.openxmlformats.org/officeDocument/2006/math">
+                      <m:r>
+                        <a:rPr lang="fr-FR" b="0" i="1" smtClean="0">
+                          <a:latin typeface="Cambria Math"/>
+                        </a:rPr>
+                        <m:t>15%</m:t>
+                      </m:r>
+                    </m:oMath>
+                  </m:oMathPara>
+                </a14:m>
+                <a:endParaRPr lang="fr-FR" dirty="0"/>
+              </a:p>
+            </p:txBody>
+          </p:sp>
+        </mc:Choice>
+        <mc:Fallback>
+          <p:sp>
+            <p:nvSpPr>
+              <p:cNvPr id="6" name="ZoneTexte 5"/>
+              <p:cNvSpPr txBox="1">
+                <a:spLocks noRot="1" noChangeAspect="1" noMove="1" noResize="1" noEditPoints="1" noAdjustHandles="1" noChangeArrowheads="1" noChangeShapeType="1" noTextEdit="1"/>
+              </p:cNvSpPr>
+              <p:nvPr/>
+            </p:nvSpPr>
+            <p:spPr>
+              <a:xfrm>
+                <a:off x="1965476" y="4277674"/>
+                <a:ext cx="699230" cy="369332"/>
+              </a:xfrm>
+              <a:prstGeom prst="rect">
+                <a:avLst/>
+              </a:prstGeom>
+              <a:blipFill rotWithShape="1">
+                <a:blip r:embed="rId3"/>
+                <a:stretch>
+                  <a:fillRect/>
+                </a:stretch>
+              </a:blipFill>
+            </p:spPr>
+            <p:txBody>
+              <a:bodyPr/>
+              <a:lstStyle/>
+              <a:p>
+                <a:r>
+                  <a:rPr lang="fr-FR">
+                    <a:noFill/>
+                  </a:rPr>
+                  <a:t> </a:t>
+                </a:r>
+              </a:p>
+            </p:txBody>
+          </p:sp>
+        </mc:Fallback>
+      </mc:AlternateContent>
+      <p:cxnSp>
+        <p:nvCxnSpPr>
+          <p:cNvPr id="12" name="Connecteur droit 11"/>
+          <p:cNvCxnSpPr/>
+          <p:nvPr/>
+        </p:nvCxnSpPr>
+        <p:spPr>
+          <a:xfrm>
+            <a:off x="5116507" y="4688761"/>
+            <a:ext cx="0" cy="563487"/>
+          </a:xfrm>
+          <a:prstGeom prst="line">
+            <a:avLst/>
+          </a:prstGeom>
+          <a:ln w="57150" cmpd="sng">
+            <a:solidFill>
+              <a:srgbClr val="C00000"/>
+            </a:solidFill>
+            <a:tailEnd type="stealth" w="med" len="lg"/>
+          </a:ln>
+        </p:spPr>
+        <p:style>
+          <a:lnRef idx="1">
+            <a:schemeClr val="accent1"/>
+          </a:lnRef>
+          <a:fillRef idx="0">
+            <a:schemeClr val="accent1"/>
+          </a:fillRef>
+          <a:effectRef idx="0">
+            <a:schemeClr val="accent1"/>
+          </a:effectRef>
+          <a:fontRef idx="minor">
+            <a:schemeClr val="tx1"/>
+          </a:fontRef>
+        </p:style>
+      </p:cxnSp>
+      <p:cxnSp>
+        <p:nvCxnSpPr>
+          <p:cNvPr id="14" name="Connecteur droit 13"/>
+          <p:cNvCxnSpPr/>
+          <p:nvPr/>
+        </p:nvCxnSpPr>
+        <p:spPr>
+          <a:xfrm flipH="1" flipV="1">
+            <a:off x="1907704" y="5192817"/>
+            <a:ext cx="4968552" cy="0"/>
+          </a:xfrm>
+          <a:prstGeom prst="line">
+            <a:avLst/>
+          </a:prstGeom>
+          <a:ln w="57150" cmpd="sng">
+            <a:solidFill>
+              <a:srgbClr val="C00000"/>
+            </a:solidFill>
+            <a:tailEnd type="stealth" w="med" len="lg"/>
+          </a:ln>
+        </p:spPr>
+        <p:style>
+          <a:lnRef idx="1">
+            <a:schemeClr val="accent1"/>
+          </a:lnRef>
+          <a:fillRef idx="0">
+            <a:schemeClr val="accent1"/>
+          </a:fillRef>
+          <a:effectRef idx="0">
+            <a:schemeClr val="accent1"/>
+          </a:effectRef>
+          <a:fontRef idx="minor">
+            <a:schemeClr val="tx1"/>
+          </a:fontRef>
+        </p:style>
+      </p:cxnSp>
+    </p:spTree>
+    <p:extLst>
+      <p:ext uri="{BB962C8B-B14F-4D97-AF65-F5344CB8AC3E}">
+        <p14:creationId xmlns:p14="http://schemas.microsoft.com/office/powerpoint/2010/main" val="1648381239"/>
+      </p:ext>
+    </p:extLst>
+  </p:cSld>
+  <p:clrMapOvr>
+    <a:masterClrMapping/>
+  </p:clrMapOvr>
+</p:sld>
+</file>
+
+<file path=ppt/slides/slide5.xml><?xml version="1.0" encoding="utf-8"?>
 <p:sld xmlns:a="http://schemas.openxmlformats.org/drawingml/2006/main" xmlns:r="http://schemas.openxmlformats.org/officeDocument/2006/relationships" xmlns:p="http://schemas.openxmlformats.org/presentationml/2006/main">
   <p:cSld>
     <p:spTree>
@@ -6905,7 +10664,7 @@
 </p:sld>
 </file>
 
-<file path=ppt/slides/slide2.xml><?xml version="1.0" encoding="utf-8"?>
+<file path=ppt/slides/slide6.xml><?xml version="1.0" encoding="utf-8"?>
 <p:sld xmlns:a="http://schemas.openxmlformats.org/drawingml/2006/main" xmlns:r="http://schemas.openxmlformats.org/officeDocument/2006/relationships" xmlns:p="http://schemas.openxmlformats.org/presentationml/2006/main">
   <p:cSld>
     <p:spTree>
@@ -7518,7 +11277,7 @@
 </p:sld>
 </file>
 
-<file path=ppt/slides/slide3.xml><?xml version="1.0" encoding="utf-8"?>
+<file path=ppt/slides/slide7.xml><?xml version="1.0" encoding="utf-8"?>
 <p:sld xmlns:a="http://schemas.openxmlformats.org/drawingml/2006/main" xmlns:r="http://schemas.openxmlformats.org/officeDocument/2006/relationships" xmlns:p="http://schemas.openxmlformats.org/presentationml/2006/main">
   <p:cSld>
     <p:spTree>
@@ -7927,15 +11686,7 @@
                   <a:sysClr val="windowText" lastClr="000000"/>
                 </a:solidFill>
               </a:rPr>
-              <a:t>Domaine de </a:t>
-            </a:r>
-            <a:r>
-              <a:rPr lang="fr-FR" sz="1000" dirty="0" smtClean="0">
-                <a:solidFill>
-                  <a:sysClr val="windowText" lastClr="000000"/>
-                </a:solidFill>
-              </a:rPr>
-              <a:t>l’expérimentation</a:t>
+              <a:t>Domaine de l’expérimentation</a:t>
             </a:r>
             <a:endParaRPr lang="fr-FR" sz="1000" dirty="0">
               <a:solidFill>
@@ -8067,8 +11818,8 @@
           </a:p>
         </p:txBody>
       </p:sp>
-      <mc:AlternateContent xmlns:mc="http://schemas.openxmlformats.org/markup-compatibility/2006">
-        <mc:Choice xmlns:a14="http://schemas.microsoft.com/office/drawing/2010/main" Requires="a14">
+      <mc:AlternateContent xmlns:mc="http://schemas.openxmlformats.org/markup-compatibility/2006" xmlns:a14="http://schemas.microsoft.com/office/drawing/2010/main">
+        <mc:Choice Requires="a14">
           <p:sp>
             <p:nvSpPr>
               <p:cNvPr id="4" name="Double flèche horizontale 3"/>
@@ -8313,7 +12064,7 @@
             </p:txBody>
           </p:sp>
         </mc:Choice>
-        <mc:Fallback>
+        <mc:Fallback xmlns="">
           <p:sp>
             <p:nvSpPr>
               <p:cNvPr id="4" name="Double flèche horizontale 3"/>
@@ -8375,7 +12126,7 @@
 </p:sld>
 </file>
 
-<file path=ppt/slides/slide4.xml><?xml version="1.0" encoding="utf-8"?>
+<file path=ppt/slides/slide8.xml><?xml version="1.0" encoding="utf-8"?>
 <p:sld xmlns:a="http://schemas.openxmlformats.org/drawingml/2006/main" xmlns:r="http://schemas.openxmlformats.org/officeDocument/2006/relationships" xmlns:p="http://schemas.openxmlformats.org/presentationml/2006/main">
   <p:cSld>
     <p:spTree>
@@ -8784,15 +12535,7 @@
                   <a:sysClr val="windowText" lastClr="000000"/>
                 </a:solidFill>
               </a:rPr>
-              <a:t>Domaine de </a:t>
-            </a:r>
-            <a:r>
-              <a:rPr lang="fr-FR" sz="1000" dirty="0" smtClean="0">
-                <a:solidFill>
-                  <a:sysClr val="windowText" lastClr="000000"/>
-                </a:solidFill>
-              </a:rPr>
-              <a:t>l’expérimentation</a:t>
+              <a:t>Domaine de l’expérimentation</a:t>
             </a:r>
             <a:endParaRPr lang="fr-FR" sz="1000" dirty="0">
               <a:solidFill>
@@ -9046,7 +12789,7 @@
 </p:sld>
 </file>
 
-<file path=ppt/slides/slide5.xml><?xml version="1.0" encoding="utf-8"?>
+<file path=ppt/slides/slide9.xml><?xml version="1.0" encoding="utf-8"?>
 <p:sld xmlns:a="http://schemas.openxmlformats.org/drawingml/2006/main" xmlns:r="http://schemas.openxmlformats.org/officeDocument/2006/relationships" xmlns:p="http://schemas.openxmlformats.org/presentationml/2006/main">
   <p:cSld>
     <p:spTree>
@@ -9939,2573 +13682,6 @@
 </p:sld>
 </file>
 
-<file path=ppt/slides/slide6.xml><?xml version="1.0" encoding="utf-8"?>
-<p:sld xmlns:a="http://schemas.openxmlformats.org/drawingml/2006/main" xmlns:r="http://schemas.openxmlformats.org/officeDocument/2006/relationships" xmlns:p="http://schemas.openxmlformats.org/presentationml/2006/main">
-  <p:cSld>
-    <p:spTree>
-      <p:nvGrpSpPr>
-        <p:cNvPr id="1" name=""/>
-        <p:cNvGrpSpPr/>
-        <p:nvPr/>
-      </p:nvGrpSpPr>
-      <p:grpSpPr>
-        <a:xfrm>
-          <a:off x="0" y="0"/>
-          <a:ext cx="0" cy="0"/>
-          <a:chOff x="0" y="0"/>
-          <a:chExt cx="0" cy="0"/>
-        </a:xfrm>
-      </p:grpSpPr>
-      <p:sp>
-        <p:nvSpPr>
-          <p:cNvPr id="4" name="Ellipse 3"/>
-          <p:cNvSpPr/>
-          <p:nvPr/>
-        </p:nvSpPr>
-        <p:spPr>
-          <a:xfrm>
-            <a:off x="1061610" y="1813199"/>
-            <a:ext cx="288032" cy="288032"/>
-          </a:xfrm>
-          <a:prstGeom prst="ellipse">
-            <a:avLst/>
-          </a:prstGeom>
-          <a:solidFill>
-            <a:schemeClr val="accent4">
-              <a:lumMod val="20000"/>
-              <a:lumOff val="80000"/>
-            </a:schemeClr>
-          </a:solidFill>
-          <a:ln w="19050">
-            <a:solidFill>
-              <a:schemeClr val="accent4"/>
-            </a:solidFill>
-          </a:ln>
-        </p:spPr>
-        <p:style>
-          <a:lnRef idx="2">
-            <a:schemeClr val="accent1">
-              <a:shade val="50000"/>
-            </a:schemeClr>
-          </a:lnRef>
-          <a:fillRef idx="1">
-            <a:schemeClr val="accent1"/>
-          </a:fillRef>
-          <a:effectRef idx="0">
-            <a:schemeClr val="accent1"/>
-          </a:effectRef>
-          <a:fontRef idx="minor">
-            <a:schemeClr val="lt1"/>
-          </a:fontRef>
-        </p:style>
-        <p:txBody>
-          <a:bodyPr rtlCol="0" anchor="ctr"/>
-          <a:lstStyle/>
-          <a:p>
-            <a:pPr algn="ctr"/>
-            <a:r>
-              <a:rPr lang="fr-FR" sz="1400" b="1" dirty="0" smtClean="0">
-                <a:solidFill>
-                  <a:schemeClr val="accent4"/>
-                </a:solidFill>
-              </a:rPr>
-              <a:t>1</a:t>
-            </a:r>
-            <a:endParaRPr lang="fr-FR" sz="1400" b="1" dirty="0">
-              <a:solidFill>
-                <a:schemeClr val="accent4"/>
-              </a:solidFill>
-            </a:endParaRPr>
-          </a:p>
-        </p:txBody>
-      </p:sp>
-      <p:sp>
-        <p:nvSpPr>
-          <p:cNvPr id="5" name="Ellipse 4"/>
-          <p:cNvSpPr/>
-          <p:nvPr/>
-        </p:nvSpPr>
-        <p:spPr>
-          <a:xfrm>
-            <a:off x="1799692" y="1813199"/>
-            <a:ext cx="288032" cy="288032"/>
-          </a:xfrm>
-          <a:prstGeom prst="ellipse">
-            <a:avLst/>
-          </a:prstGeom>
-          <a:solidFill>
-            <a:schemeClr val="accent2">
-              <a:lumMod val="20000"/>
-              <a:lumOff val="80000"/>
-            </a:schemeClr>
-          </a:solidFill>
-          <a:ln w="19050">
-            <a:solidFill>
-              <a:schemeClr val="accent2"/>
-            </a:solidFill>
-          </a:ln>
-        </p:spPr>
-        <p:style>
-          <a:lnRef idx="2">
-            <a:schemeClr val="accent1">
-              <a:shade val="50000"/>
-            </a:schemeClr>
-          </a:lnRef>
-          <a:fillRef idx="1">
-            <a:schemeClr val="accent1"/>
-          </a:fillRef>
-          <a:effectRef idx="0">
-            <a:schemeClr val="accent1"/>
-          </a:effectRef>
-          <a:fontRef idx="minor">
-            <a:schemeClr val="lt1"/>
-          </a:fontRef>
-        </p:style>
-        <p:txBody>
-          <a:bodyPr rtlCol="0" anchor="ctr"/>
-          <a:lstStyle/>
-          <a:p>
-            <a:pPr algn="ctr"/>
-            <a:r>
-              <a:rPr lang="fr-FR" sz="1400" b="1" dirty="0">
-                <a:solidFill>
-                  <a:schemeClr val="accent2"/>
-                </a:solidFill>
-              </a:rPr>
-              <a:t>2</a:t>
-            </a:r>
-          </a:p>
-        </p:txBody>
-      </p:sp>
-      <p:sp>
-        <p:nvSpPr>
-          <p:cNvPr id="6" name="Ellipse 5"/>
-          <p:cNvSpPr/>
-          <p:nvPr/>
-        </p:nvSpPr>
-        <p:spPr>
-          <a:xfrm>
-            <a:off x="2537774" y="1813199"/>
-            <a:ext cx="288032" cy="288032"/>
-          </a:xfrm>
-          <a:prstGeom prst="ellipse">
-            <a:avLst/>
-          </a:prstGeom>
-          <a:solidFill>
-            <a:schemeClr val="accent3">
-              <a:lumMod val="20000"/>
-              <a:lumOff val="80000"/>
-            </a:schemeClr>
-          </a:solidFill>
-          <a:ln w="19050">
-            <a:solidFill>
-              <a:schemeClr val="accent3"/>
-            </a:solidFill>
-          </a:ln>
-        </p:spPr>
-        <p:style>
-          <a:lnRef idx="2">
-            <a:schemeClr val="accent1">
-              <a:shade val="50000"/>
-            </a:schemeClr>
-          </a:lnRef>
-          <a:fillRef idx="1">
-            <a:schemeClr val="accent1"/>
-          </a:fillRef>
-          <a:effectRef idx="0">
-            <a:schemeClr val="accent1"/>
-          </a:effectRef>
-          <a:fontRef idx="minor">
-            <a:schemeClr val="lt1"/>
-          </a:fontRef>
-        </p:style>
-        <p:txBody>
-          <a:bodyPr rtlCol="0" anchor="ctr"/>
-          <a:lstStyle/>
-          <a:p>
-            <a:pPr algn="ctr"/>
-            <a:r>
-              <a:rPr lang="fr-FR" sz="1400" b="1" dirty="0" smtClean="0">
-                <a:solidFill>
-                  <a:schemeClr val="accent3"/>
-                </a:solidFill>
-              </a:rPr>
-              <a:t>3</a:t>
-            </a:r>
-            <a:endParaRPr lang="fr-FR" sz="1400" b="1" dirty="0">
-              <a:solidFill>
-                <a:schemeClr val="accent3"/>
-              </a:solidFill>
-            </a:endParaRPr>
-          </a:p>
-        </p:txBody>
-      </p:sp>
-      <p:sp>
-        <p:nvSpPr>
-          <p:cNvPr id="7" name="Ellipse 6"/>
-          <p:cNvSpPr/>
-          <p:nvPr/>
-        </p:nvSpPr>
-        <p:spPr>
-          <a:xfrm>
-            <a:off x="3275856" y="1813199"/>
-            <a:ext cx="288032" cy="288032"/>
-          </a:xfrm>
-          <a:prstGeom prst="ellipse">
-            <a:avLst/>
-          </a:prstGeom>
-          <a:solidFill>
-            <a:schemeClr val="bg1">
-              <a:lumMod val="85000"/>
-            </a:schemeClr>
-          </a:solidFill>
-          <a:ln w="19050">
-            <a:solidFill>
-              <a:schemeClr val="tx1"/>
-            </a:solidFill>
-          </a:ln>
-        </p:spPr>
-        <p:style>
-          <a:lnRef idx="2">
-            <a:schemeClr val="accent1">
-              <a:shade val="50000"/>
-            </a:schemeClr>
-          </a:lnRef>
-          <a:fillRef idx="1">
-            <a:schemeClr val="accent1"/>
-          </a:fillRef>
-          <a:effectRef idx="0">
-            <a:schemeClr val="accent1"/>
-          </a:effectRef>
-          <a:fontRef idx="minor">
-            <a:schemeClr val="lt1"/>
-          </a:fontRef>
-        </p:style>
-        <p:txBody>
-          <a:bodyPr rtlCol="0" anchor="ctr"/>
-          <a:lstStyle/>
-          <a:p>
-            <a:pPr algn="ctr"/>
-            <a:r>
-              <a:rPr lang="fr-FR" sz="1400" b="1" dirty="0" smtClean="0">
-                <a:solidFill>
-                  <a:schemeClr val="tx1"/>
-                </a:solidFill>
-              </a:rPr>
-              <a:t>4</a:t>
-            </a:r>
-            <a:endParaRPr lang="fr-FR" sz="1400" b="1" dirty="0">
-              <a:solidFill>
-                <a:schemeClr val="tx1"/>
-              </a:solidFill>
-            </a:endParaRPr>
-          </a:p>
-        </p:txBody>
-      </p:sp>
-      <p:sp>
-        <p:nvSpPr>
-          <p:cNvPr id="8" name="Ellipse 7"/>
-          <p:cNvSpPr/>
-          <p:nvPr/>
-        </p:nvSpPr>
-        <p:spPr>
-          <a:xfrm>
-            <a:off x="323528" y="1813199"/>
-            <a:ext cx="288032" cy="288032"/>
-          </a:xfrm>
-          <a:prstGeom prst="ellipse">
-            <a:avLst/>
-          </a:prstGeom>
-          <a:solidFill>
-            <a:schemeClr val="accent6">
-              <a:lumMod val="20000"/>
-              <a:lumOff val="80000"/>
-            </a:schemeClr>
-          </a:solidFill>
-          <a:ln w="19050">
-            <a:solidFill>
-              <a:schemeClr val="accent6">
-                <a:lumMod val="50000"/>
-              </a:schemeClr>
-            </a:solidFill>
-          </a:ln>
-        </p:spPr>
-        <p:style>
-          <a:lnRef idx="2">
-            <a:schemeClr val="accent1">
-              <a:shade val="50000"/>
-            </a:schemeClr>
-          </a:lnRef>
-          <a:fillRef idx="1">
-            <a:schemeClr val="accent1"/>
-          </a:fillRef>
-          <a:effectRef idx="0">
-            <a:schemeClr val="accent1"/>
-          </a:effectRef>
-          <a:fontRef idx="minor">
-            <a:schemeClr val="lt1"/>
-          </a:fontRef>
-        </p:style>
-        <p:txBody>
-          <a:bodyPr rtlCol="0" anchor="ctr"/>
-          <a:lstStyle/>
-          <a:p>
-            <a:pPr algn="ctr"/>
-            <a:r>
-              <a:rPr lang="fr-FR" sz="1400" b="1" dirty="0" smtClean="0">
-                <a:solidFill>
-                  <a:schemeClr val="accent6">
-                    <a:lumMod val="50000"/>
-                  </a:schemeClr>
-                </a:solidFill>
-              </a:rPr>
-              <a:t>0</a:t>
-            </a:r>
-            <a:endParaRPr lang="fr-FR" sz="1400" b="1" dirty="0">
-              <a:solidFill>
-                <a:schemeClr val="accent6">
-                  <a:lumMod val="50000"/>
-                </a:schemeClr>
-              </a:solidFill>
-            </a:endParaRPr>
-          </a:p>
-        </p:txBody>
-      </p:sp>
-      <p:cxnSp>
-        <p:nvCxnSpPr>
-          <p:cNvPr id="10" name="Connecteur droit 9"/>
-          <p:cNvCxnSpPr>
-            <a:stCxn id="8" idx="6"/>
-            <a:endCxn id="4" idx="2"/>
-          </p:cNvCxnSpPr>
-          <p:nvPr/>
-        </p:nvCxnSpPr>
-        <p:spPr>
-          <a:xfrm>
-            <a:off x="611560" y="1957215"/>
-            <a:ext cx="450050" cy="0"/>
-          </a:xfrm>
-          <a:prstGeom prst="line">
-            <a:avLst/>
-          </a:prstGeom>
-          <a:ln w="19050">
-            <a:solidFill>
-              <a:schemeClr val="tx1"/>
-            </a:solidFill>
-          </a:ln>
-        </p:spPr>
-        <p:style>
-          <a:lnRef idx="1">
-            <a:schemeClr val="accent1"/>
-          </a:lnRef>
-          <a:fillRef idx="0">
-            <a:schemeClr val="accent1"/>
-          </a:fillRef>
-          <a:effectRef idx="0">
-            <a:schemeClr val="accent1"/>
-          </a:effectRef>
-          <a:fontRef idx="minor">
-            <a:schemeClr val="tx1"/>
-          </a:fontRef>
-        </p:style>
-      </p:cxnSp>
-      <p:cxnSp>
-        <p:nvCxnSpPr>
-          <p:cNvPr id="11" name="Connecteur droit 10"/>
-          <p:cNvCxnSpPr>
-            <a:stCxn id="5" idx="2"/>
-            <a:endCxn id="4" idx="6"/>
-          </p:cNvCxnSpPr>
-          <p:nvPr/>
-        </p:nvCxnSpPr>
-        <p:spPr>
-          <a:xfrm flipH="1">
-            <a:off x="1349642" y="1957215"/>
-            <a:ext cx="450050" cy="0"/>
-          </a:xfrm>
-          <a:prstGeom prst="line">
-            <a:avLst/>
-          </a:prstGeom>
-          <a:ln w="19050">
-            <a:solidFill>
-              <a:schemeClr val="tx1"/>
-            </a:solidFill>
-          </a:ln>
-        </p:spPr>
-        <p:style>
-          <a:lnRef idx="1">
-            <a:schemeClr val="accent1"/>
-          </a:lnRef>
-          <a:fillRef idx="0">
-            <a:schemeClr val="accent1"/>
-          </a:fillRef>
-          <a:effectRef idx="0">
-            <a:schemeClr val="accent1"/>
-          </a:effectRef>
-          <a:fontRef idx="minor">
-            <a:schemeClr val="tx1"/>
-          </a:fontRef>
-        </p:style>
-      </p:cxnSp>
-      <p:cxnSp>
-        <p:nvCxnSpPr>
-          <p:cNvPr id="14" name="Connecteur droit 13"/>
-          <p:cNvCxnSpPr>
-            <a:stCxn id="6" idx="2"/>
-            <a:endCxn id="5" idx="6"/>
-          </p:cNvCxnSpPr>
-          <p:nvPr/>
-        </p:nvCxnSpPr>
-        <p:spPr>
-          <a:xfrm flipH="1">
-            <a:off x="2087724" y="1957215"/>
-            <a:ext cx="450050" cy="0"/>
-          </a:xfrm>
-          <a:prstGeom prst="line">
-            <a:avLst/>
-          </a:prstGeom>
-          <a:ln w="19050">
-            <a:solidFill>
-              <a:schemeClr val="tx1"/>
-            </a:solidFill>
-          </a:ln>
-        </p:spPr>
-        <p:style>
-          <a:lnRef idx="1">
-            <a:schemeClr val="accent1"/>
-          </a:lnRef>
-          <a:fillRef idx="0">
-            <a:schemeClr val="accent1"/>
-          </a:fillRef>
-          <a:effectRef idx="0">
-            <a:schemeClr val="accent1"/>
-          </a:effectRef>
-          <a:fontRef idx="minor">
-            <a:schemeClr val="tx1"/>
-          </a:fontRef>
-        </p:style>
-      </p:cxnSp>
-      <p:cxnSp>
-        <p:nvCxnSpPr>
-          <p:cNvPr id="17" name="Connecteur droit 16"/>
-          <p:cNvCxnSpPr>
-            <a:stCxn id="7" idx="2"/>
-            <a:endCxn id="6" idx="6"/>
-          </p:cNvCxnSpPr>
-          <p:nvPr/>
-        </p:nvCxnSpPr>
-        <p:spPr>
-          <a:xfrm flipH="1">
-            <a:off x="2825806" y="1957215"/>
-            <a:ext cx="450050" cy="0"/>
-          </a:xfrm>
-          <a:prstGeom prst="line">
-            <a:avLst/>
-          </a:prstGeom>
-          <a:ln w="19050">
-            <a:solidFill>
-              <a:schemeClr val="tx1"/>
-            </a:solidFill>
-          </a:ln>
-        </p:spPr>
-        <p:style>
-          <a:lnRef idx="1">
-            <a:schemeClr val="accent1"/>
-          </a:lnRef>
-          <a:fillRef idx="0">
-            <a:schemeClr val="accent1"/>
-          </a:fillRef>
-          <a:effectRef idx="0">
-            <a:schemeClr val="accent1"/>
-          </a:effectRef>
-          <a:fontRef idx="minor">
-            <a:schemeClr val="tx1"/>
-          </a:fontRef>
-        </p:style>
-      </p:cxnSp>
-      <p:sp>
-        <p:nvSpPr>
-          <p:cNvPr id="24" name="Forme libre 23"/>
-          <p:cNvSpPr/>
-          <p:nvPr/>
-        </p:nvSpPr>
-        <p:spPr>
-          <a:xfrm>
-            <a:off x="539552" y="1746854"/>
-            <a:ext cx="576064" cy="99996"/>
-          </a:xfrm>
-          <a:custGeom>
-            <a:avLst/>
-            <a:gdLst>
-              <a:gd name="connsiteX0" fmla="*/ 0 w 596900"/>
-              <a:gd name="connsiteY0" fmla="*/ 209768 h 209768"/>
-              <a:gd name="connsiteX1" fmla="*/ 317500 w 596900"/>
-              <a:gd name="connsiteY1" fmla="*/ 218 h 209768"/>
-              <a:gd name="connsiteX2" fmla="*/ 596900 w 596900"/>
-              <a:gd name="connsiteY2" fmla="*/ 178018 h 209768"/>
-              <a:gd name="connsiteX0" fmla="*/ 0 w 660400"/>
-              <a:gd name="connsiteY0" fmla="*/ 210341 h 280191"/>
-              <a:gd name="connsiteX1" fmla="*/ 317500 w 660400"/>
-              <a:gd name="connsiteY1" fmla="*/ 791 h 280191"/>
-              <a:gd name="connsiteX2" fmla="*/ 660400 w 660400"/>
-              <a:gd name="connsiteY2" fmla="*/ 280191 h 280191"/>
-              <a:gd name="connsiteX0" fmla="*/ 0 w 736600"/>
-              <a:gd name="connsiteY0" fmla="*/ 273055 h 279405"/>
-              <a:gd name="connsiteX1" fmla="*/ 393700 w 736600"/>
-              <a:gd name="connsiteY1" fmla="*/ 5 h 279405"/>
-              <a:gd name="connsiteX2" fmla="*/ 736600 w 736600"/>
-              <a:gd name="connsiteY2" fmla="*/ 279405 h 279405"/>
-            </a:gdLst>
-            <a:ahLst/>
-            <a:cxnLst>
-              <a:cxn ang="0">
-                <a:pos x="connsiteX0" y="connsiteY0"/>
-              </a:cxn>
-              <a:cxn ang="0">
-                <a:pos x="connsiteX1" y="connsiteY1"/>
-              </a:cxn>
-              <a:cxn ang="0">
-                <a:pos x="connsiteX2" y="connsiteY2"/>
-              </a:cxn>
-            </a:cxnLst>
-            <a:rect l="l" t="t" r="r" b="b"/>
-            <a:pathLst>
-              <a:path w="736600" h="279405">
-                <a:moveTo>
-                  <a:pt x="0" y="273055"/>
-                </a:moveTo>
-                <a:cubicBezTo>
-                  <a:pt x="109008" y="170926"/>
-                  <a:pt x="270933" y="-1053"/>
-                  <a:pt x="393700" y="5"/>
-                </a:cubicBezTo>
-                <a:cubicBezTo>
-                  <a:pt x="516467" y="1063"/>
-                  <a:pt x="646641" y="187859"/>
-                  <a:pt x="736600" y="279405"/>
-                </a:cubicBezTo>
-              </a:path>
-            </a:pathLst>
-          </a:custGeom>
-          <a:noFill/>
-          <a:ln>
-            <a:solidFill>
-              <a:srgbClr val="C00000"/>
-            </a:solidFill>
-            <a:headEnd type="stealth" w="med" len="lg"/>
-            <a:tailEnd type="stealth" w="med" len="lg"/>
-          </a:ln>
-        </p:spPr>
-        <p:style>
-          <a:lnRef idx="2">
-            <a:schemeClr val="accent1">
-              <a:shade val="50000"/>
-            </a:schemeClr>
-          </a:lnRef>
-          <a:fillRef idx="1">
-            <a:schemeClr val="accent1"/>
-          </a:fillRef>
-          <a:effectRef idx="0">
-            <a:schemeClr val="accent1"/>
-          </a:effectRef>
-          <a:fontRef idx="minor">
-            <a:schemeClr val="lt1"/>
-          </a:fontRef>
-        </p:style>
-        <p:txBody>
-          <a:bodyPr rtlCol="0" anchor="ctr"/>
-          <a:lstStyle/>
-          <a:p>
-            <a:pPr algn="ctr"/>
-            <a:endParaRPr lang="fr-FR"/>
-          </a:p>
-        </p:txBody>
-      </p:sp>
-      <p:sp>
-        <p:nvSpPr>
-          <p:cNvPr id="25" name="Forme libre 24"/>
-          <p:cNvSpPr/>
-          <p:nvPr/>
-        </p:nvSpPr>
-        <p:spPr>
-          <a:xfrm>
-            <a:off x="1286635" y="1746854"/>
-            <a:ext cx="576064" cy="99996"/>
-          </a:xfrm>
-          <a:custGeom>
-            <a:avLst/>
-            <a:gdLst>
-              <a:gd name="connsiteX0" fmla="*/ 0 w 596900"/>
-              <a:gd name="connsiteY0" fmla="*/ 209768 h 209768"/>
-              <a:gd name="connsiteX1" fmla="*/ 317500 w 596900"/>
-              <a:gd name="connsiteY1" fmla="*/ 218 h 209768"/>
-              <a:gd name="connsiteX2" fmla="*/ 596900 w 596900"/>
-              <a:gd name="connsiteY2" fmla="*/ 178018 h 209768"/>
-              <a:gd name="connsiteX0" fmla="*/ 0 w 660400"/>
-              <a:gd name="connsiteY0" fmla="*/ 210341 h 280191"/>
-              <a:gd name="connsiteX1" fmla="*/ 317500 w 660400"/>
-              <a:gd name="connsiteY1" fmla="*/ 791 h 280191"/>
-              <a:gd name="connsiteX2" fmla="*/ 660400 w 660400"/>
-              <a:gd name="connsiteY2" fmla="*/ 280191 h 280191"/>
-              <a:gd name="connsiteX0" fmla="*/ 0 w 736600"/>
-              <a:gd name="connsiteY0" fmla="*/ 273055 h 279405"/>
-              <a:gd name="connsiteX1" fmla="*/ 393700 w 736600"/>
-              <a:gd name="connsiteY1" fmla="*/ 5 h 279405"/>
-              <a:gd name="connsiteX2" fmla="*/ 736600 w 736600"/>
-              <a:gd name="connsiteY2" fmla="*/ 279405 h 279405"/>
-            </a:gdLst>
-            <a:ahLst/>
-            <a:cxnLst>
-              <a:cxn ang="0">
-                <a:pos x="connsiteX0" y="connsiteY0"/>
-              </a:cxn>
-              <a:cxn ang="0">
-                <a:pos x="connsiteX1" y="connsiteY1"/>
-              </a:cxn>
-              <a:cxn ang="0">
-                <a:pos x="connsiteX2" y="connsiteY2"/>
-              </a:cxn>
-            </a:cxnLst>
-            <a:rect l="l" t="t" r="r" b="b"/>
-            <a:pathLst>
-              <a:path w="736600" h="279405">
-                <a:moveTo>
-                  <a:pt x="0" y="273055"/>
-                </a:moveTo>
-                <a:cubicBezTo>
-                  <a:pt x="109008" y="170926"/>
-                  <a:pt x="270933" y="-1053"/>
-                  <a:pt x="393700" y="5"/>
-                </a:cubicBezTo>
-                <a:cubicBezTo>
-                  <a:pt x="516467" y="1063"/>
-                  <a:pt x="646641" y="187859"/>
-                  <a:pt x="736600" y="279405"/>
-                </a:cubicBezTo>
-              </a:path>
-            </a:pathLst>
-          </a:custGeom>
-          <a:noFill/>
-          <a:ln>
-            <a:solidFill>
-              <a:srgbClr val="C00000"/>
-            </a:solidFill>
-            <a:headEnd type="stealth" w="med" len="lg"/>
-            <a:tailEnd type="stealth" w="med" len="lg"/>
-          </a:ln>
-        </p:spPr>
-        <p:style>
-          <a:lnRef idx="2">
-            <a:schemeClr val="accent1">
-              <a:shade val="50000"/>
-            </a:schemeClr>
-          </a:lnRef>
-          <a:fillRef idx="1">
-            <a:schemeClr val="accent1"/>
-          </a:fillRef>
-          <a:effectRef idx="0">
-            <a:schemeClr val="accent1"/>
-          </a:effectRef>
-          <a:fontRef idx="minor">
-            <a:schemeClr val="lt1"/>
-          </a:fontRef>
-        </p:style>
-        <p:txBody>
-          <a:bodyPr rtlCol="0" anchor="ctr"/>
-          <a:lstStyle/>
-          <a:p>
-            <a:pPr algn="ctr"/>
-            <a:endParaRPr lang="fr-FR"/>
-          </a:p>
-        </p:txBody>
-      </p:sp>
-      <p:sp>
-        <p:nvSpPr>
-          <p:cNvPr id="26" name="Forme libre 25"/>
-          <p:cNvSpPr/>
-          <p:nvPr/>
-        </p:nvSpPr>
-        <p:spPr>
-          <a:xfrm>
-            <a:off x="2033718" y="1746854"/>
-            <a:ext cx="576064" cy="99996"/>
-          </a:xfrm>
-          <a:custGeom>
-            <a:avLst/>
-            <a:gdLst>
-              <a:gd name="connsiteX0" fmla="*/ 0 w 596900"/>
-              <a:gd name="connsiteY0" fmla="*/ 209768 h 209768"/>
-              <a:gd name="connsiteX1" fmla="*/ 317500 w 596900"/>
-              <a:gd name="connsiteY1" fmla="*/ 218 h 209768"/>
-              <a:gd name="connsiteX2" fmla="*/ 596900 w 596900"/>
-              <a:gd name="connsiteY2" fmla="*/ 178018 h 209768"/>
-              <a:gd name="connsiteX0" fmla="*/ 0 w 660400"/>
-              <a:gd name="connsiteY0" fmla="*/ 210341 h 280191"/>
-              <a:gd name="connsiteX1" fmla="*/ 317500 w 660400"/>
-              <a:gd name="connsiteY1" fmla="*/ 791 h 280191"/>
-              <a:gd name="connsiteX2" fmla="*/ 660400 w 660400"/>
-              <a:gd name="connsiteY2" fmla="*/ 280191 h 280191"/>
-              <a:gd name="connsiteX0" fmla="*/ 0 w 736600"/>
-              <a:gd name="connsiteY0" fmla="*/ 273055 h 279405"/>
-              <a:gd name="connsiteX1" fmla="*/ 393700 w 736600"/>
-              <a:gd name="connsiteY1" fmla="*/ 5 h 279405"/>
-              <a:gd name="connsiteX2" fmla="*/ 736600 w 736600"/>
-              <a:gd name="connsiteY2" fmla="*/ 279405 h 279405"/>
-            </a:gdLst>
-            <a:ahLst/>
-            <a:cxnLst>
-              <a:cxn ang="0">
-                <a:pos x="connsiteX0" y="connsiteY0"/>
-              </a:cxn>
-              <a:cxn ang="0">
-                <a:pos x="connsiteX1" y="connsiteY1"/>
-              </a:cxn>
-              <a:cxn ang="0">
-                <a:pos x="connsiteX2" y="connsiteY2"/>
-              </a:cxn>
-            </a:cxnLst>
-            <a:rect l="l" t="t" r="r" b="b"/>
-            <a:pathLst>
-              <a:path w="736600" h="279405">
-                <a:moveTo>
-                  <a:pt x="0" y="273055"/>
-                </a:moveTo>
-                <a:cubicBezTo>
-                  <a:pt x="109008" y="170926"/>
-                  <a:pt x="270933" y="-1053"/>
-                  <a:pt x="393700" y="5"/>
-                </a:cubicBezTo>
-                <a:cubicBezTo>
-                  <a:pt x="516467" y="1063"/>
-                  <a:pt x="646641" y="187859"/>
-                  <a:pt x="736600" y="279405"/>
-                </a:cubicBezTo>
-              </a:path>
-            </a:pathLst>
-          </a:custGeom>
-          <a:noFill/>
-          <a:ln>
-            <a:solidFill>
-              <a:srgbClr val="C00000"/>
-            </a:solidFill>
-            <a:headEnd type="stealth" w="med" len="lg"/>
-            <a:tailEnd type="stealth" w="med" len="lg"/>
-          </a:ln>
-        </p:spPr>
-        <p:style>
-          <a:lnRef idx="2">
-            <a:schemeClr val="accent1">
-              <a:shade val="50000"/>
-            </a:schemeClr>
-          </a:lnRef>
-          <a:fillRef idx="1">
-            <a:schemeClr val="accent1"/>
-          </a:fillRef>
-          <a:effectRef idx="0">
-            <a:schemeClr val="accent1"/>
-          </a:effectRef>
-          <a:fontRef idx="minor">
-            <a:schemeClr val="lt1"/>
-          </a:fontRef>
-        </p:style>
-        <p:txBody>
-          <a:bodyPr rtlCol="0" anchor="ctr"/>
-          <a:lstStyle/>
-          <a:p>
-            <a:pPr algn="ctr"/>
-            <a:endParaRPr lang="fr-FR"/>
-          </a:p>
-        </p:txBody>
-      </p:sp>
-      <p:sp>
-        <p:nvSpPr>
-          <p:cNvPr id="27" name="Forme libre 26"/>
-          <p:cNvSpPr/>
-          <p:nvPr/>
-        </p:nvSpPr>
-        <p:spPr>
-          <a:xfrm>
-            <a:off x="2780801" y="1746854"/>
-            <a:ext cx="576064" cy="99996"/>
-          </a:xfrm>
-          <a:custGeom>
-            <a:avLst/>
-            <a:gdLst>
-              <a:gd name="connsiteX0" fmla="*/ 0 w 596900"/>
-              <a:gd name="connsiteY0" fmla="*/ 209768 h 209768"/>
-              <a:gd name="connsiteX1" fmla="*/ 317500 w 596900"/>
-              <a:gd name="connsiteY1" fmla="*/ 218 h 209768"/>
-              <a:gd name="connsiteX2" fmla="*/ 596900 w 596900"/>
-              <a:gd name="connsiteY2" fmla="*/ 178018 h 209768"/>
-              <a:gd name="connsiteX0" fmla="*/ 0 w 660400"/>
-              <a:gd name="connsiteY0" fmla="*/ 210341 h 280191"/>
-              <a:gd name="connsiteX1" fmla="*/ 317500 w 660400"/>
-              <a:gd name="connsiteY1" fmla="*/ 791 h 280191"/>
-              <a:gd name="connsiteX2" fmla="*/ 660400 w 660400"/>
-              <a:gd name="connsiteY2" fmla="*/ 280191 h 280191"/>
-              <a:gd name="connsiteX0" fmla="*/ 0 w 736600"/>
-              <a:gd name="connsiteY0" fmla="*/ 273055 h 279405"/>
-              <a:gd name="connsiteX1" fmla="*/ 393700 w 736600"/>
-              <a:gd name="connsiteY1" fmla="*/ 5 h 279405"/>
-              <a:gd name="connsiteX2" fmla="*/ 736600 w 736600"/>
-              <a:gd name="connsiteY2" fmla="*/ 279405 h 279405"/>
-            </a:gdLst>
-            <a:ahLst/>
-            <a:cxnLst>
-              <a:cxn ang="0">
-                <a:pos x="connsiteX0" y="connsiteY0"/>
-              </a:cxn>
-              <a:cxn ang="0">
-                <a:pos x="connsiteX1" y="connsiteY1"/>
-              </a:cxn>
-              <a:cxn ang="0">
-                <a:pos x="connsiteX2" y="connsiteY2"/>
-              </a:cxn>
-            </a:cxnLst>
-            <a:rect l="l" t="t" r="r" b="b"/>
-            <a:pathLst>
-              <a:path w="736600" h="279405">
-                <a:moveTo>
-                  <a:pt x="0" y="273055"/>
-                </a:moveTo>
-                <a:cubicBezTo>
-                  <a:pt x="109008" y="170926"/>
-                  <a:pt x="270933" y="-1053"/>
-                  <a:pt x="393700" y="5"/>
-                </a:cubicBezTo>
-                <a:cubicBezTo>
-                  <a:pt x="516467" y="1063"/>
-                  <a:pt x="646641" y="187859"/>
-                  <a:pt x="736600" y="279405"/>
-                </a:cubicBezTo>
-              </a:path>
-            </a:pathLst>
-          </a:custGeom>
-          <a:noFill/>
-          <a:ln>
-            <a:solidFill>
-              <a:srgbClr val="C00000"/>
-            </a:solidFill>
-            <a:headEnd type="stealth" w="med" len="lg"/>
-            <a:tailEnd type="stealth" w="med" len="lg"/>
-          </a:ln>
-        </p:spPr>
-        <p:style>
-          <a:lnRef idx="2">
-            <a:schemeClr val="accent1">
-              <a:shade val="50000"/>
-            </a:schemeClr>
-          </a:lnRef>
-          <a:fillRef idx="1">
-            <a:schemeClr val="accent1"/>
-          </a:fillRef>
-          <a:effectRef idx="0">
-            <a:schemeClr val="accent1"/>
-          </a:effectRef>
-          <a:fontRef idx="minor">
-            <a:schemeClr val="lt1"/>
-          </a:fontRef>
-        </p:style>
-        <p:txBody>
-          <a:bodyPr rtlCol="0" anchor="ctr"/>
-          <a:lstStyle/>
-          <a:p>
-            <a:pPr algn="ctr"/>
-            <a:endParaRPr lang="fr-FR"/>
-          </a:p>
-        </p:txBody>
-      </p:sp>
-      <p:sp>
-        <p:nvSpPr>
-          <p:cNvPr id="28" name="Forme libre 27"/>
-          <p:cNvSpPr/>
-          <p:nvPr/>
-        </p:nvSpPr>
-        <p:spPr>
-          <a:xfrm>
-            <a:off x="3548906" y="1796852"/>
-            <a:ext cx="576064" cy="99996"/>
-          </a:xfrm>
-          <a:custGeom>
-            <a:avLst/>
-            <a:gdLst>
-              <a:gd name="connsiteX0" fmla="*/ 0 w 596900"/>
-              <a:gd name="connsiteY0" fmla="*/ 209768 h 209768"/>
-              <a:gd name="connsiteX1" fmla="*/ 317500 w 596900"/>
-              <a:gd name="connsiteY1" fmla="*/ 218 h 209768"/>
-              <a:gd name="connsiteX2" fmla="*/ 596900 w 596900"/>
-              <a:gd name="connsiteY2" fmla="*/ 178018 h 209768"/>
-              <a:gd name="connsiteX0" fmla="*/ 0 w 660400"/>
-              <a:gd name="connsiteY0" fmla="*/ 210341 h 280191"/>
-              <a:gd name="connsiteX1" fmla="*/ 317500 w 660400"/>
-              <a:gd name="connsiteY1" fmla="*/ 791 h 280191"/>
-              <a:gd name="connsiteX2" fmla="*/ 660400 w 660400"/>
-              <a:gd name="connsiteY2" fmla="*/ 280191 h 280191"/>
-              <a:gd name="connsiteX0" fmla="*/ 0 w 736600"/>
-              <a:gd name="connsiteY0" fmla="*/ 273055 h 279405"/>
-              <a:gd name="connsiteX1" fmla="*/ 393700 w 736600"/>
-              <a:gd name="connsiteY1" fmla="*/ 5 h 279405"/>
-              <a:gd name="connsiteX2" fmla="*/ 736600 w 736600"/>
-              <a:gd name="connsiteY2" fmla="*/ 279405 h 279405"/>
-            </a:gdLst>
-            <a:ahLst/>
-            <a:cxnLst>
-              <a:cxn ang="0">
-                <a:pos x="connsiteX0" y="connsiteY0"/>
-              </a:cxn>
-              <a:cxn ang="0">
-                <a:pos x="connsiteX1" y="connsiteY1"/>
-              </a:cxn>
-              <a:cxn ang="0">
-                <a:pos x="connsiteX2" y="connsiteY2"/>
-              </a:cxn>
-            </a:cxnLst>
-            <a:rect l="l" t="t" r="r" b="b"/>
-            <a:pathLst>
-              <a:path w="736600" h="279405">
-                <a:moveTo>
-                  <a:pt x="0" y="273055"/>
-                </a:moveTo>
-                <a:cubicBezTo>
-                  <a:pt x="109008" y="170926"/>
-                  <a:pt x="270933" y="-1053"/>
-                  <a:pt x="393700" y="5"/>
-                </a:cubicBezTo>
-                <a:cubicBezTo>
-                  <a:pt x="516467" y="1063"/>
-                  <a:pt x="646641" y="187859"/>
-                  <a:pt x="736600" y="279405"/>
-                </a:cubicBezTo>
-              </a:path>
-            </a:pathLst>
-          </a:custGeom>
-          <a:noFill/>
-          <a:ln>
-            <a:solidFill>
-              <a:srgbClr val="C00000"/>
-            </a:solidFill>
-            <a:headEnd type="stealth" w="med" len="lg"/>
-            <a:tailEnd type="none" w="med" len="lg"/>
-          </a:ln>
-        </p:spPr>
-        <p:style>
-          <a:lnRef idx="2">
-            <a:schemeClr val="accent1">
-              <a:shade val="50000"/>
-            </a:schemeClr>
-          </a:lnRef>
-          <a:fillRef idx="1">
-            <a:schemeClr val="accent1"/>
-          </a:fillRef>
-          <a:effectRef idx="0">
-            <a:schemeClr val="accent1"/>
-          </a:effectRef>
-          <a:fontRef idx="minor">
-            <a:schemeClr val="lt1"/>
-          </a:fontRef>
-        </p:style>
-        <p:txBody>
-          <a:bodyPr rtlCol="0" anchor="ctr"/>
-          <a:lstStyle/>
-          <a:p>
-            <a:pPr algn="ctr"/>
-            <a:endParaRPr lang="fr-FR"/>
-          </a:p>
-        </p:txBody>
-      </p:sp>
-      <p:sp>
-        <p:nvSpPr>
-          <p:cNvPr id="29" name="Rectangle à coins arrondis 28"/>
-          <p:cNvSpPr/>
-          <p:nvPr/>
-        </p:nvSpPr>
-        <p:spPr>
-          <a:xfrm>
-            <a:off x="971600" y="1348285"/>
-            <a:ext cx="2736304" cy="1000595"/>
-          </a:xfrm>
-          <a:prstGeom prst="roundRect">
-            <a:avLst/>
-          </a:prstGeom>
-          <a:noFill/>
-          <a:ln w="19050">
-            <a:prstDash val="sysDash"/>
-          </a:ln>
-        </p:spPr>
-        <p:style>
-          <a:lnRef idx="2">
-            <a:schemeClr val="accent1">
-              <a:shade val="50000"/>
-            </a:schemeClr>
-          </a:lnRef>
-          <a:fillRef idx="1">
-            <a:schemeClr val="accent1"/>
-          </a:fillRef>
-          <a:effectRef idx="0">
-            <a:schemeClr val="accent1"/>
-          </a:effectRef>
-          <a:fontRef idx="minor">
-            <a:schemeClr val="lt1"/>
-          </a:fontRef>
-        </p:style>
-        <p:txBody>
-          <a:bodyPr rtlCol="0" anchor="ctr"/>
-          <a:lstStyle/>
-          <a:p>
-            <a:pPr algn="ctr"/>
-            <a:endParaRPr lang="fr-FR"/>
-          </a:p>
-        </p:txBody>
-      </p:sp>
-      <p:sp>
-        <p:nvSpPr>
-          <p:cNvPr id="30" name="Forme libre 29"/>
-          <p:cNvSpPr/>
-          <p:nvPr/>
-        </p:nvSpPr>
-        <p:spPr>
-          <a:xfrm rot="18900000">
-            <a:off x="2189750" y="1038546"/>
-            <a:ext cx="576064" cy="99996"/>
-          </a:xfrm>
-          <a:custGeom>
-            <a:avLst/>
-            <a:gdLst>
-              <a:gd name="connsiteX0" fmla="*/ 0 w 596900"/>
-              <a:gd name="connsiteY0" fmla="*/ 209768 h 209768"/>
-              <a:gd name="connsiteX1" fmla="*/ 317500 w 596900"/>
-              <a:gd name="connsiteY1" fmla="*/ 218 h 209768"/>
-              <a:gd name="connsiteX2" fmla="*/ 596900 w 596900"/>
-              <a:gd name="connsiteY2" fmla="*/ 178018 h 209768"/>
-              <a:gd name="connsiteX0" fmla="*/ 0 w 660400"/>
-              <a:gd name="connsiteY0" fmla="*/ 210341 h 280191"/>
-              <a:gd name="connsiteX1" fmla="*/ 317500 w 660400"/>
-              <a:gd name="connsiteY1" fmla="*/ 791 h 280191"/>
-              <a:gd name="connsiteX2" fmla="*/ 660400 w 660400"/>
-              <a:gd name="connsiteY2" fmla="*/ 280191 h 280191"/>
-              <a:gd name="connsiteX0" fmla="*/ 0 w 736600"/>
-              <a:gd name="connsiteY0" fmla="*/ 273055 h 279405"/>
-              <a:gd name="connsiteX1" fmla="*/ 393700 w 736600"/>
-              <a:gd name="connsiteY1" fmla="*/ 5 h 279405"/>
-              <a:gd name="connsiteX2" fmla="*/ 736600 w 736600"/>
-              <a:gd name="connsiteY2" fmla="*/ 279405 h 279405"/>
-            </a:gdLst>
-            <a:ahLst/>
-            <a:cxnLst>
-              <a:cxn ang="0">
-                <a:pos x="connsiteX0" y="connsiteY0"/>
-              </a:cxn>
-              <a:cxn ang="0">
-                <a:pos x="connsiteX1" y="connsiteY1"/>
-              </a:cxn>
-              <a:cxn ang="0">
-                <a:pos x="connsiteX2" y="connsiteY2"/>
-              </a:cxn>
-            </a:cxnLst>
-            <a:rect l="l" t="t" r="r" b="b"/>
-            <a:pathLst>
-              <a:path w="736600" h="279405">
-                <a:moveTo>
-                  <a:pt x="0" y="273055"/>
-                </a:moveTo>
-                <a:cubicBezTo>
-                  <a:pt x="109008" y="170926"/>
-                  <a:pt x="270933" y="-1053"/>
-                  <a:pt x="393700" y="5"/>
-                </a:cubicBezTo>
-                <a:cubicBezTo>
-                  <a:pt x="516467" y="1063"/>
-                  <a:pt x="646641" y="187859"/>
-                  <a:pt x="736600" y="279405"/>
-                </a:cubicBezTo>
-              </a:path>
-            </a:pathLst>
-          </a:custGeom>
-          <a:noFill/>
-          <a:ln>
-            <a:solidFill>
-              <a:srgbClr val="C00000"/>
-            </a:solidFill>
-            <a:headEnd type="stealth" w="med" len="lg"/>
-            <a:tailEnd type="none" w="med" len="lg"/>
-          </a:ln>
-        </p:spPr>
-        <p:style>
-          <a:lnRef idx="2">
-            <a:schemeClr val="accent1">
-              <a:shade val="50000"/>
-            </a:schemeClr>
-          </a:lnRef>
-          <a:fillRef idx="1">
-            <a:schemeClr val="accent1"/>
-          </a:fillRef>
-          <a:effectRef idx="0">
-            <a:schemeClr val="accent1"/>
-          </a:effectRef>
-          <a:fontRef idx="minor">
-            <a:schemeClr val="lt1"/>
-          </a:fontRef>
-        </p:style>
-        <p:txBody>
-          <a:bodyPr rtlCol="0" anchor="ctr"/>
-          <a:lstStyle/>
-          <a:p>
-            <a:pPr algn="ctr"/>
-            <a:endParaRPr lang="fr-FR"/>
-          </a:p>
-        </p:txBody>
-      </p:sp>
-      <mc:AlternateContent xmlns:mc="http://schemas.openxmlformats.org/markup-compatibility/2006" xmlns:a14="http://schemas.microsoft.com/office/drawing/2010/main">
-        <mc:Choice Requires="a14">
-          <p:sp>
-            <p:nvSpPr>
-              <p:cNvPr id="31" name="ZoneTexte 30"/>
-              <p:cNvSpPr txBox="1"/>
-              <p:nvPr/>
-            </p:nvSpPr>
-            <p:spPr>
-              <a:xfrm rot="5400000">
-                <a:off x="376723" y="2421287"/>
-                <a:ext cx="901722" cy="261610"/>
-              </a:xfrm>
-              <a:prstGeom prst="rect">
-                <a:avLst/>
-              </a:prstGeom>
-              <a:noFill/>
-            </p:spPr>
-            <p:txBody>
-              <a:bodyPr wrap="none" rtlCol="0">
-                <a:spAutoFit/>
-              </a:bodyPr>
-              <a:lstStyle/>
-              <a:p>
-                <a:r>
-                  <a:rPr lang="fr-FR" sz="1100" b="0" dirty="0" smtClean="0"/>
-                  <a:t>Pivot </a:t>
-                </a:r>
-                <a14:m>
-                  <m:oMath xmlns:m="http://schemas.openxmlformats.org/officeDocument/2006/math">
-                    <m:d>
-                      <m:dPr>
-                        <m:ctrlPr>
-                          <a:rPr lang="fr-FR" sz="1100" b="0" i="1" smtClean="0">
-                            <a:latin typeface="Cambria Math"/>
-                          </a:rPr>
-                        </m:ctrlPr>
-                      </m:dPr>
-                      <m:e>
-                        <m:r>
-                          <a:rPr lang="fr-FR" sz="1100" b="0" i="1" smtClean="0">
-                            <a:latin typeface="Cambria Math"/>
-                          </a:rPr>
-                          <m:t>𝑂</m:t>
-                        </m:r>
-                        <m:r>
-                          <a:rPr lang="fr-FR" sz="1100" b="0" i="1" smtClean="0">
-                            <a:latin typeface="Cambria Math"/>
-                          </a:rPr>
-                          <m:t>,</m:t>
-                        </m:r>
-                        <m:acc>
-                          <m:accPr>
-                            <m:chr m:val="⃗"/>
-                            <m:ctrlPr>
-                              <a:rPr lang="fr-FR" sz="1100" b="0" i="1" smtClean="0">
-                                <a:latin typeface="Cambria Math"/>
-                              </a:rPr>
-                            </m:ctrlPr>
-                          </m:accPr>
-                          <m:e>
-                            <m:sSub>
-                              <m:sSubPr>
-                                <m:ctrlPr>
-                                  <a:rPr lang="fr-FR" sz="1100" b="0" i="1" smtClean="0">
-                                    <a:latin typeface="Cambria Math"/>
-                                  </a:rPr>
-                                </m:ctrlPr>
-                              </m:sSubPr>
-                              <m:e>
-                                <m:r>
-                                  <a:rPr lang="fr-FR" sz="1100" b="0" i="1" smtClean="0">
-                                    <a:latin typeface="Cambria Math"/>
-                                  </a:rPr>
-                                  <m:t>𝑧</m:t>
-                                </m:r>
-                              </m:e>
-                              <m:sub>
-                                <m:r>
-                                  <a:rPr lang="fr-FR" sz="1100" b="0" i="1" smtClean="0">
-                                    <a:latin typeface="Cambria Math"/>
-                                  </a:rPr>
-                                  <m:t>1</m:t>
-                                </m:r>
-                              </m:sub>
-                            </m:sSub>
-                          </m:e>
-                        </m:acc>
-                      </m:e>
-                    </m:d>
-                  </m:oMath>
-                </a14:m>
-                <a:endParaRPr lang="fr-FR" sz="1100" dirty="0"/>
-              </a:p>
-            </p:txBody>
-          </p:sp>
-        </mc:Choice>
-        <mc:Fallback xmlns="">
-          <p:sp>
-            <p:nvSpPr>
-              <p:cNvPr id="31" name="ZoneTexte 30"/>
-              <p:cNvSpPr txBox="1">
-                <a:spLocks noRot="1" noChangeAspect="1" noMove="1" noResize="1" noEditPoints="1" noAdjustHandles="1" noChangeArrowheads="1" noChangeShapeType="1" noTextEdit="1"/>
-              </p:cNvSpPr>
-              <p:nvPr/>
-            </p:nvSpPr>
-            <p:spPr>
-              <a:xfrm rot="5400000">
-                <a:off x="376723" y="2421287"/>
-                <a:ext cx="901722" cy="261610"/>
-              </a:xfrm>
-              <a:prstGeom prst="rect">
-                <a:avLst/>
-              </a:prstGeom>
-              <a:blipFill rotWithShape="1">
-                <a:blip r:embed="rId2"/>
-                <a:stretch>
-                  <a:fillRect l="-16279"/>
-                </a:stretch>
-              </a:blipFill>
-            </p:spPr>
-            <p:txBody>
-              <a:bodyPr/>
-              <a:lstStyle/>
-              <a:p>
-                <a:r>
-                  <a:rPr lang="fr-FR">
-                    <a:noFill/>
-                  </a:rPr>
-                  <a:t> </a:t>
-                </a:r>
-              </a:p>
-            </p:txBody>
-          </p:sp>
-        </mc:Fallback>
-      </mc:AlternateContent>
-      <mc:AlternateContent xmlns:mc="http://schemas.openxmlformats.org/markup-compatibility/2006" xmlns:a14="http://schemas.microsoft.com/office/drawing/2010/main">
-        <mc:Choice Requires="a14">
-          <p:sp>
-            <p:nvSpPr>
-              <p:cNvPr id="32" name="ZoneTexte 31"/>
-              <p:cNvSpPr txBox="1"/>
-              <p:nvPr/>
-            </p:nvSpPr>
-            <p:spPr>
-              <a:xfrm rot="5400000">
-                <a:off x="1122171" y="2421287"/>
-                <a:ext cx="904991" cy="261610"/>
-              </a:xfrm>
-              <a:prstGeom prst="rect">
-                <a:avLst/>
-              </a:prstGeom>
-              <a:noFill/>
-            </p:spPr>
-            <p:txBody>
-              <a:bodyPr wrap="none" rtlCol="0">
-                <a:spAutoFit/>
-              </a:bodyPr>
-              <a:lstStyle/>
-              <a:p>
-                <a:r>
-                  <a:rPr lang="fr-FR" sz="1100" b="0" dirty="0" smtClean="0"/>
-                  <a:t>Pivot </a:t>
-                </a:r>
-                <a14:m>
-                  <m:oMath xmlns:m="http://schemas.openxmlformats.org/officeDocument/2006/math">
-                    <m:d>
-                      <m:dPr>
-                        <m:ctrlPr>
-                          <a:rPr lang="fr-FR" sz="1100" b="0" i="1" smtClean="0">
-                            <a:latin typeface="Cambria Math"/>
-                          </a:rPr>
-                        </m:ctrlPr>
-                      </m:dPr>
-                      <m:e>
-                        <m:r>
-                          <a:rPr lang="fr-FR" sz="1100" b="0" i="1" smtClean="0">
-                            <a:latin typeface="Cambria Math"/>
-                          </a:rPr>
-                          <m:t>𝑂</m:t>
-                        </m:r>
-                        <m:r>
-                          <a:rPr lang="fr-FR" sz="1100" b="0" i="1" smtClean="0">
-                            <a:latin typeface="Cambria Math"/>
-                          </a:rPr>
-                          <m:t>,</m:t>
-                        </m:r>
-                        <m:acc>
-                          <m:accPr>
-                            <m:chr m:val="⃗"/>
-                            <m:ctrlPr>
-                              <a:rPr lang="fr-FR" sz="1100" b="0" i="1" smtClean="0">
-                                <a:latin typeface="Cambria Math"/>
-                              </a:rPr>
-                            </m:ctrlPr>
-                          </m:accPr>
-                          <m:e>
-                            <m:sSub>
-                              <m:sSubPr>
-                                <m:ctrlPr>
-                                  <a:rPr lang="fr-FR" sz="1100" b="0" i="1" smtClean="0">
-                                    <a:latin typeface="Cambria Math"/>
-                                  </a:rPr>
-                                </m:ctrlPr>
-                              </m:sSubPr>
-                              <m:e>
-                                <m:r>
-                                  <a:rPr lang="fr-FR" sz="1100" b="0" i="1" smtClean="0">
-                                    <a:latin typeface="Cambria Math"/>
-                                  </a:rPr>
-                                  <m:t>𝑧</m:t>
-                                </m:r>
-                              </m:e>
-                              <m:sub>
-                                <m:r>
-                                  <a:rPr lang="fr-FR" sz="1100" b="0" i="1" smtClean="0">
-                                    <a:latin typeface="Cambria Math"/>
-                                  </a:rPr>
-                                  <m:t>2</m:t>
-                                </m:r>
-                              </m:sub>
-                            </m:sSub>
-                          </m:e>
-                        </m:acc>
-                      </m:e>
-                    </m:d>
-                  </m:oMath>
-                </a14:m>
-                <a:endParaRPr lang="fr-FR" sz="1100" dirty="0"/>
-              </a:p>
-            </p:txBody>
-          </p:sp>
-        </mc:Choice>
-        <mc:Fallback xmlns="">
-          <p:sp>
-            <p:nvSpPr>
-              <p:cNvPr id="32" name="ZoneTexte 31"/>
-              <p:cNvSpPr txBox="1">
-                <a:spLocks noRot="1" noChangeAspect="1" noMove="1" noResize="1" noEditPoints="1" noAdjustHandles="1" noChangeArrowheads="1" noChangeShapeType="1" noTextEdit="1"/>
-              </p:cNvSpPr>
-              <p:nvPr/>
-            </p:nvSpPr>
-            <p:spPr>
-              <a:xfrm rot="5400000">
-                <a:off x="1122171" y="2421287"/>
-                <a:ext cx="904991" cy="261610"/>
-              </a:xfrm>
-              <a:prstGeom prst="rect">
-                <a:avLst/>
-              </a:prstGeom>
-              <a:blipFill rotWithShape="1">
-                <a:blip r:embed="rId3"/>
-                <a:stretch>
-                  <a:fillRect l="-16279"/>
-                </a:stretch>
-              </a:blipFill>
-            </p:spPr>
-            <p:txBody>
-              <a:bodyPr/>
-              <a:lstStyle/>
-              <a:p>
-                <a:r>
-                  <a:rPr lang="fr-FR">
-                    <a:noFill/>
-                  </a:rPr>
-                  <a:t> </a:t>
-                </a:r>
-              </a:p>
-            </p:txBody>
-          </p:sp>
-        </mc:Fallback>
-      </mc:AlternateContent>
-      <mc:AlternateContent xmlns:mc="http://schemas.openxmlformats.org/markup-compatibility/2006" xmlns:a14="http://schemas.microsoft.com/office/drawing/2010/main">
-        <mc:Choice Requires="a14">
-          <p:sp>
-            <p:nvSpPr>
-              <p:cNvPr id="33" name="ZoneTexte 32"/>
-              <p:cNvSpPr txBox="1"/>
-              <p:nvPr/>
-            </p:nvSpPr>
-            <p:spPr>
-              <a:xfrm rot="5400000">
-                <a:off x="1869254" y="2421287"/>
-                <a:ext cx="904991" cy="261610"/>
-              </a:xfrm>
-              <a:prstGeom prst="rect">
-                <a:avLst/>
-              </a:prstGeom>
-              <a:noFill/>
-            </p:spPr>
-            <p:txBody>
-              <a:bodyPr wrap="none" rtlCol="0">
-                <a:spAutoFit/>
-              </a:bodyPr>
-              <a:lstStyle/>
-              <a:p>
-                <a:r>
-                  <a:rPr lang="fr-FR" sz="1100" b="0" dirty="0" smtClean="0"/>
-                  <a:t>Pivot </a:t>
-                </a:r>
-                <a14:m>
-                  <m:oMath xmlns:m="http://schemas.openxmlformats.org/officeDocument/2006/math">
-                    <m:d>
-                      <m:dPr>
-                        <m:ctrlPr>
-                          <a:rPr lang="fr-FR" sz="1100" b="0" i="1" smtClean="0">
-                            <a:latin typeface="Cambria Math"/>
-                          </a:rPr>
-                        </m:ctrlPr>
-                      </m:dPr>
-                      <m:e>
-                        <m:r>
-                          <a:rPr lang="fr-FR" sz="1100" b="0" i="1" smtClean="0">
-                            <a:latin typeface="Cambria Math"/>
-                          </a:rPr>
-                          <m:t>𝑂</m:t>
-                        </m:r>
-                        <m:r>
-                          <a:rPr lang="fr-FR" sz="1100" b="0" i="1" smtClean="0">
-                            <a:latin typeface="Cambria Math"/>
-                          </a:rPr>
-                          <m:t>,</m:t>
-                        </m:r>
-                        <m:acc>
-                          <m:accPr>
-                            <m:chr m:val="⃗"/>
-                            <m:ctrlPr>
-                              <a:rPr lang="fr-FR" sz="1100" b="0" i="1" smtClean="0">
-                                <a:latin typeface="Cambria Math"/>
-                              </a:rPr>
-                            </m:ctrlPr>
-                          </m:accPr>
-                          <m:e>
-                            <m:sSub>
-                              <m:sSubPr>
-                                <m:ctrlPr>
-                                  <a:rPr lang="fr-FR" sz="1100" b="0" i="1" smtClean="0">
-                                    <a:latin typeface="Cambria Math"/>
-                                  </a:rPr>
-                                </m:ctrlPr>
-                              </m:sSubPr>
-                              <m:e>
-                                <m:r>
-                                  <a:rPr lang="fr-FR" sz="1100" b="0" i="1" smtClean="0">
-                                    <a:latin typeface="Cambria Math"/>
-                                  </a:rPr>
-                                  <m:t>𝑧</m:t>
-                                </m:r>
-                              </m:e>
-                              <m:sub>
-                                <m:r>
-                                  <a:rPr lang="fr-FR" sz="1100" b="0" i="1" smtClean="0">
-                                    <a:latin typeface="Cambria Math"/>
-                                  </a:rPr>
-                                  <m:t>3</m:t>
-                                </m:r>
-                              </m:sub>
-                            </m:sSub>
-                          </m:e>
-                        </m:acc>
-                      </m:e>
-                    </m:d>
-                  </m:oMath>
-                </a14:m>
-                <a:endParaRPr lang="fr-FR" sz="1100" dirty="0"/>
-              </a:p>
-            </p:txBody>
-          </p:sp>
-        </mc:Choice>
-        <mc:Fallback xmlns="">
-          <p:sp>
-            <p:nvSpPr>
-              <p:cNvPr id="33" name="ZoneTexte 32"/>
-              <p:cNvSpPr txBox="1">
-                <a:spLocks noRot="1" noChangeAspect="1" noMove="1" noResize="1" noEditPoints="1" noAdjustHandles="1" noChangeArrowheads="1" noChangeShapeType="1" noTextEdit="1"/>
-              </p:cNvSpPr>
-              <p:nvPr/>
-            </p:nvSpPr>
-            <p:spPr>
-              <a:xfrm rot="5400000">
-                <a:off x="1869254" y="2421287"/>
-                <a:ext cx="904991" cy="261610"/>
-              </a:xfrm>
-              <a:prstGeom prst="rect">
-                <a:avLst/>
-              </a:prstGeom>
-              <a:blipFill rotWithShape="1">
-                <a:blip r:embed="rId4"/>
-                <a:stretch>
-                  <a:fillRect l="-16279"/>
-                </a:stretch>
-              </a:blipFill>
-            </p:spPr>
-            <p:txBody>
-              <a:bodyPr/>
-              <a:lstStyle/>
-              <a:p>
-                <a:r>
-                  <a:rPr lang="fr-FR">
-                    <a:noFill/>
-                  </a:rPr>
-                  <a:t> </a:t>
-                </a:r>
-              </a:p>
-            </p:txBody>
-          </p:sp>
-        </mc:Fallback>
-      </mc:AlternateContent>
-      <mc:AlternateContent xmlns:mc="http://schemas.openxmlformats.org/markup-compatibility/2006" xmlns:a14="http://schemas.microsoft.com/office/drawing/2010/main">
-        <mc:Choice Requires="a14">
-          <p:sp>
-            <p:nvSpPr>
-              <p:cNvPr id="34" name="ZoneTexte 33"/>
-              <p:cNvSpPr txBox="1"/>
-              <p:nvPr/>
-            </p:nvSpPr>
-            <p:spPr>
-              <a:xfrm rot="5400000">
-                <a:off x="2498389" y="2421287"/>
-                <a:ext cx="1140890" cy="261610"/>
-              </a:xfrm>
-              <a:prstGeom prst="rect">
-                <a:avLst/>
-              </a:prstGeom>
-              <a:noFill/>
-            </p:spPr>
-            <p:txBody>
-              <a:bodyPr wrap="none" rtlCol="0">
-                <a:spAutoFit/>
-              </a:bodyPr>
-              <a:lstStyle/>
-              <a:p>
-                <a:r>
-                  <a:rPr lang="fr-FR" sz="1100" b="0" dirty="0" smtClean="0"/>
-                  <a:t>Glissière </a:t>
-                </a:r>
-                <a14:m>
-                  <m:oMath xmlns:m="http://schemas.openxmlformats.org/officeDocument/2006/math">
-                    <m:d>
-                      <m:dPr>
-                        <m:ctrlPr>
-                          <a:rPr lang="fr-FR" sz="1100" b="0" i="1" smtClean="0">
-                            <a:latin typeface="Cambria Math"/>
-                          </a:rPr>
-                        </m:ctrlPr>
-                      </m:dPr>
-                      <m:e>
-                        <m:r>
-                          <a:rPr lang="fr-FR" sz="1100" b="0" i="1" smtClean="0">
-                            <a:latin typeface="Cambria Math"/>
-                          </a:rPr>
-                          <m:t>𝑂</m:t>
-                        </m:r>
-                        <m:r>
-                          <a:rPr lang="fr-FR" sz="1100" b="0" i="1" smtClean="0">
-                            <a:latin typeface="Cambria Math"/>
-                          </a:rPr>
-                          <m:t>,</m:t>
-                        </m:r>
-                        <m:acc>
-                          <m:accPr>
-                            <m:chr m:val="⃗"/>
-                            <m:ctrlPr>
-                              <a:rPr lang="fr-FR" sz="1100" b="0" i="1" smtClean="0">
-                                <a:latin typeface="Cambria Math"/>
-                              </a:rPr>
-                            </m:ctrlPr>
-                          </m:accPr>
-                          <m:e>
-                            <m:sSub>
-                              <m:sSubPr>
-                                <m:ctrlPr>
-                                  <a:rPr lang="fr-FR" sz="1100" b="0" i="1" smtClean="0">
-                                    <a:latin typeface="Cambria Math"/>
-                                  </a:rPr>
-                                </m:ctrlPr>
-                              </m:sSubPr>
-                              <m:e>
-                                <m:r>
-                                  <a:rPr lang="fr-FR" sz="1100" b="0" i="1" smtClean="0">
-                                    <a:latin typeface="Cambria Math"/>
-                                  </a:rPr>
-                                  <m:t>𝑧</m:t>
-                                </m:r>
-                              </m:e>
-                              <m:sub>
-                                <m:r>
-                                  <a:rPr lang="fr-FR" sz="1100" b="0" i="1" smtClean="0">
-                                    <a:latin typeface="Cambria Math"/>
-                                  </a:rPr>
-                                  <m:t>3</m:t>
-                                </m:r>
-                              </m:sub>
-                            </m:sSub>
-                          </m:e>
-                        </m:acc>
-                      </m:e>
-                    </m:d>
-                  </m:oMath>
-                </a14:m>
-                <a:endParaRPr lang="fr-FR" sz="1100" dirty="0"/>
-              </a:p>
-            </p:txBody>
-          </p:sp>
-        </mc:Choice>
-        <mc:Fallback xmlns="">
-          <p:sp>
-            <p:nvSpPr>
-              <p:cNvPr id="34" name="ZoneTexte 33"/>
-              <p:cNvSpPr txBox="1">
-                <a:spLocks noRot="1" noChangeAspect="1" noMove="1" noResize="1" noEditPoints="1" noAdjustHandles="1" noChangeArrowheads="1" noChangeShapeType="1" noTextEdit="1"/>
-              </p:cNvSpPr>
-              <p:nvPr/>
-            </p:nvSpPr>
-            <p:spPr>
-              <a:xfrm rot="5400000">
-                <a:off x="2498389" y="2421287"/>
-                <a:ext cx="1140890" cy="261610"/>
-              </a:xfrm>
-              <a:prstGeom prst="rect">
-                <a:avLst/>
-              </a:prstGeom>
-              <a:blipFill rotWithShape="1">
-                <a:blip r:embed="rId5"/>
-                <a:stretch>
-                  <a:fillRect l="-16279"/>
-                </a:stretch>
-              </a:blipFill>
-            </p:spPr>
-            <p:txBody>
-              <a:bodyPr/>
-              <a:lstStyle/>
-              <a:p>
-                <a:r>
-                  <a:rPr lang="fr-FR">
-                    <a:noFill/>
-                  </a:rPr>
-                  <a:t> </a:t>
-                </a:r>
-              </a:p>
-            </p:txBody>
-          </p:sp>
-        </mc:Fallback>
-      </mc:AlternateContent>
-      <mc:AlternateContent xmlns:mc="http://schemas.openxmlformats.org/markup-compatibility/2006" xmlns:a14="http://schemas.microsoft.com/office/drawing/2010/main">
-        <mc:Choice Requires="a14">
-          <p:sp>
-            <p:nvSpPr>
-              <p:cNvPr id="35" name="ZoneTexte 34"/>
-              <p:cNvSpPr txBox="1"/>
-              <p:nvPr/>
-            </p:nvSpPr>
-            <p:spPr>
-              <a:xfrm>
-                <a:off x="4067944" y="1639000"/>
-                <a:ext cx="2465419" cy="627672"/>
-              </a:xfrm>
-              <a:prstGeom prst="rect">
-                <a:avLst/>
-              </a:prstGeom>
-              <a:noFill/>
-            </p:spPr>
-            <p:txBody>
-              <a:bodyPr wrap="none" rtlCol="0">
-                <a:spAutoFit/>
-              </a:bodyPr>
-              <a:lstStyle/>
-              <a:p>
-                <a:pPr/>
-                <a14:m>
-                  <m:oMathPara xmlns:m="http://schemas.openxmlformats.org/officeDocument/2006/math">
-                    <m:oMathParaPr>
-                      <m:jc m:val="centerGroup"/>
-                    </m:oMathParaPr>
-                    <m:oMath xmlns:m="http://schemas.openxmlformats.org/officeDocument/2006/math">
-                      <m:sSub>
-                        <m:sSubPr>
-                          <m:ctrlPr>
-                            <a:rPr lang="fr-FR" sz="1400" b="0" i="1" smtClean="0">
-                              <a:latin typeface="Cambria Math"/>
-                            </a:rPr>
-                          </m:ctrlPr>
-                        </m:sSubPr>
-                        <m:e>
-                          <m:d>
-                            <m:dPr>
-                              <m:begChr m:val="{"/>
-                              <m:endChr m:val="}"/>
-                              <m:ctrlPr>
-                                <a:rPr lang="fr-FR" sz="1400" b="0" i="1" smtClean="0">
-                                  <a:latin typeface="Cambria Math"/>
-                                </a:rPr>
-                              </m:ctrlPr>
-                            </m:dPr>
-                            <m:e>
-                              <m:r>
-                                <a:rPr lang="fr-FR" sz="1400" b="0" i="1" smtClean="0">
-                                  <a:latin typeface="Cambria Math"/>
-                                  <a:ea typeface="Cambria Math"/>
-                                </a:rPr>
-                                <m:t>𝒯</m:t>
-                              </m:r>
-                              <m:d>
-                                <m:dPr>
-                                  <m:ctrlPr>
-                                    <a:rPr lang="fr-FR" sz="1400" b="0" i="1" smtClean="0">
-                                      <a:latin typeface="Cambria Math"/>
-                                      <a:ea typeface="Cambria Math"/>
-                                    </a:rPr>
-                                  </m:ctrlPr>
-                                </m:dPr>
-                                <m:e>
-                                  <m:r>
-                                    <m:rPr>
-                                      <m:sty m:val="p"/>
-                                    </m:rPr>
-                                    <a:rPr lang="fr-FR" sz="1400">
-                                      <a:latin typeface="Cambria Math"/>
-                                    </a:rPr>
-                                    <m:t>ext</m:t>
-                                  </m:r>
-                                  <m:r>
-                                    <a:rPr lang="fr-FR" sz="1400" i="1">
-                                      <a:latin typeface="Cambria Math"/>
-                                    </a:rPr>
-                                    <m:t>→4</m:t>
-                                  </m:r>
-                                </m:e>
-                              </m:d>
-                            </m:e>
-                          </m:d>
-                          <m:r>
-                            <a:rPr lang="fr-FR" sz="1400" b="0" i="1" smtClean="0">
-                              <a:latin typeface="Cambria Math"/>
-                            </a:rPr>
-                            <m:t>=</m:t>
-                          </m:r>
-                          <m:d>
-                            <m:dPr>
-                              <m:begChr m:val="{"/>
-                              <m:endChr m:val="}"/>
-                              <m:ctrlPr>
-                                <a:rPr lang="fr-FR" sz="1400" b="0" i="1" smtClean="0">
-                                  <a:latin typeface="Cambria Math"/>
-                                </a:rPr>
-                              </m:ctrlPr>
-                            </m:dPr>
-                            <m:e>
-                              <m:eqArr>
-                                <m:eqArrPr>
-                                  <m:ctrlPr>
-                                    <a:rPr lang="fr-FR" sz="1400" b="0" i="1" smtClean="0">
-                                      <a:latin typeface="Cambria Math"/>
-                                    </a:rPr>
-                                  </m:ctrlPr>
-                                </m:eqArrPr>
-                                <m:e>
-                                  <m:sSub>
-                                    <m:sSubPr>
-                                      <m:ctrlPr>
-                                        <a:rPr lang="fr-FR" sz="1400" i="1">
-                                          <a:latin typeface="Cambria Math"/>
-                                        </a:rPr>
-                                      </m:ctrlPr>
-                                    </m:sSubPr>
-                                    <m:e>
-                                      <m:r>
-                                        <a:rPr lang="fr-FR" sz="1400" i="1">
-                                          <a:latin typeface="Cambria Math"/>
-                                        </a:rPr>
-                                        <m:t>𝑅</m:t>
-                                      </m:r>
-                                    </m:e>
-                                    <m:sub>
-                                      <m:r>
-                                        <m:rPr>
-                                          <m:sty m:val="p"/>
-                                        </m:rPr>
-                                        <a:rPr lang="fr-FR" sz="1400">
-                                          <a:latin typeface="Cambria Math"/>
-                                        </a:rPr>
-                                        <m:t>ext</m:t>
-                                      </m:r>
-                                      <m:r>
-                                        <a:rPr lang="fr-FR" sz="1400" i="1">
-                                          <a:latin typeface="Cambria Math"/>
-                                        </a:rPr>
-                                        <m:t>→4</m:t>
-                                      </m:r>
-                                    </m:sub>
-                                  </m:sSub>
-                                  <m:acc>
-                                    <m:accPr>
-                                      <m:chr m:val="⃗"/>
-                                      <m:ctrlPr>
-                                        <a:rPr lang="fr-FR" sz="1400" i="1">
-                                          <a:latin typeface="Cambria Math"/>
-                                        </a:rPr>
-                                      </m:ctrlPr>
-                                    </m:accPr>
-                                    <m:e>
-                                      <m:sSub>
-                                        <m:sSubPr>
-                                          <m:ctrlPr>
-                                            <a:rPr lang="fr-FR" sz="1400" i="1">
-                                              <a:latin typeface="Cambria Math"/>
-                                            </a:rPr>
-                                          </m:ctrlPr>
-                                        </m:sSubPr>
-                                        <m:e>
-                                          <m:r>
-                                            <a:rPr lang="fr-FR" sz="1400" i="1">
-                                              <a:latin typeface="Cambria Math"/>
-                                            </a:rPr>
-                                            <m:t>𝑧</m:t>
-                                          </m:r>
-                                        </m:e>
-                                        <m:sub>
-                                          <m:r>
-                                            <a:rPr lang="fr-FR" sz="1400" i="1">
-                                              <a:latin typeface="Cambria Math"/>
-                                            </a:rPr>
-                                            <m:t>4</m:t>
-                                          </m:r>
-                                        </m:sub>
-                                      </m:sSub>
-                                    </m:e>
-                                  </m:acc>
-                                </m:e>
-                                <m:e>
-                                  <m:acc>
-                                    <m:accPr>
-                                      <m:chr m:val="⃗"/>
-                                      <m:ctrlPr>
-                                        <a:rPr lang="fr-FR" sz="1400" i="1">
-                                          <a:latin typeface="Cambria Math"/>
-                                        </a:rPr>
-                                      </m:ctrlPr>
-                                    </m:accPr>
-                                    <m:e>
-                                      <m:r>
-                                        <a:rPr lang="fr-FR" sz="1400" b="0" i="1" smtClean="0">
-                                          <a:latin typeface="Cambria Math"/>
-                                        </a:rPr>
-                                        <m:t>0</m:t>
-                                      </m:r>
-                                    </m:e>
-                                  </m:acc>
-                                </m:e>
-                              </m:eqArr>
-                            </m:e>
-                          </m:d>
-                        </m:e>
-                        <m:sub>
-                          <m:sSub>
-                            <m:sSubPr>
-                              <m:ctrlPr>
-                                <a:rPr lang="fr-FR" sz="1400" b="0" i="1" smtClean="0">
-                                  <a:latin typeface="Cambria Math"/>
-                                </a:rPr>
-                              </m:ctrlPr>
-                            </m:sSubPr>
-                            <m:e>
-                              <m:r>
-                                <a:rPr lang="fr-FR" sz="1400" b="0" i="1" smtClean="0">
-                                  <a:latin typeface="Cambria Math"/>
-                                </a:rPr>
-                                <m:t>𝑂</m:t>
-                              </m:r>
-                            </m:e>
-                            <m:sub>
-                              <m:r>
-                                <a:rPr lang="fr-FR" sz="1400" b="0" i="1" smtClean="0">
-                                  <a:latin typeface="Cambria Math"/>
-                                </a:rPr>
-                                <m:t>4</m:t>
-                              </m:r>
-                            </m:sub>
-                          </m:sSub>
-                        </m:sub>
-                      </m:sSub>
-                    </m:oMath>
-                  </m:oMathPara>
-                </a14:m>
-                <a:endParaRPr lang="fr-FR" sz="1000" dirty="0"/>
-              </a:p>
-            </p:txBody>
-          </p:sp>
-        </mc:Choice>
-        <mc:Fallback xmlns="">
-          <p:sp>
-            <p:nvSpPr>
-              <p:cNvPr id="35" name="ZoneTexte 34"/>
-              <p:cNvSpPr txBox="1">
-                <a:spLocks noRot="1" noChangeAspect="1" noMove="1" noResize="1" noEditPoints="1" noAdjustHandles="1" noChangeArrowheads="1" noChangeShapeType="1" noTextEdit="1"/>
-              </p:cNvSpPr>
-              <p:nvPr/>
-            </p:nvSpPr>
-            <p:spPr>
-              <a:xfrm>
-                <a:off x="4067944" y="1639000"/>
-                <a:ext cx="2465419" cy="627672"/>
-              </a:xfrm>
-              <a:prstGeom prst="rect">
-                <a:avLst/>
-              </a:prstGeom>
-              <a:blipFill rotWithShape="1">
-                <a:blip r:embed="rId6"/>
-                <a:stretch>
-                  <a:fillRect/>
-                </a:stretch>
-              </a:blipFill>
-            </p:spPr>
-            <p:txBody>
-              <a:bodyPr/>
-              <a:lstStyle/>
-              <a:p>
-                <a:r>
-                  <a:rPr lang="fr-FR">
-                    <a:noFill/>
-                  </a:rPr>
-                  <a:t> </a:t>
-                </a:r>
-              </a:p>
-            </p:txBody>
-          </p:sp>
-        </mc:Fallback>
-      </mc:AlternateContent>
-      <p:sp>
-        <p:nvSpPr>
-          <p:cNvPr id="36" name="ZoneTexte 35"/>
-          <p:cNvSpPr txBox="1"/>
-          <p:nvPr/>
-        </p:nvSpPr>
-        <p:spPr>
-          <a:xfrm>
-            <a:off x="2780801" y="794844"/>
-            <a:ext cx="763351" cy="261610"/>
-          </a:xfrm>
-          <a:prstGeom prst="rect">
-            <a:avLst/>
-          </a:prstGeom>
-          <a:noFill/>
-        </p:spPr>
-        <p:txBody>
-          <a:bodyPr wrap="none" rtlCol="0">
-            <a:spAutoFit/>
-          </a:bodyPr>
-          <a:lstStyle/>
-          <a:p>
-            <a:r>
-              <a:rPr lang="fr-FR" sz="1100" b="0" dirty="0" smtClean="0"/>
-              <a:t>Pesanteur</a:t>
-            </a:r>
-            <a:endParaRPr lang="fr-FR" sz="1100" dirty="0"/>
-          </a:p>
-        </p:txBody>
-      </p:sp>
-      <mc:AlternateContent xmlns:mc="http://schemas.openxmlformats.org/markup-compatibility/2006" xmlns:a14="http://schemas.microsoft.com/office/drawing/2010/main">
-        <mc:Choice Requires="a14">
-          <p:sp>
-            <p:nvSpPr>
-              <p:cNvPr id="37" name="Rectangle 36"/>
-              <p:cNvSpPr/>
-              <p:nvPr/>
-            </p:nvSpPr>
-            <p:spPr>
-              <a:xfrm rot="19800000">
-                <a:off x="397779" y="1408765"/>
-                <a:ext cx="641393" cy="261610"/>
-              </a:xfrm>
-              <a:prstGeom prst="rect">
-                <a:avLst/>
-              </a:prstGeom>
-            </p:spPr>
-            <p:txBody>
-              <a:bodyPr wrap="none">
-                <a:spAutoFit/>
-              </a:bodyPr>
-              <a:lstStyle/>
-              <a:p>
-                <a:pPr/>
-                <a14:m>
-                  <m:oMathPara xmlns:m="http://schemas.openxmlformats.org/officeDocument/2006/math">
-                    <m:oMathParaPr>
-                      <m:jc m:val="centerGroup"/>
-                    </m:oMathParaPr>
-                    <m:oMath xmlns:m="http://schemas.openxmlformats.org/officeDocument/2006/math">
-                      <m:sSub>
-                        <m:sSubPr>
-                          <m:ctrlPr>
-                            <a:rPr lang="fr-FR" sz="1100" i="1" smtClean="0">
-                              <a:latin typeface="Cambria Math"/>
-                            </a:rPr>
-                          </m:ctrlPr>
-                        </m:sSubPr>
-                        <m:e>
-                          <m:r>
-                            <a:rPr lang="fr-FR" sz="1100" b="0" i="1" smtClean="0">
-                              <a:latin typeface="Cambria Math"/>
-                            </a:rPr>
-                            <m:t>𝐶</m:t>
-                          </m:r>
-                        </m:e>
-                        <m:sub>
-                          <m:r>
-                            <m:rPr>
-                              <m:sty m:val="p"/>
-                            </m:rPr>
-                            <a:rPr lang="fr-FR" sz="1100" b="0" i="0" smtClean="0">
-                              <a:latin typeface="Cambria Math"/>
-                            </a:rPr>
-                            <m:t>m</m:t>
-                          </m:r>
-                          <m:r>
-                            <a:rPr lang="fr-FR" sz="1100" b="0" i="0" smtClean="0">
-                              <a:latin typeface="Cambria Math"/>
-                            </a:rPr>
-                            <m:t>0</m:t>
-                          </m:r>
-                          <m:r>
-                            <a:rPr lang="fr-FR" sz="1100" b="0" i="1" smtClean="0">
-                              <a:latin typeface="Cambria Math"/>
-                            </a:rPr>
-                            <m:t>1</m:t>
-                          </m:r>
-                        </m:sub>
-                      </m:sSub>
-                      <m:acc>
-                        <m:accPr>
-                          <m:chr m:val="⃗"/>
-                          <m:ctrlPr>
-                            <a:rPr lang="fr-FR" sz="1100" i="1">
-                              <a:latin typeface="Cambria Math"/>
-                            </a:rPr>
-                          </m:ctrlPr>
-                        </m:accPr>
-                        <m:e>
-                          <m:sSub>
-                            <m:sSubPr>
-                              <m:ctrlPr>
-                                <a:rPr lang="fr-FR" sz="1100" i="1">
-                                  <a:latin typeface="Cambria Math"/>
-                                </a:rPr>
-                              </m:ctrlPr>
-                            </m:sSubPr>
-                            <m:e>
-                              <m:r>
-                                <a:rPr lang="fr-FR" sz="1100" i="1">
-                                  <a:latin typeface="Cambria Math"/>
-                                </a:rPr>
-                                <m:t>𝑧</m:t>
-                              </m:r>
-                            </m:e>
-                            <m:sub>
-                              <m:r>
-                                <a:rPr lang="fr-FR" sz="1100" b="0" i="1" smtClean="0">
-                                  <a:latin typeface="Cambria Math"/>
-                                </a:rPr>
-                                <m:t>1</m:t>
-                              </m:r>
-                            </m:sub>
-                          </m:sSub>
-                        </m:e>
-                      </m:acc>
-                    </m:oMath>
-                  </m:oMathPara>
-                </a14:m>
-                <a:endParaRPr lang="fr-FR" sz="1100" dirty="0"/>
-              </a:p>
-            </p:txBody>
-          </p:sp>
-        </mc:Choice>
-        <mc:Fallback xmlns="">
-          <p:sp>
-            <p:nvSpPr>
-              <p:cNvPr id="37" name="Rectangle 36"/>
-              <p:cNvSpPr>
-                <a:spLocks noRot="1" noChangeAspect="1" noMove="1" noResize="1" noEditPoints="1" noAdjustHandles="1" noChangeArrowheads="1" noChangeShapeType="1" noTextEdit="1"/>
-              </p:cNvSpPr>
-              <p:nvPr/>
-            </p:nvSpPr>
-            <p:spPr>
-              <a:xfrm rot="19800000">
-                <a:off x="397779" y="1408765"/>
-                <a:ext cx="641393" cy="261610"/>
-              </a:xfrm>
-              <a:prstGeom prst="rect">
-                <a:avLst/>
-              </a:prstGeom>
-              <a:blipFill rotWithShape="1">
-                <a:blip r:embed="rId7"/>
-                <a:stretch>
-                  <a:fillRect/>
-                </a:stretch>
-              </a:blipFill>
-            </p:spPr>
-            <p:txBody>
-              <a:bodyPr/>
-              <a:lstStyle/>
-              <a:p>
-                <a:r>
-                  <a:rPr lang="fr-FR">
-                    <a:noFill/>
-                  </a:rPr>
-                  <a:t> </a:t>
-                </a:r>
-              </a:p>
-            </p:txBody>
-          </p:sp>
-        </mc:Fallback>
-      </mc:AlternateContent>
-      <mc:AlternateContent xmlns:mc="http://schemas.openxmlformats.org/markup-compatibility/2006" xmlns:a14="http://schemas.microsoft.com/office/drawing/2010/main">
-        <mc:Choice Requires="a14">
-          <p:sp>
-            <p:nvSpPr>
-              <p:cNvPr id="39" name="Rectangle 38"/>
-              <p:cNvSpPr/>
-              <p:nvPr/>
-            </p:nvSpPr>
-            <p:spPr>
-              <a:xfrm rot="19800000">
-                <a:off x="1393370" y="1468192"/>
-                <a:ext cx="545214" cy="261610"/>
-              </a:xfrm>
-              <a:prstGeom prst="rect">
-                <a:avLst/>
-              </a:prstGeom>
-            </p:spPr>
-            <p:txBody>
-              <a:bodyPr wrap="none">
-                <a:spAutoFit/>
-              </a:bodyPr>
-              <a:lstStyle/>
-              <a:p>
-                <a:pPr/>
-                <a14:m>
-                  <m:oMathPara xmlns:m="http://schemas.openxmlformats.org/officeDocument/2006/math">
-                    <m:oMathParaPr>
-                      <m:jc m:val="centerGroup"/>
-                    </m:oMathParaPr>
-                    <m:oMath xmlns:m="http://schemas.openxmlformats.org/officeDocument/2006/math">
-                      <m:sSub>
-                        <m:sSubPr>
-                          <m:ctrlPr>
-                            <a:rPr lang="fr-FR" sz="1100" i="1" smtClean="0">
-                              <a:latin typeface="Cambria Math"/>
-                            </a:rPr>
-                          </m:ctrlPr>
-                        </m:sSubPr>
-                        <m:e>
-                          <m:r>
-                            <a:rPr lang="fr-FR" sz="1100" b="0" i="1" smtClean="0">
-                              <a:latin typeface="Cambria Math"/>
-                            </a:rPr>
-                            <m:t>𝐶</m:t>
-                          </m:r>
-                        </m:e>
-                        <m:sub>
-                          <m:r>
-                            <a:rPr lang="fr-FR" sz="1100" b="0" i="1" smtClean="0">
-                              <a:latin typeface="Cambria Math"/>
-                            </a:rPr>
-                            <m:t>12</m:t>
-                          </m:r>
-                        </m:sub>
-                      </m:sSub>
-                      <m:acc>
-                        <m:accPr>
-                          <m:chr m:val="⃗"/>
-                          <m:ctrlPr>
-                            <a:rPr lang="fr-FR" sz="1100" i="1">
-                              <a:latin typeface="Cambria Math"/>
-                            </a:rPr>
-                          </m:ctrlPr>
-                        </m:accPr>
-                        <m:e>
-                          <m:sSub>
-                            <m:sSubPr>
-                              <m:ctrlPr>
-                                <a:rPr lang="fr-FR" sz="1100" i="1">
-                                  <a:latin typeface="Cambria Math"/>
-                                </a:rPr>
-                              </m:ctrlPr>
-                            </m:sSubPr>
-                            <m:e>
-                              <m:r>
-                                <a:rPr lang="fr-FR" sz="1100" i="1">
-                                  <a:latin typeface="Cambria Math"/>
-                                </a:rPr>
-                                <m:t>𝑧</m:t>
-                              </m:r>
-                            </m:e>
-                            <m:sub>
-                              <m:r>
-                                <a:rPr lang="fr-FR" sz="1100" b="0" i="1" smtClean="0">
-                                  <a:latin typeface="Cambria Math"/>
-                                </a:rPr>
-                                <m:t>2</m:t>
-                              </m:r>
-                            </m:sub>
-                          </m:sSub>
-                        </m:e>
-                      </m:acc>
-                    </m:oMath>
-                  </m:oMathPara>
-                </a14:m>
-                <a:endParaRPr lang="fr-FR" sz="1100" dirty="0"/>
-              </a:p>
-            </p:txBody>
-          </p:sp>
-        </mc:Choice>
-        <mc:Fallback xmlns="">
-          <p:sp>
-            <p:nvSpPr>
-              <p:cNvPr id="39" name="Rectangle 38"/>
-              <p:cNvSpPr>
-                <a:spLocks noRot="1" noChangeAspect="1" noMove="1" noResize="1" noEditPoints="1" noAdjustHandles="1" noChangeArrowheads="1" noChangeShapeType="1" noTextEdit="1"/>
-              </p:cNvSpPr>
-              <p:nvPr/>
-            </p:nvSpPr>
-            <p:spPr>
-              <a:xfrm rot="19800000">
-                <a:off x="1393370" y="1468192"/>
-                <a:ext cx="545214" cy="261610"/>
-              </a:xfrm>
-              <a:prstGeom prst="rect">
-                <a:avLst/>
-              </a:prstGeom>
-              <a:blipFill rotWithShape="1">
-                <a:blip r:embed="rId8"/>
-                <a:stretch>
-                  <a:fillRect/>
-                </a:stretch>
-              </a:blipFill>
-            </p:spPr>
-            <p:txBody>
-              <a:bodyPr/>
-              <a:lstStyle/>
-              <a:p>
-                <a:r>
-                  <a:rPr lang="fr-FR">
-                    <a:noFill/>
-                  </a:rPr>
-                  <a:t> </a:t>
-                </a:r>
-              </a:p>
-            </p:txBody>
-          </p:sp>
-        </mc:Fallback>
-      </mc:AlternateContent>
-      <mc:AlternateContent xmlns:mc="http://schemas.openxmlformats.org/markup-compatibility/2006" xmlns:a14="http://schemas.microsoft.com/office/drawing/2010/main">
-        <mc:Choice Requires="a14">
-          <p:sp>
-            <p:nvSpPr>
-              <p:cNvPr id="40" name="Rectangle 39"/>
-              <p:cNvSpPr/>
-              <p:nvPr/>
-            </p:nvSpPr>
-            <p:spPr>
-              <a:xfrm rot="19800000">
-                <a:off x="2129684" y="1467064"/>
-                <a:ext cx="548483" cy="261610"/>
-              </a:xfrm>
-              <a:prstGeom prst="rect">
-                <a:avLst/>
-              </a:prstGeom>
-            </p:spPr>
-            <p:txBody>
-              <a:bodyPr wrap="none">
-                <a:spAutoFit/>
-              </a:bodyPr>
-              <a:lstStyle/>
-              <a:p>
-                <a:pPr/>
-                <a14:m>
-                  <m:oMathPara xmlns:m="http://schemas.openxmlformats.org/officeDocument/2006/math">
-                    <m:oMathParaPr>
-                      <m:jc m:val="centerGroup"/>
-                    </m:oMathParaPr>
-                    <m:oMath xmlns:m="http://schemas.openxmlformats.org/officeDocument/2006/math">
-                      <m:sSub>
-                        <m:sSubPr>
-                          <m:ctrlPr>
-                            <a:rPr lang="fr-FR" sz="1100" i="1" smtClean="0">
-                              <a:latin typeface="Cambria Math"/>
-                            </a:rPr>
-                          </m:ctrlPr>
-                        </m:sSubPr>
-                        <m:e>
-                          <m:r>
-                            <a:rPr lang="fr-FR" sz="1100" b="0" i="1" smtClean="0">
-                              <a:latin typeface="Cambria Math"/>
-                            </a:rPr>
-                            <m:t>𝐶</m:t>
-                          </m:r>
-                        </m:e>
-                        <m:sub>
-                          <m:r>
-                            <a:rPr lang="fr-FR" sz="1100" b="0" i="1" smtClean="0">
-                              <a:latin typeface="Cambria Math"/>
-                            </a:rPr>
-                            <m:t>23</m:t>
-                          </m:r>
-                        </m:sub>
-                      </m:sSub>
-                      <m:acc>
-                        <m:accPr>
-                          <m:chr m:val="⃗"/>
-                          <m:ctrlPr>
-                            <a:rPr lang="fr-FR" sz="1100" i="1">
-                              <a:latin typeface="Cambria Math"/>
-                            </a:rPr>
-                          </m:ctrlPr>
-                        </m:accPr>
-                        <m:e>
-                          <m:sSub>
-                            <m:sSubPr>
-                              <m:ctrlPr>
-                                <a:rPr lang="fr-FR" sz="1100" i="1">
-                                  <a:latin typeface="Cambria Math"/>
-                                </a:rPr>
-                              </m:ctrlPr>
-                            </m:sSubPr>
-                            <m:e>
-                              <m:r>
-                                <a:rPr lang="fr-FR" sz="1100" i="1">
-                                  <a:latin typeface="Cambria Math"/>
-                                </a:rPr>
-                                <m:t>𝑧</m:t>
-                              </m:r>
-                            </m:e>
-                            <m:sub>
-                              <m:r>
-                                <a:rPr lang="fr-FR" sz="1100" b="0" i="1" smtClean="0">
-                                  <a:latin typeface="Cambria Math"/>
-                                </a:rPr>
-                                <m:t>3</m:t>
-                              </m:r>
-                            </m:sub>
-                          </m:sSub>
-                        </m:e>
-                      </m:acc>
-                    </m:oMath>
-                  </m:oMathPara>
-                </a14:m>
-                <a:endParaRPr lang="fr-FR" sz="1100" dirty="0"/>
-              </a:p>
-            </p:txBody>
-          </p:sp>
-        </mc:Choice>
-        <mc:Fallback xmlns="">
-          <p:sp>
-            <p:nvSpPr>
-              <p:cNvPr id="40" name="Rectangle 39"/>
-              <p:cNvSpPr>
-                <a:spLocks noRot="1" noChangeAspect="1" noMove="1" noResize="1" noEditPoints="1" noAdjustHandles="1" noChangeArrowheads="1" noChangeShapeType="1" noTextEdit="1"/>
-              </p:cNvSpPr>
-              <p:nvPr/>
-            </p:nvSpPr>
-            <p:spPr>
-              <a:xfrm rot="19800000">
-                <a:off x="2129684" y="1467064"/>
-                <a:ext cx="548483" cy="261610"/>
-              </a:xfrm>
-              <a:prstGeom prst="rect">
-                <a:avLst/>
-              </a:prstGeom>
-              <a:blipFill rotWithShape="1">
-                <a:blip r:embed="rId9"/>
-                <a:stretch>
-                  <a:fillRect/>
-                </a:stretch>
-              </a:blipFill>
-            </p:spPr>
-            <p:txBody>
-              <a:bodyPr/>
-              <a:lstStyle/>
-              <a:p>
-                <a:r>
-                  <a:rPr lang="fr-FR">
-                    <a:noFill/>
-                  </a:rPr>
-                  <a:t> </a:t>
-                </a:r>
-              </a:p>
-            </p:txBody>
-          </p:sp>
-        </mc:Fallback>
-      </mc:AlternateContent>
-      <mc:AlternateContent xmlns:mc="http://schemas.openxmlformats.org/markup-compatibility/2006" xmlns:a14="http://schemas.microsoft.com/office/drawing/2010/main">
-        <mc:Choice Requires="a14">
-          <p:sp>
-            <p:nvSpPr>
-              <p:cNvPr id="42" name="Rectangle 41"/>
-              <p:cNvSpPr/>
-              <p:nvPr/>
-            </p:nvSpPr>
-            <p:spPr>
-              <a:xfrm rot="19800000">
-                <a:off x="2848439" y="1467064"/>
-                <a:ext cx="639086" cy="261610"/>
-              </a:xfrm>
-              <a:prstGeom prst="rect">
-                <a:avLst/>
-              </a:prstGeom>
-            </p:spPr>
-            <p:txBody>
-              <a:bodyPr wrap="none">
-                <a:spAutoFit/>
-              </a:bodyPr>
-              <a:lstStyle/>
-              <a:p>
-                <a:pPr/>
-                <a14:m>
-                  <m:oMathPara xmlns:m="http://schemas.openxmlformats.org/officeDocument/2006/math">
-                    <m:oMathParaPr>
-                      <m:jc m:val="centerGroup"/>
-                    </m:oMathParaPr>
-                    <m:oMath xmlns:m="http://schemas.openxmlformats.org/officeDocument/2006/math">
-                      <m:sSub>
-                        <m:sSubPr>
-                          <m:ctrlPr>
-                            <a:rPr lang="fr-FR" sz="1100" i="1" smtClean="0">
-                              <a:latin typeface="Cambria Math"/>
-                            </a:rPr>
-                          </m:ctrlPr>
-                        </m:sSubPr>
-                        <m:e>
-                          <m:r>
-                            <a:rPr lang="fr-FR" sz="1100" b="0" i="1" smtClean="0">
-                              <a:latin typeface="Cambria Math"/>
-                            </a:rPr>
-                            <m:t>𝐹</m:t>
-                          </m:r>
-                        </m:e>
-                        <m:sub>
-                          <m:r>
-                            <m:rPr>
-                              <m:sty m:val="p"/>
-                            </m:rPr>
-                            <a:rPr lang="fr-FR" sz="1100" b="0" i="0" smtClean="0">
-                              <a:latin typeface="Cambria Math"/>
-                            </a:rPr>
-                            <m:t>m</m:t>
-                          </m:r>
-                          <m:r>
-                            <a:rPr lang="fr-FR" sz="1100" b="0" i="1" smtClean="0">
-                              <a:latin typeface="Cambria Math"/>
-                            </a:rPr>
-                            <m:t>34</m:t>
-                          </m:r>
-                        </m:sub>
-                      </m:sSub>
-                      <m:acc>
-                        <m:accPr>
-                          <m:chr m:val="⃗"/>
-                          <m:ctrlPr>
-                            <a:rPr lang="fr-FR" sz="1100" i="1">
-                              <a:latin typeface="Cambria Math"/>
-                            </a:rPr>
-                          </m:ctrlPr>
-                        </m:accPr>
-                        <m:e>
-                          <m:sSub>
-                            <m:sSubPr>
-                              <m:ctrlPr>
-                                <a:rPr lang="fr-FR" sz="1100" i="1">
-                                  <a:latin typeface="Cambria Math"/>
-                                </a:rPr>
-                              </m:ctrlPr>
-                            </m:sSubPr>
-                            <m:e>
-                              <m:r>
-                                <a:rPr lang="fr-FR" sz="1100" i="1">
-                                  <a:latin typeface="Cambria Math"/>
-                                </a:rPr>
-                                <m:t>𝑧</m:t>
-                              </m:r>
-                            </m:e>
-                            <m:sub>
-                              <m:r>
-                                <a:rPr lang="fr-FR" sz="1100" b="0" i="1" smtClean="0">
-                                  <a:latin typeface="Cambria Math"/>
-                                </a:rPr>
-                                <m:t>4</m:t>
-                              </m:r>
-                            </m:sub>
-                          </m:sSub>
-                        </m:e>
-                      </m:acc>
-                    </m:oMath>
-                  </m:oMathPara>
-                </a14:m>
-                <a:endParaRPr lang="fr-FR" sz="1100" dirty="0"/>
-              </a:p>
-            </p:txBody>
-          </p:sp>
-        </mc:Choice>
-        <mc:Fallback xmlns="">
-          <p:sp>
-            <p:nvSpPr>
-              <p:cNvPr id="42" name="Rectangle 41"/>
-              <p:cNvSpPr>
-                <a:spLocks noRot="1" noChangeAspect="1" noMove="1" noResize="1" noEditPoints="1" noAdjustHandles="1" noChangeArrowheads="1" noChangeShapeType="1" noTextEdit="1"/>
-              </p:cNvSpPr>
-              <p:nvPr/>
-            </p:nvSpPr>
-            <p:spPr>
-              <a:xfrm rot="19800000">
-                <a:off x="2848439" y="1467064"/>
-                <a:ext cx="639086" cy="261610"/>
-              </a:xfrm>
-              <a:prstGeom prst="rect">
-                <a:avLst/>
-              </a:prstGeom>
-              <a:blipFill rotWithShape="1">
-                <a:blip r:embed="rId10"/>
-                <a:stretch>
-                  <a:fillRect/>
-                </a:stretch>
-              </a:blipFill>
-            </p:spPr>
-            <p:txBody>
-              <a:bodyPr/>
-              <a:lstStyle/>
-              <a:p>
-                <a:r>
-                  <a:rPr lang="fr-FR">
-                    <a:noFill/>
-                  </a:rPr>
-                  <a:t> </a:t>
-                </a:r>
-              </a:p>
-            </p:txBody>
-          </p:sp>
-        </mc:Fallback>
-      </mc:AlternateContent>
-    </p:spTree>
-    <p:extLst>
-      <p:ext uri="{BB962C8B-B14F-4D97-AF65-F5344CB8AC3E}">
-        <p14:creationId xmlns:p14="http://schemas.microsoft.com/office/powerpoint/2010/main" val="178783706"/>
-      </p:ext>
-    </p:extLst>
-  </p:cSld>
-  <p:clrMapOvr>
-    <a:masterClrMapping/>
-  </p:clrMapOvr>
-</p:sld>
-</file>
-
 <file path=ppt/theme/theme1.xml><?xml version="1.0" encoding="utf-8"?>
 <a:theme xmlns:a="http://schemas.openxmlformats.org/drawingml/2006/main" name="Thème Office">
   <a:themeElements>
